--- a/thesisposter.pptx
+++ b/thesisposter.pptx
@@ -3034,7 +3034,7 @@
                 <a:latin typeface="Cambria" panose="02040503050406030204" pitchFamily="18" charset="0"/>
                 <a:cs typeface="Arial" panose="020B0604020202020204" pitchFamily="34" charset="0"/>
               </a:rPr>
-              <a:t>Place Your Poster Title Here</a:t>
+              <a:t>Reinforcement Learning Applied to the Shoals Marine Laboratory Smart Grid</a:t>
             </a:r>
             <a:br>
               <a:rPr lang="en-US" sz="7700" dirty="0">
@@ -3046,14 +3046,14 @@
               </a:rPr>
             </a:br>
             <a:r>
-              <a:rPr lang="en-US" sz="5134" u="sng" dirty="0">
+              <a:rPr lang="en-US" sz="7700" dirty="0">
                 <a:solidFill>
                   <a:schemeClr val="bg1"/>
                 </a:solidFill>
                 <a:latin typeface="Cambria" panose="02040503050406030204" pitchFamily="18" charset="0"/>
                 <a:cs typeface="Arial" panose="020B0604020202020204" pitchFamily="34" charset="0"/>
               </a:rPr>
-              <a:t>Place Author Names Here</a:t>
+              <a:t>Daniel Mattson, Dr. Marek Petrik</a:t>
             </a:r>
             <a:br>
               <a:rPr lang="en-US" sz="5134" dirty="0">
@@ -3072,7 +3072,7 @@
                 <a:latin typeface="Cambria" panose="02040503050406030204" pitchFamily="18" charset="0"/>
                 <a:cs typeface="Arial" panose="020B0604020202020204" pitchFamily="34" charset="0"/>
               </a:rPr>
-              <a:t>Department Name Here, University of New Hampshire, Durham, NH 03824</a:t>
+              <a:t>Department of Computer Science, University of New Hampshire, Durham, NH 03824</a:t>
             </a:r>
             <a:endParaRPr lang="en-US" sz="8525" i="1" dirty="0">
               <a:solidFill>
@@ -3095,7 +3095,7 @@
         <p:spPr>
           <a:xfrm>
             <a:off x="434709" y="6067507"/>
-            <a:ext cx="10005181" cy="6409131"/>
+            <a:ext cx="10005181" cy="7642698"/>
           </a:xfrm>
           <a:prstGeom prst="rect">
             <a:avLst/>
@@ -3109,7 +3109,7 @@
         </p:spPr>
         <p:txBody>
           <a:bodyPr vert="horz" lIns="97785" tIns="48892" rIns="97785" bIns="48892" rtlCol="0" anchor="t">
-            <a:normAutofit/>
+            <a:normAutofit fontScale="85000" lnSpcReduction="20000"/>
           </a:bodyPr>
           <a:lstStyle>
             <a:lvl1pPr marL="0" indent="0" algn="ctr" defTabSz="3840480" rtl="0" eaLnBrk="1" latinLnBrk="0" hangingPunct="1">
@@ -3276,40 +3276,104 @@
             </a:lvl9pPr>
           </a:lstStyle>
           <a:p>
-            <a:pPr algn="l"/>
-            <a:r>
-              <a:rPr lang="en-US" sz="3392" dirty="0">
+            <a:pPr algn="l">
+              <a:spcBef>
+                <a:spcPts val="2200"/>
+              </a:spcBef>
+            </a:pPr>
+            <a:r>
+              <a:rPr lang="en-US" sz="4000" b="1" dirty="0">
                 <a:latin typeface="Cambria" panose="02040503050406030204" pitchFamily="18" charset="0"/>
               </a:rPr>
-              <a:t>Put your introduction text here.</a:t>
-            </a:r>
-          </a:p>
-          <a:p>
-            <a:endParaRPr lang="en-US" sz="3392" dirty="0">
-              <a:latin typeface="Cambria" panose="02040503050406030204" pitchFamily="18" charset="0"/>
-            </a:endParaRPr>
-          </a:p>
-          <a:p>
-            <a:endParaRPr lang="en-US" sz="3392" dirty="0">
-              <a:latin typeface="Cambria" panose="02040503050406030204" pitchFamily="18" charset="0"/>
-            </a:endParaRPr>
-          </a:p>
-          <a:p>
-            <a:endParaRPr lang="en-US" sz="3392" dirty="0">
-              <a:latin typeface="Cambria" panose="02040503050406030204" pitchFamily="18" charset="0"/>
-            </a:endParaRPr>
-          </a:p>
-          <a:p>
-            <a:endParaRPr lang="en-US" sz="3392" dirty="0">
-              <a:latin typeface="Cambria" panose="02040503050406030204" pitchFamily="18" charset="0"/>
-            </a:endParaRPr>
-          </a:p>
-          <a:p>
-            <a:endParaRPr lang="en-US" sz="3392" dirty="0">
-              <a:latin typeface="Cambria" panose="02040503050406030204" pitchFamily="18" charset="0"/>
-            </a:endParaRPr>
-          </a:p>
-          <a:p>
+              <a:t>Motivation:</a:t>
+            </a:r>
+          </a:p>
+          <a:p>
+            <a:pPr marL="571500" indent="-571500" algn="l">
+              <a:spcBef>
+                <a:spcPts val="2200"/>
+              </a:spcBef>
+              <a:buFont typeface="Arial" panose="020B0604020202020204" pitchFamily="34" charset="0"/>
+              <a:buChar char="•"/>
+            </a:pPr>
+            <a:r>
+              <a:rPr lang="en-US" sz="4000" dirty="0">
+                <a:latin typeface="Cambria" panose="02040503050406030204" pitchFamily="18" charset="0"/>
+              </a:rPr>
+              <a:t>The Shoals Marine Laboratory (SML) is a remote lab with an isolated power grid.</a:t>
+            </a:r>
+          </a:p>
+          <a:p>
+            <a:pPr marL="571500" indent="-571500" algn="l">
+              <a:lnSpc>
+                <a:spcPct val="100000"/>
+              </a:lnSpc>
+              <a:spcBef>
+                <a:spcPts val="2200"/>
+              </a:spcBef>
+              <a:buFont typeface="Arial" panose="020B0604020202020204" pitchFamily="34" charset="0"/>
+              <a:buChar char="•"/>
+            </a:pPr>
+            <a:r>
+              <a:rPr lang="en-US" sz="4000" dirty="0">
+                <a:latin typeface="Cambria" panose="02040503050406030204" pitchFamily="18" charset="0"/>
+              </a:rPr>
+              <a:t>The island’s goal is to solely use renewable energy, with a diesel generator as backup.</a:t>
+            </a:r>
+          </a:p>
+          <a:p>
+            <a:pPr marL="571500" indent="-571500" algn="l">
+              <a:lnSpc>
+                <a:spcPct val="100000"/>
+              </a:lnSpc>
+              <a:spcBef>
+                <a:spcPts val="2200"/>
+              </a:spcBef>
+              <a:buFont typeface="Arial" panose="020B0604020202020204" pitchFamily="34" charset="0"/>
+              <a:buChar char="•"/>
+            </a:pPr>
+            <a:r>
+              <a:rPr lang="en-US" sz="4000" dirty="0">
+                <a:latin typeface="Cambria" panose="02040503050406030204" pitchFamily="18" charset="0"/>
+              </a:rPr>
+              <a:t>Minimizing generator use and maximizing battery longevity is a complex task because of unpredictable environments and electricity demand.</a:t>
+            </a:r>
+          </a:p>
+          <a:p>
+            <a:pPr marL="571500" indent="-571500" algn="l">
+              <a:lnSpc>
+                <a:spcPct val="100000"/>
+              </a:lnSpc>
+              <a:spcBef>
+                <a:spcPts val="2200"/>
+              </a:spcBef>
+              <a:buFont typeface="Arial" panose="020B0604020202020204" pitchFamily="34" charset="0"/>
+              <a:buChar char="•"/>
+            </a:pPr>
+            <a:r>
+              <a:rPr lang="en-US" sz="4000" dirty="0">
+                <a:latin typeface="Cambria" panose="02040503050406030204" pitchFamily="18" charset="0"/>
+              </a:rPr>
+              <a:t>Reinforcement learning (RL) can be applied to this problem to improve generator usage beyond the intuitive policy the SML currently uses.</a:t>
+            </a:r>
+          </a:p>
+          <a:p>
+            <a:pPr marL="571500" indent="-571500" algn="l">
+              <a:lnSpc>
+                <a:spcPct val="100000"/>
+              </a:lnSpc>
+              <a:spcBef>
+                <a:spcPts val="2200"/>
+              </a:spcBef>
+              <a:buFont typeface="Arial" panose="020B0604020202020204" pitchFamily="34" charset="0"/>
+              <a:buChar char="•"/>
+            </a:pPr>
+            <a:r>
+              <a:rPr lang="en-US" sz="4000" dirty="0">
+                <a:latin typeface="Cambria" panose="02040503050406030204" pitchFamily="18" charset="0"/>
+              </a:rPr>
+              <a:t>Different underlying RL models are compared and evaluated in this project, with the _____ approximation providing the best results.</a:t>
+            </a:r>
             <a:endParaRPr lang="en-US" sz="3392" dirty="0">
               <a:latin typeface="Cambria" panose="02040503050406030204" pitchFamily="18" charset="0"/>
             </a:endParaRPr>
@@ -3526,7 +3590,7 @@
                 </a:solidFill>
                 <a:latin typeface="Cambria" panose="02040503050406030204" pitchFamily="18" charset="0"/>
               </a:rPr>
-              <a:t>Methodology</a:t>
+              <a:t>Reinforcement Learning</a:t>
             </a:r>
           </a:p>
         </p:txBody>
@@ -3722,189 +3786,68 @@
             </a:lvl9pPr>
           </a:lstStyle>
           <a:p>
-            <a:pPr algn="just">
-              <a:spcBef>
-                <a:spcPts val="0"/>
-              </a:spcBef>
+            <a:pPr marL="457200" indent="-457200" algn="l">
+              <a:lnSpc>
+                <a:spcPct val="100000"/>
+              </a:lnSpc>
+              <a:spcBef>
+                <a:spcPts val="1600"/>
+              </a:spcBef>
+              <a:buFont typeface="Arial" panose="020B0604020202020204" pitchFamily="34" charset="0"/>
+              <a:buChar char="•"/>
             </a:pPr>
             <a:r>
-              <a:rPr lang="en-US" sz="3392" dirty="0">
+              <a:rPr lang="en-US" sz="3600" dirty="0">
                 <a:latin typeface="Cambria" panose="02040503050406030204" pitchFamily="18" charset="0"/>
               </a:rPr>
-              <a:t>Place a description about your data here.</a:t>
-            </a:r>
-          </a:p>
-          <a:p>
-            <a:pPr marL="366715" indent="-366715" algn="just">
-              <a:spcBef>
-                <a:spcPts val="0"/>
+              <a:t>All data used in this project was taken from the public SML website.</a:t>
+            </a:r>
+          </a:p>
+          <a:p>
+            <a:pPr marL="457200" indent="-457200" algn="l">
+              <a:lnSpc>
+                <a:spcPct val="100000"/>
+              </a:lnSpc>
+              <a:spcBef>
+                <a:spcPts val="1600"/>
               </a:spcBef>
               <a:buFont typeface="Arial" panose="020B0604020202020204" pitchFamily="34" charset="0"/>
               <a:buChar char="•"/>
             </a:pPr>
-            <a:endParaRPr lang="en-US" sz="2658" dirty="0">
+            <a:r>
+              <a:rPr lang="en-US" sz="3600" dirty="0">
+                <a:latin typeface="Cambria" panose="02040503050406030204" pitchFamily="18" charset="0"/>
+              </a:rPr>
+              <a:t>Key variables to consider were the energy produced by solar, wind, and the generators on the island, along with the power usage from the battery storage.</a:t>
+            </a:r>
+          </a:p>
+          <a:p>
+            <a:pPr marL="457200" indent="-457200" algn="l">
+              <a:lnSpc>
+                <a:spcPct val="100000"/>
+              </a:lnSpc>
+              <a:spcBef>
+                <a:spcPts val="1600"/>
+              </a:spcBef>
+              <a:buFont typeface="Arial" panose="020B0604020202020204" pitchFamily="34" charset="0"/>
+              <a:buChar char="•"/>
+            </a:pPr>
+            <a:endParaRPr lang="en-US" sz="3600" dirty="0">
               <a:latin typeface="Cambria" panose="02040503050406030204" pitchFamily="18" charset="0"/>
             </a:endParaRPr>
           </a:p>
           <a:p>
-            <a:pPr marL="366715" indent="-366715" algn="just">
-              <a:spcBef>
-                <a:spcPts val="0"/>
+            <a:pPr marL="457200" indent="-457200" algn="l">
+              <a:lnSpc>
+                <a:spcPct val="100000"/>
+              </a:lnSpc>
+              <a:spcBef>
+                <a:spcPts val="1600"/>
               </a:spcBef>
               <a:buFont typeface="Arial" panose="020B0604020202020204" pitchFamily="34" charset="0"/>
               <a:buChar char="•"/>
             </a:pPr>
-            <a:endParaRPr lang="en-US" sz="2658" dirty="0">
-              <a:latin typeface="Cambria" panose="02040503050406030204" pitchFamily="18" charset="0"/>
-            </a:endParaRPr>
-          </a:p>
-          <a:p>
-            <a:pPr marL="366715" indent="-366715" algn="just">
-              <a:spcBef>
-                <a:spcPts val="0"/>
-              </a:spcBef>
-              <a:buFont typeface="Arial" panose="020B0604020202020204" pitchFamily="34" charset="0"/>
-              <a:buChar char="•"/>
-            </a:pPr>
-            <a:endParaRPr lang="en-US" sz="2658" dirty="0">
-              <a:latin typeface="Cambria" panose="02040503050406030204" pitchFamily="18" charset="0"/>
-            </a:endParaRPr>
-          </a:p>
-          <a:p>
-            <a:pPr algn="just">
-              <a:spcBef>
-                <a:spcPts val="0"/>
-              </a:spcBef>
-            </a:pPr>
-            <a:endParaRPr lang="en-US" sz="2658" dirty="0">
-              <a:latin typeface="Cambria" panose="02040503050406030204" pitchFamily="18" charset="0"/>
-            </a:endParaRPr>
-          </a:p>
-          <a:p>
-            <a:pPr algn="just">
-              <a:spcBef>
-                <a:spcPts val="0"/>
-              </a:spcBef>
-            </a:pPr>
-            <a:endParaRPr lang="en-US" sz="2658" dirty="0">
-              <a:latin typeface="Cambria" panose="02040503050406030204" pitchFamily="18" charset="0"/>
-            </a:endParaRPr>
-          </a:p>
-          <a:p>
-            <a:pPr algn="just">
-              <a:spcBef>
-                <a:spcPts val="0"/>
-              </a:spcBef>
-            </a:pPr>
-            <a:endParaRPr lang="en-US" sz="2658" dirty="0">
-              <a:latin typeface="Cambria" panose="02040503050406030204" pitchFamily="18" charset="0"/>
-            </a:endParaRPr>
-          </a:p>
-          <a:p>
-            <a:pPr marL="366715" indent="-366715" algn="just">
-              <a:spcBef>
-                <a:spcPts val="0"/>
-              </a:spcBef>
-              <a:buFont typeface="Arial" panose="020B0604020202020204" pitchFamily="34" charset="0"/>
-              <a:buChar char="•"/>
-            </a:pPr>
-            <a:endParaRPr lang="en-US" sz="2658" dirty="0">
-              <a:latin typeface="Cambria" panose="02040503050406030204" pitchFamily="18" charset="0"/>
-            </a:endParaRPr>
-          </a:p>
-          <a:p>
-            <a:pPr algn="just">
-              <a:spcBef>
-                <a:spcPts val="0"/>
-              </a:spcBef>
-            </a:pPr>
-            <a:endParaRPr lang="en-US" sz="2658" dirty="0">
-              <a:latin typeface="Cambria" panose="02040503050406030204" pitchFamily="18" charset="0"/>
-            </a:endParaRPr>
-          </a:p>
-          <a:p>
-            <a:pPr marL="366715" indent="-366715" algn="just">
-              <a:spcBef>
-                <a:spcPts val="0"/>
-              </a:spcBef>
-              <a:buFont typeface="Arial" panose="020B0604020202020204" pitchFamily="34" charset="0"/>
-              <a:buChar char="•"/>
-            </a:pPr>
-            <a:endParaRPr lang="en-US" sz="2658" dirty="0">
-              <a:latin typeface="Cambria" panose="02040503050406030204" pitchFamily="18" charset="0"/>
-            </a:endParaRPr>
-          </a:p>
-          <a:p>
-            <a:pPr marL="366715" indent="-366715" algn="just">
-              <a:spcBef>
-                <a:spcPts val="0"/>
-              </a:spcBef>
-              <a:buFont typeface="Arial" panose="020B0604020202020204" pitchFamily="34" charset="0"/>
-              <a:buChar char="•"/>
-            </a:pPr>
-            <a:endParaRPr lang="en-US" sz="2658" dirty="0">
-              <a:latin typeface="Cambria" panose="02040503050406030204" pitchFamily="18" charset="0"/>
-            </a:endParaRPr>
-          </a:p>
-          <a:p>
-            <a:pPr marL="366715" indent="-366715" algn="just">
-              <a:spcBef>
-                <a:spcPts val="0"/>
-              </a:spcBef>
-              <a:buFont typeface="Arial" panose="020B0604020202020204" pitchFamily="34" charset="0"/>
-              <a:buChar char="•"/>
-            </a:pPr>
-            <a:endParaRPr lang="en-US" sz="2658" dirty="0">
-              <a:latin typeface="Cambria" panose="02040503050406030204" pitchFamily="18" charset="0"/>
-            </a:endParaRPr>
-          </a:p>
-          <a:p>
-            <a:pPr algn="l">
-              <a:spcBef>
-                <a:spcPts val="0"/>
-              </a:spcBef>
-            </a:pPr>
-            <a:endParaRPr lang="en-US" sz="2658" dirty="0">
-              <a:latin typeface="Cambria" panose="02040503050406030204" pitchFamily="18" charset="0"/>
-            </a:endParaRPr>
-          </a:p>
-          <a:p>
-            <a:pPr algn="just">
-              <a:spcBef>
-                <a:spcPts val="0"/>
-              </a:spcBef>
-            </a:pPr>
-            <a:endParaRPr lang="en-US" sz="2658" dirty="0">
-              <a:latin typeface="Cambria" panose="02040503050406030204" pitchFamily="18" charset="0"/>
-            </a:endParaRPr>
-          </a:p>
-          <a:p>
-            <a:pPr algn="l">
-              <a:spcBef>
-                <a:spcPts val="0"/>
-              </a:spcBef>
-            </a:pPr>
-            <a:endParaRPr lang="en-US" sz="2658" dirty="0">
-              <a:latin typeface="Cambria" panose="02040503050406030204" pitchFamily="18" charset="0"/>
-            </a:endParaRPr>
-          </a:p>
-          <a:p>
-            <a:pPr algn="l">
-              <a:spcBef>
-                <a:spcPts val="0"/>
-              </a:spcBef>
-            </a:pPr>
-            <a:endParaRPr lang="en-US" sz="2658" dirty="0">
-              <a:latin typeface="Cambria" panose="02040503050406030204" pitchFamily="18" charset="0"/>
-            </a:endParaRPr>
-          </a:p>
-          <a:p>
-            <a:pPr algn="l">
-              <a:spcBef>
-                <a:spcPts val="0"/>
-              </a:spcBef>
-            </a:pPr>
-            <a:endParaRPr lang="en-US" sz="2658" dirty="0">
+            <a:endParaRPr lang="en-US" sz="3600" dirty="0">
               <a:latin typeface="Cambria" panose="02040503050406030204" pitchFamily="18" charset="0"/>
             </a:endParaRPr>
           </a:p>
@@ -4111,7 +4054,7 @@
                 </a:solidFill>
                 <a:latin typeface="Cambria" panose="02040503050406030204" pitchFamily="18" charset="0"/>
               </a:rPr>
-              <a:t>Images Title Here</a:t>
+              <a:t>Value Function Approximations</a:t>
             </a:r>
           </a:p>
         </p:txBody>
@@ -4523,7 +4466,7 @@
                 </a:solidFill>
                 <a:latin typeface="Cambria" panose="02040503050406030204" pitchFamily="18" charset="0"/>
               </a:rPr>
-              <a:t>Introduction</a:t>
+              <a:t>Abstract</a:t>
             </a:r>
           </a:p>
         </p:txBody>
@@ -5750,213 +5693,7 @@
                 </a:solidFill>
                 <a:latin typeface="Cambria" panose="02040503050406030204" pitchFamily="18" charset="0"/>
               </a:rPr>
-              <a:t> Charts</a:t>
-            </a:r>
-          </a:p>
-        </p:txBody>
-      </p:sp>
-      <p:sp>
-        <p:nvSpPr>
-          <p:cNvPr id="32" name="Subtitle 2"/>
-          <p:cNvSpPr txBox="1">
-            <a:spLocks/>
-          </p:cNvSpPr>
-          <p:nvPr/>
-        </p:nvSpPr>
-        <p:spPr>
-          <a:xfrm>
-            <a:off x="11263356" y="22054755"/>
-            <a:ext cx="18004967" cy="642482"/>
-          </a:xfrm>
-          <a:prstGeom prst="rect">
-            <a:avLst/>
-          </a:prstGeom>
-          <a:solidFill>
-            <a:srgbClr val="002060"/>
-          </a:solidFill>
-          <a:ln>
-            <a:solidFill>
-              <a:srgbClr val="002060"/>
-            </a:solidFill>
-          </a:ln>
-        </p:spPr>
-        <p:txBody>
-          <a:bodyPr vert="horz" lIns="97785" tIns="48892" rIns="97785" bIns="48892" rtlCol="0" anchor="ctr">
-            <a:normAutofit fontScale="92500" lnSpcReduction="10000"/>
-          </a:bodyPr>
-          <a:lstStyle>
-            <a:lvl1pPr marL="0" indent="0" algn="ctr" defTabSz="3840480" rtl="0" eaLnBrk="1" latinLnBrk="0" hangingPunct="1">
-              <a:lnSpc>
-                <a:spcPct val="90000"/>
-              </a:lnSpc>
-              <a:spcBef>
-                <a:spcPts val="4200"/>
-              </a:spcBef>
-              <a:buFont typeface="Arial" panose="020B0604020202020204" pitchFamily="34" charset="0"/>
-              <a:buNone/>
-              <a:defRPr sz="10080" kern="1200">
-                <a:solidFill>
-                  <a:schemeClr val="tx1"/>
-                </a:solidFill>
-                <a:latin typeface="+mn-lt"/>
-                <a:ea typeface="+mn-ea"/>
-                <a:cs typeface="+mn-cs"/>
-              </a:defRPr>
-            </a:lvl1pPr>
-            <a:lvl2pPr marL="1920240" indent="0" algn="ctr" defTabSz="3840480" rtl="0" eaLnBrk="1" latinLnBrk="0" hangingPunct="1">
-              <a:lnSpc>
-                <a:spcPct val="90000"/>
-              </a:lnSpc>
-              <a:spcBef>
-                <a:spcPts val="2100"/>
-              </a:spcBef>
-              <a:buFont typeface="Arial" panose="020B0604020202020204" pitchFamily="34" charset="0"/>
-              <a:buNone/>
-              <a:defRPr sz="8400" kern="1200">
-                <a:solidFill>
-                  <a:schemeClr val="tx1"/>
-                </a:solidFill>
-                <a:latin typeface="+mn-lt"/>
-                <a:ea typeface="+mn-ea"/>
-                <a:cs typeface="+mn-cs"/>
-              </a:defRPr>
-            </a:lvl2pPr>
-            <a:lvl3pPr marL="3840480" indent="0" algn="ctr" defTabSz="3840480" rtl="0" eaLnBrk="1" latinLnBrk="0" hangingPunct="1">
-              <a:lnSpc>
-                <a:spcPct val="90000"/>
-              </a:lnSpc>
-              <a:spcBef>
-                <a:spcPts val="2100"/>
-              </a:spcBef>
-              <a:buFont typeface="Arial" panose="020B0604020202020204" pitchFamily="34" charset="0"/>
-              <a:buNone/>
-              <a:defRPr sz="7560" kern="1200">
-                <a:solidFill>
-                  <a:schemeClr val="tx1"/>
-                </a:solidFill>
-                <a:latin typeface="+mn-lt"/>
-                <a:ea typeface="+mn-ea"/>
-                <a:cs typeface="+mn-cs"/>
-              </a:defRPr>
-            </a:lvl3pPr>
-            <a:lvl4pPr marL="5760720" indent="0" algn="ctr" defTabSz="3840480" rtl="0" eaLnBrk="1" latinLnBrk="0" hangingPunct="1">
-              <a:lnSpc>
-                <a:spcPct val="90000"/>
-              </a:lnSpc>
-              <a:spcBef>
-                <a:spcPts val="2100"/>
-              </a:spcBef>
-              <a:buFont typeface="Arial" panose="020B0604020202020204" pitchFamily="34" charset="0"/>
-              <a:buNone/>
-              <a:defRPr sz="6720" kern="1200">
-                <a:solidFill>
-                  <a:schemeClr val="tx1"/>
-                </a:solidFill>
-                <a:latin typeface="+mn-lt"/>
-                <a:ea typeface="+mn-ea"/>
-                <a:cs typeface="+mn-cs"/>
-              </a:defRPr>
-            </a:lvl4pPr>
-            <a:lvl5pPr marL="7680960" indent="0" algn="ctr" defTabSz="3840480" rtl="0" eaLnBrk="1" latinLnBrk="0" hangingPunct="1">
-              <a:lnSpc>
-                <a:spcPct val="90000"/>
-              </a:lnSpc>
-              <a:spcBef>
-                <a:spcPts val="2100"/>
-              </a:spcBef>
-              <a:buFont typeface="Arial" panose="020B0604020202020204" pitchFamily="34" charset="0"/>
-              <a:buNone/>
-              <a:defRPr sz="6720" kern="1200">
-                <a:solidFill>
-                  <a:schemeClr val="tx1"/>
-                </a:solidFill>
-                <a:latin typeface="+mn-lt"/>
-                <a:ea typeface="+mn-ea"/>
-                <a:cs typeface="+mn-cs"/>
-              </a:defRPr>
-            </a:lvl5pPr>
-            <a:lvl6pPr marL="9601200" indent="0" algn="ctr" defTabSz="3840480" rtl="0" eaLnBrk="1" latinLnBrk="0" hangingPunct="1">
-              <a:lnSpc>
-                <a:spcPct val="90000"/>
-              </a:lnSpc>
-              <a:spcBef>
-                <a:spcPts val="2100"/>
-              </a:spcBef>
-              <a:buFont typeface="Arial" panose="020B0604020202020204" pitchFamily="34" charset="0"/>
-              <a:buNone/>
-              <a:defRPr sz="6720" kern="1200">
-                <a:solidFill>
-                  <a:schemeClr val="tx1"/>
-                </a:solidFill>
-                <a:latin typeface="+mn-lt"/>
-                <a:ea typeface="+mn-ea"/>
-                <a:cs typeface="+mn-cs"/>
-              </a:defRPr>
-            </a:lvl6pPr>
-            <a:lvl7pPr marL="11521440" indent="0" algn="ctr" defTabSz="3840480" rtl="0" eaLnBrk="1" latinLnBrk="0" hangingPunct="1">
-              <a:lnSpc>
-                <a:spcPct val="90000"/>
-              </a:lnSpc>
-              <a:spcBef>
-                <a:spcPts val="2100"/>
-              </a:spcBef>
-              <a:buFont typeface="Arial" panose="020B0604020202020204" pitchFamily="34" charset="0"/>
-              <a:buNone/>
-              <a:defRPr sz="6720" kern="1200">
-                <a:solidFill>
-                  <a:schemeClr val="tx1"/>
-                </a:solidFill>
-                <a:latin typeface="+mn-lt"/>
-                <a:ea typeface="+mn-ea"/>
-                <a:cs typeface="+mn-cs"/>
-              </a:defRPr>
-            </a:lvl7pPr>
-            <a:lvl8pPr marL="13441680" indent="0" algn="ctr" defTabSz="3840480" rtl="0" eaLnBrk="1" latinLnBrk="0" hangingPunct="1">
-              <a:lnSpc>
-                <a:spcPct val="90000"/>
-              </a:lnSpc>
-              <a:spcBef>
-                <a:spcPts val="2100"/>
-              </a:spcBef>
-              <a:buFont typeface="Arial" panose="020B0604020202020204" pitchFamily="34" charset="0"/>
-              <a:buNone/>
-              <a:defRPr sz="6720" kern="1200">
-                <a:solidFill>
-                  <a:schemeClr val="tx1"/>
-                </a:solidFill>
-                <a:latin typeface="+mn-lt"/>
-                <a:ea typeface="+mn-ea"/>
-                <a:cs typeface="+mn-cs"/>
-              </a:defRPr>
-            </a:lvl8pPr>
-            <a:lvl9pPr marL="15361920" indent="0" algn="ctr" defTabSz="3840480" rtl="0" eaLnBrk="1" latinLnBrk="0" hangingPunct="1">
-              <a:lnSpc>
-                <a:spcPct val="90000"/>
-              </a:lnSpc>
-              <a:spcBef>
-                <a:spcPts val="2100"/>
-              </a:spcBef>
-              <a:buFont typeface="Arial" panose="020B0604020202020204" pitchFamily="34" charset="0"/>
-              <a:buNone/>
-              <a:defRPr sz="6720" kern="1200">
-                <a:solidFill>
-                  <a:schemeClr val="tx1"/>
-                </a:solidFill>
-                <a:latin typeface="+mn-lt"/>
-                <a:ea typeface="+mn-ea"/>
-                <a:cs typeface="+mn-cs"/>
-              </a:defRPr>
-            </a:lvl9pPr>
-          </a:lstStyle>
-          <a:p>
-            <a:r>
-              <a:rPr lang="en-US" sz="4675" dirty="0">
-                <a:solidFill>
-                  <a:schemeClr val="bg1"/>
-                </a:solidFill>
-                <a:latin typeface="Cambria" panose="02040503050406030204" pitchFamily="18" charset="0"/>
-              </a:rPr>
-              <a:t>sTAMD Simulations</a:t>
+              <a:t> Policy Evaluations</a:t>
             </a:r>
           </a:p>
         </p:txBody>
@@ -6329,212 +6066,6 @@
       </p:cxnSp>
       <p:sp>
         <p:nvSpPr>
-          <p:cNvPr id="149" name="Subtitle 2"/>
-          <p:cNvSpPr txBox="1">
-            <a:spLocks/>
-          </p:cNvSpPr>
-          <p:nvPr/>
-        </p:nvSpPr>
-        <p:spPr>
-          <a:xfrm>
-            <a:off x="11305713" y="22073501"/>
-            <a:ext cx="18004967" cy="642482"/>
-          </a:xfrm>
-          <a:prstGeom prst="rect">
-            <a:avLst/>
-          </a:prstGeom>
-          <a:solidFill>
-            <a:srgbClr val="002060"/>
-          </a:solidFill>
-          <a:ln>
-            <a:solidFill>
-              <a:srgbClr val="002060"/>
-            </a:solidFill>
-          </a:ln>
-        </p:spPr>
-        <p:txBody>
-          <a:bodyPr vert="horz" lIns="97785" tIns="48892" rIns="97785" bIns="48892" rtlCol="0" anchor="ctr">
-            <a:normAutofit fontScale="92500" lnSpcReduction="10000"/>
-          </a:bodyPr>
-          <a:lstStyle>
-            <a:lvl1pPr marL="0" indent="0" algn="ctr" defTabSz="3840480" rtl="0" eaLnBrk="1" latinLnBrk="0" hangingPunct="1">
-              <a:lnSpc>
-                <a:spcPct val="90000"/>
-              </a:lnSpc>
-              <a:spcBef>
-                <a:spcPts val="4200"/>
-              </a:spcBef>
-              <a:buFont typeface="Arial" panose="020B0604020202020204" pitchFamily="34" charset="0"/>
-              <a:buNone/>
-              <a:defRPr sz="10080" kern="1200">
-                <a:solidFill>
-                  <a:schemeClr val="tx1"/>
-                </a:solidFill>
-                <a:latin typeface="+mn-lt"/>
-                <a:ea typeface="+mn-ea"/>
-                <a:cs typeface="+mn-cs"/>
-              </a:defRPr>
-            </a:lvl1pPr>
-            <a:lvl2pPr marL="1920240" indent="0" algn="ctr" defTabSz="3840480" rtl="0" eaLnBrk="1" latinLnBrk="0" hangingPunct="1">
-              <a:lnSpc>
-                <a:spcPct val="90000"/>
-              </a:lnSpc>
-              <a:spcBef>
-                <a:spcPts val="2100"/>
-              </a:spcBef>
-              <a:buFont typeface="Arial" panose="020B0604020202020204" pitchFamily="34" charset="0"/>
-              <a:buNone/>
-              <a:defRPr sz="8400" kern="1200">
-                <a:solidFill>
-                  <a:schemeClr val="tx1"/>
-                </a:solidFill>
-                <a:latin typeface="+mn-lt"/>
-                <a:ea typeface="+mn-ea"/>
-                <a:cs typeface="+mn-cs"/>
-              </a:defRPr>
-            </a:lvl2pPr>
-            <a:lvl3pPr marL="3840480" indent="0" algn="ctr" defTabSz="3840480" rtl="0" eaLnBrk="1" latinLnBrk="0" hangingPunct="1">
-              <a:lnSpc>
-                <a:spcPct val="90000"/>
-              </a:lnSpc>
-              <a:spcBef>
-                <a:spcPts val="2100"/>
-              </a:spcBef>
-              <a:buFont typeface="Arial" panose="020B0604020202020204" pitchFamily="34" charset="0"/>
-              <a:buNone/>
-              <a:defRPr sz="7560" kern="1200">
-                <a:solidFill>
-                  <a:schemeClr val="tx1"/>
-                </a:solidFill>
-                <a:latin typeface="+mn-lt"/>
-                <a:ea typeface="+mn-ea"/>
-                <a:cs typeface="+mn-cs"/>
-              </a:defRPr>
-            </a:lvl3pPr>
-            <a:lvl4pPr marL="5760720" indent="0" algn="ctr" defTabSz="3840480" rtl="0" eaLnBrk="1" latinLnBrk="0" hangingPunct="1">
-              <a:lnSpc>
-                <a:spcPct val="90000"/>
-              </a:lnSpc>
-              <a:spcBef>
-                <a:spcPts val="2100"/>
-              </a:spcBef>
-              <a:buFont typeface="Arial" panose="020B0604020202020204" pitchFamily="34" charset="0"/>
-              <a:buNone/>
-              <a:defRPr sz="6720" kern="1200">
-                <a:solidFill>
-                  <a:schemeClr val="tx1"/>
-                </a:solidFill>
-                <a:latin typeface="+mn-lt"/>
-                <a:ea typeface="+mn-ea"/>
-                <a:cs typeface="+mn-cs"/>
-              </a:defRPr>
-            </a:lvl4pPr>
-            <a:lvl5pPr marL="7680960" indent="0" algn="ctr" defTabSz="3840480" rtl="0" eaLnBrk="1" latinLnBrk="0" hangingPunct="1">
-              <a:lnSpc>
-                <a:spcPct val="90000"/>
-              </a:lnSpc>
-              <a:spcBef>
-                <a:spcPts val="2100"/>
-              </a:spcBef>
-              <a:buFont typeface="Arial" panose="020B0604020202020204" pitchFamily="34" charset="0"/>
-              <a:buNone/>
-              <a:defRPr sz="6720" kern="1200">
-                <a:solidFill>
-                  <a:schemeClr val="tx1"/>
-                </a:solidFill>
-                <a:latin typeface="+mn-lt"/>
-                <a:ea typeface="+mn-ea"/>
-                <a:cs typeface="+mn-cs"/>
-              </a:defRPr>
-            </a:lvl5pPr>
-            <a:lvl6pPr marL="9601200" indent="0" algn="ctr" defTabSz="3840480" rtl="0" eaLnBrk="1" latinLnBrk="0" hangingPunct="1">
-              <a:lnSpc>
-                <a:spcPct val="90000"/>
-              </a:lnSpc>
-              <a:spcBef>
-                <a:spcPts val="2100"/>
-              </a:spcBef>
-              <a:buFont typeface="Arial" panose="020B0604020202020204" pitchFamily="34" charset="0"/>
-              <a:buNone/>
-              <a:defRPr sz="6720" kern="1200">
-                <a:solidFill>
-                  <a:schemeClr val="tx1"/>
-                </a:solidFill>
-                <a:latin typeface="+mn-lt"/>
-                <a:ea typeface="+mn-ea"/>
-                <a:cs typeface="+mn-cs"/>
-              </a:defRPr>
-            </a:lvl6pPr>
-            <a:lvl7pPr marL="11521440" indent="0" algn="ctr" defTabSz="3840480" rtl="0" eaLnBrk="1" latinLnBrk="0" hangingPunct="1">
-              <a:lnSpc>
-                <a:spcPct val="90000"/>
-              </a:lnSpc>
-              <a:spcBef>
-                <a:spcPts val="2100"/>
-              </a:spcBef>
-              <a:buFont typeface="Arial" panose="020B0604020202020204" pitchFamily="34" charset="0"/>
-              <a:buNone/>
-              <a:defRPr sz="6720" kern="1200">
-                <a:solidFill>
-                  <a:schemeClr val="tx1"/>
-                </a:solidFill>
-                <a:latin typeface="+mn-lt"/>
-                <a:ea typeface="+mn-ea"/>
-                <a:cs typeface="+mn-cs"/>
-              </a:defRPr>
-            </a:lvl7pPr>
-            <a:lvl8pPr marL="13441680" indent="0" algn="ctr" defTabSz="3840480" rtl="0" eaLnBrk="1" latinLnBrk="0" hangingPunct="1">
-              <a:lnSpc>
-                <a:spcPct val="90000"/>
-              </a:lnSpc>
-              <a:spcBef>
-                <a:spcPts val="2100"/>
-              </a:spcBef>
-              <a:buFont typeface="Arial" panose="020B0604020202020204" pitchFamily="34" charset="0"/>
-              <a:buNone/>
-              <a:defRPr sz="6720" kern="1200">
-                <a:solidFill>
-                  <a:schemeClr val="tx1"/>
-                </a:solidFill>
-                <a:latin typeface="+mn-lt"/>
-                <a:ea typeface="+mn-ea"/>
-                <a:cs typeface="+mn-cs"/>
-              </a:defRPr>
-            </a:lvl8pPr>
-            <a:lvl9pPr marL="15361920" indent="0" algn="ctr" defTabSz="3840480" rtl="0" eaLnBrk="1" latinLnBrk="0" hangingPunct="1">
-              <a:lnSpc>
-                <a:spcPct val="90000"/>
-              </a:lnSpc>
-              <a:spcBef>
-                <a:spcPts val="2100"/>
-              </a:spcBef>
-              <a:buFont typeface="Arial" panose="020B0604020202020204" pitchFamily="34" charset="0"/>
-              <a:buNone/>
-              <a:defRPr sz="6720" kern="1200">
-                <a:solidFill>
-                  <a:schemeClr val="tx1"/>
-                </a:solidFill>
-                <a:latin typeface="+mn-lt"/>
-                <a:ea typeface="+mn-ea"/>
-                <a:cs typeface="+mn-cs"/>
-              </a:defRPr>
-            </a:lvl9pPr>
-          </a:lstStyle>
-          <a:p>
-            <a:r>
-              <a:rPr lang="en-US" sz="4675" dirty="0">
-                <a:solidFill>
-                  <a:schemeClr val="bg1"/>
-                </a:solidFill>
-                <a:latin typeface="Cambria" panose="02040503050406030204" pitchFamily="18" charset="0"/>
-              </a:rPr>
-              <a:t>Graphs, Etc… Here</a:t>
-            </a:r>
-          </a:p>
-        </p:txBody>
-      </p:sp>
-      <p:sp>
-        <p:nvSpPr>
           <p:cNvPr id="31" name="Subtitle 2"/>
           <p:cNvSpPr txBox="1">
             <a:spLocks/>
@@ -7257,56 +6788,6 @@
       </p:sp>
       <p:sp>
         <p:nvSpPr>
-          <p:cNvPr id="27" name="Rectangle 26"/>
-          <p:cNvSpPr/>
-          <p:nvPr/>
-        </p:nvSpPr>
-        <p:spPr>
-          <a:xfrm>
-            <a:off x="34787781" y="1168434"/>
-            <a:ext cx="3334659" cy="2306428"/>
-          </a:xfrm>
-          <a:prstGeom prst="rect">
-            <a:avLst/>
-          </a:prstGeom>
-          <a:solidFill>
-            <a:schemeClr val="bg1"/>
-          </a:solidFill>
-        </p:spPr>
-        <p:style>
-          <a:lnRef idx="2">
-            <a:schemeClr val="accent1">
-              <a:shade val="50000"/>
-            </a:schemeClr>
-          </a:lnRef>
-          <a:fillRef idx="1">
-            <a:schemeClr val="accent1"/>
-          </a:fillRef>
-          <a:effectRef idx="0">
-            <a:schemeClr val="accent1"/>
-          </a:effectRef>
-          <a:fontRef idx="minor">
-            <a:schemeClr val="lt1"/>
-          </a:fontRef>
-        </p:style>
-        <p:txBody>
-          <a:bodyPr lIns="97785" tIns="48892" rIns="97785" bIns="48892" rtlCol="0" anchor="ctr"/>
-          <a:lstStyle/>
-          <a:p>
-            <a:pPr algn="ctr"/>
-            <a:r>
-              <a:rPr lang="en-US" sz="4308" dirty="0">
-                <a:solidFill>
-                  <a:schemeClr val="tx1"/>
-                </a:solidFill>
-              </a:rPr>
-              <a:t>Place your Project Logo Here</a:t>
-            </a:r>
-          </a:p>
-        </p:txBody>
-      </p:sp>
-      <p:sp>
-        <p:nvSpPr>
           <p:cNvPr id="98" name="Subtitle 2"/>
           <p:cNvSpPr txBox="1">
             <a:spLocks/>
@@ -7515,7 +6996,7 @@
                 </a:solidFill>
                 <a:latin typeface="Cambria" panose="02040503050406030204" pitchFamily="18" charset="0"/>
               </a:rPr>
-              <a:t>Data</a:t>
+              <a:t>Data and Modeling</a:t>
             </a:r>
           </a:p>
         </p:txBody>
@@ -7711,198 +7192,64 @@
             </a:lvl9pPr>
           </a:lstStyle>
           <a:p>
-            <a:pPr algn="just">
-              <a:spcBef>
-                <a:spcPts val="0"/>
-              </a:spcBef>
+            <a:pPr marL="457200" indent="-457200" algn="l">
+              <a:lnSpc>
+                <a:spcPct val="100000"/>
+              </a:lnSpc>
+              <a:spcBef>
+                <a:spcPts val="1600"/>
+              </a:spcBef>
+              <a:buFont typeface="Arial" panose="020B0604020202020204" pitchFamily="34" charset="0"/>
+              <a:buChar char="•"/>
             </a:pPr>
             <a:r>
-              <a:rPr lang="en-US" sz="3392" dirty="0">
+              <a:rPr lang="en-US" sz="3600" dirty="0">
                 <a:latin typeface="Cambria" panose="02040503050406030204" pitchFamily="18" charset="0"/>
               </a:rPr>
-              <a:t>Place a description about your methodology here</a:t>
-            </a:r>
-            <a:r>
-              <a:rPr lang="en-US" sz="3392" b="1" dirty="0">
+              <a:t>RL is a machine learning technique where an intelligent agent takes actions in an environment to maximize its notion of cumulative reward.</a:t>
+            </a:r>
+          </a:p>
+          <a:p>
+            <a:pPr marL="457200" indent="-457200" algn="l">
+              <a:lnSpc>
+                <a:spcPct val="100000"/>
+              </a:lnSpc>
+              <a:spcBef>
+                <a:spcPts val="1600"/>
+              </a:spcBef>
+              <a:buFont typeface="Arial" panose="020B0604020202020204" pitchFamily="34" charset="0"/>
+              <a:buChar char="•"/>
+            </a:pPr>
+            <a:r>
+              <a:rPr lang="en-US" sz="3600" dirty="0">
                 <a:latin typeface="Cambria" panose="02040503050406030204" pitchFamily="18" charset="0"/>
               </a:rPr>
-              <a:t>.</a:t>
-            </a:r>
-            <a:endParaRPr lang="en-US" sz="3392" dirty="0">
+              <a:t>The environment is modeled as a set of possible states and actions, and the agent receives a reward for each action it performs.</a:t>
+            </a:r>
+          </a:p>
+          <a:p>
+            <a:pPr algn="l">
+              <a:lnSpc>
+                <a:spcPct val="100000"/>
+              </a:lnSpc>
+              <a:spcBef>
+                <a:spcPts val="1600"/>
+              </a:spcBef>
+            </a:pPr>
+            <a:endParaRPr lang="en-US" sz="3600" dirty="0">
               <a:latin typeface="Cambria" panose="02040503050406030204" pitchFamily="18" charset="0"/>
             </a:endParaRPr>
           </a:p>
           <a:p>
-            <a:pPr marL="366715" indent="-366715" algn="just">
-              <a:spcBef>
-                <a:spcPts val="0"/>
-              </a:spcBef>
-              <a:buFont typeface="Arial" panose="020B0604020202020204" pitchFamily="34" charset="0"/>
-              <a:buChar char="•"/>
+            <a:pPr algn="l">
+              <a:lnSpc>
+                <a:spcPct val="100000"/>
+              </a:lnSpc>
+              <a:spcBef>
+                <a:spcPts val="1600"/>
+              </a:spcBef>
             </a:pPr>
-            <a:endParaRPr lang="en-US" sz="2658" dirty="0">
-              <a:latin typeface="Cambria" panose="02040503050406030204" pitchFamily="18" charset="0"/>
-            </a:endParaRPr>
-          </a:p>
-          <a:p>
-            <a:pPr marL="366715" indent="-366715" algn="just">
-              <a:spcBef>
-                <a:spcPts val="0"/>
-              </a:spcBef>
-              <a:buFont typeface="Arial" panose="020B0604020202020204" pitchFamily="34" charset="0"/>
-              <a:buChar char="•"/>
-            </a:pPr>
-            <a:endParaRPr lang="en-US" sz="2658" dirty="0">
-              <a:latin typeface="Cambria" panose="02040503050406030204" pitchFamily="18" charset="0"/>
-            </a:endParaRPr>
-          </a:p>
-          <a:p>
-            <a:pPr marL="366715" indent="-366715" algn="just">
-              <a:spcBef>
-                <a:spcPts val="0"/>
-              </a:spcBef>
-              <a:buFont typeface="Arial" panose="020B0604020202020204" pitchFamily="34" charset="0"/>
-              <a:buChar char="•"/>
-            </a:pPr>
-            <a:endParaRPr lang="en-US" sz="2658" dirty="0">
-              <a:latin typeface="Cambria" panose="02040503050406030204" pitchFamily="18" charset="0"/>
-            </a:endParaRPr>
-          </a:p>
-          <a:p>
-            <a:pPr algn="just">
-              <a:spcBef>
-                <a:spcPts val="0"/>
-              </a:spcBef>
-            </a:pPr>
-            <a:endParaRPr lang="en-US" sz="2658" dirty="0">
-              <a:latin typeface="Cambria" panose="02040503050406030204" pitchFamily="18" charset="0"/>
-            </a:endParaRPr>
-          </a:p>
-          <a:p>
-            <a:pPr algn="just">
-              <a:spcBef>
-                <a:spcPts val="0"/>
-              </a:spcBef>
-            </a:pPr>
-            <a:endParaRPr lang="en-US" sz="2658" dirty="0">
-              <a:latin typeface="Cambria" panose="02040503050406030204" pitchFamily="18" charset="0"/>
-            </a:endParaRPr>
-          </a:p>
-          <a:p>
-            <a:pPr algn="just">
-              <a:spcBef>
-                <a:spcPts val="0"/>
-              </a:spcBef>
-            </a:pPr>
-            <a:endParaRPr lang="en-US" sz="2658" dirty="0">
-              <a:latin typeface="Cambria" panose="02040503050406030204" pitchFamily="18" charset="0"/>
-            </a:endParaRPr>
-          </a:p>
-          <a:p>
-            <a:pPr marL="366715" indent="-366715" algn="just">
-              <a:spcBef>
-                <a:spcPts val="0"/>
-              </a:spcBef>
-              <a:buFont typeface="Arial" panose="020B0604020202020204" pitchFamily="34" charset="0"/>
-              <a:buChar char="•"/>
-            </a:pPr>
-            <a:endParaRPr lang="en-US" sz="2658" dirty="0">
-              <a:latin typeface="Cambria" panose="02040503050406030204" pitchFamily="18" charset="0"/>
-            </a:endParaRPr>
-          </a:p>
-          <a:p>
-            <a:pPr algn="just">
-              <a:spcBef>
-                <a:spcPts val="0"/>
-              </a:spcBef>
-            </a:pPr>
-            <a:endParaRPr lang="en-US" sz="2658" dirty="0">
-              <a:latin typeface="Cambria" panose="02040503050406030204" pitchFamily="18" charset="0"/>
-            </a:endParaRPr>
-          </a:p>
-          <a:p>
-            <a:pPr marL="366715" indent="-366715" algn="just">
-              <a:spcBef>
-                <a:spcPts val="0"/>
-              </a:spcBef>
-              <a:buFont typeface="Arial" panose="020B0604020202020204" pitchFamily="34" charset="0"/>
-              <a:buChar char="•"/>
-            </a:pPr>
-            <a:endParaRPr lang="en-US" sz="2658" dirty="0">
-              <a:latin typeface="Cambria" panose="02040503050406030204" pitchFamily="18" charset="0"/>
-            </a:endParaRPr>
-          </a:p>
-          <a:p>
-            <a:pPr marL="366715" indent="-366715" algn="just">
-              <a:spcBef>
-                <a:spcPts val="0"/>
-              </a:spcBef>
-              <a:buFont typeface="Arial" panose="020B0604020202020204" pitchFamily="34" charset="0"/>
-              <a:buChar char="•"/>
-            </a:pPr>
-            <a:endParaRPr lang="en-US" sz="2658" dirty="0">
-              <a:latin typeface="Cambria" panose="02040503050406030204" pitchFamily="18" charset="0"/>
-            </a:endParaRPr>
-          </a:p>
-          <a:p>
-            <a:pPr marL="366715" indent="-366715" algn="just">
-              <a:spcBef>
-                <a:spcPts val="0"/>
-              </a:spcBef>
-              <a:buFont typeface="Arial" panose="020B0604020202020204" pitchFamily="34" charset="0"/>
-              <a:buChar char="•"/>
-            </a:pPr>
-            <a:endParaRPr lang="en-US" sz="2658" dirty="0">
-              <a:latin typeface="Cambria" panose="02040503050406030204" pitchFamily="18" charset="0"/>
-            </a:endParaRPr>
-          </a:p>
-          <a:p>
-            <a:pPr algn="l">
-              <a:spcBef>
-                <a:spcPts val="0"/>
-              </a:spcBef>
-            </a:pPr>
-            <a:endParaRPr lang="en-US" sz="2658" dirty="0">
-              <a:latin typeface="Cambria" panose="02040503050406030204" pitchFamily="18" charset="0"/>
-            </a:endParaRPr>
-          </a:p>
-          <a:p>
-            <a:pPr algn="just">
-              <a:spcBef>
-                <a:spcPts val="0"/>
-              </a:spcBef>
-            </a:pPr>
-            <a:endParaRPr lang="en-US" sz="2658" dirty="0">
-              <a:latin typeface="Cambria" panose="02040503050406030204" pitchFamily="18" charset="0"/>
-            </a:endParaRPr>
-          </a:p>
-          <a:p>
-            <a:pPr algn="l">
-              <a:spcBef>
-                <a:spcPts val="0"/>
-              </a:spcBef>
-            </a:pPr>
-            <a:endParaRPr lang="en-US" sz="2658" dirty="0">
-              <a:latin typeface="Cambria" panose="02040503050406030204" pitchFamily="18" charset="0"/>
-            </a:endParaRPr>
-          </a:p>
-          <a:p>
-            <a:pPr algn="l">
-              <a:spcBef>
-                <a:spcPts val="0"/>
-              </a:spcBef>
-            </a:pPr>
-            <a:endParaRPr lang="en-US" sz="2658" dirty="0">
-              <a:latin typeface="Cambria" panose="02040503050406030204" pitchFamily="18" charset="0"/>
-            </a:endParaRPr>
-          </a:p>
-          <a:p>
-            <a:pPr algn="l">
-              <a:spcBef>
-                <a:spcPts val="0"/>
-              </a:spcBef>
-            </a:pPr>
-            <a:endParaRPr lang="en-US" sz="2658" dirty="0">
+            <a:endParaRPr lang="en-US" sz="3600" dirty="0">
               <a:latin typeface="Cambria" panose="02040503050406030204" pitchFamily="18" charset="0"/>
             </a:endParaRPr>
           </a:p>
@@ -8580,7 +7927,7 @@
         </p:blipFill>
         <p:spPr>
           <a:xfrm>
-            <a:off x="2487388" y="1216429"/>
+            <a:off x="1770223" y="1216429"/>
             <a:ext cx="1774009" cy="2347953"/>
           </a:xfrm>
           <a:prstGeom prst="rect">

--- a/thesisposter.pptx
+++ b/thesisposter.pptx
@@ -3046,14 +3046,33 @@
               </a:rPr>
             </a:br>
             <a:r>
-              <a:rPr lang="en-US" sz="7700" dirty="0">
+              <a:rPr lang="en-US" sz="6000" dirty="0">
                 <a:solidFill>
                   <a:schemeClr val="bg1"/>
                 </a:solidFill>
                 <a:latin typeface="Cambria" panose="02040503050406030204" pitchFamily="18" charset="0"/>
                 <a:cs typeface="Arial" panose="020B0604020202020204" pitchFamily="34" charset="0"/>
               </a:rPr>
-              <a:t>Daniel Mattson, Dr. Marek Petrik</a:t>
+              <a:t>Daniel Mattson</a:t>
+            </a:r>
+            <a:br>
+              <a:rPr lang="en-US" sz="6000" dirty="0">
+                <a:solidFill>
+                  <a:schemeClr val="bg1"/>
+                </a:solidFill>
+                <a:latin typeface="Cambria" panose="02040503050406030204" pitchFamily="18" charset="0"/>
+                <a:cs typeface="Arial" panose="020B0604020202020204" pitchFamily="34" charset="0"/>
+              </a:rPr>
+            </a:br>
+            <a:r>
+              <a:rPr lang="en-US" sz="6000" dirty="0">
+                <a:solidFill>
+                  <a:schemeClr val="bg1"/>
+                </a:solidFill>
+                <a:latin typeface="Cambria" panose="02040503050406030204" pitchFamily="18" charset="0"/>
+                <a:cs typeface="Arial" panose="020B0604020202020204" pitchFamily="34" charset="0"/>
+              </a:rPr>
+              <a:t> Advisor: Dr. Marek Petrik</a:t>
             </a:r>
             <a:br>
               <a:rPr lang="en-US" sz="5134" dirty="0">
@@ -3109,7 +3128,7 @@
         </p:spPr>
         <p:txBody>
           <a:bodyPr vert="horz" lIns="97785" tIns="48892" rIns="97785" bIns="48892" rtlCol="0" anchor="t">
-            <a:normAutofit fontScale="85000" lnSpcReduction="20000"/>
+            <a:normAutofit fontScale="85000" lnSpcReduction="10000"/>
           </a:bodyPr>
           <a:lstStyle>
             <a:lvl1pPr marL="0" indent="0" algn="ctr" defTabSz="3840480" rtl="0" eaLnBrk="1" latinLnBrk="0" hangingPunct="1">
@@ -3276,19 +3295,6 @@
             </a:lvl9pPr>
           </a:lstStyle>
           <a:p>
-            <a:pPr algn="l">
-              <a:spcBef>
-                <a:spcPts val="2200"/>
-              </a:spcBef>
-            </a:pPr>
-            <a:r>
-              <a:rPr lang="en-US" sz="4000" b="1" dirty="0">
-                <a:latin typeface="Cambria" panose="02040503050406030204" pitchFamily="18" charset="0"/>
-              </a:rPr>
-              <a:t>Motivation:</a:t>
-            </a:r>
-          </a:p>
-          <a:p>
             <a:pPr marL="571500" indent="-571500" algn="l">
               <a:spcBef>
                 <a:spcPts val="2200"/>
@@ -3300,7 +3306,7 @@
               <a:rPr lang="en-US" sz="4000" dirty="0">
                 <a:latin typeface="Cambria" panose="02040503050406030204" pitchFamily="18" charset="0"/>
               </a:rPr>
-              <a:t>The Shoals Marine Laboratory (SML) is a remote lab with an isolated power grid.</a:t>
+              <a:t>The Shoals Marine Laboratory (SML) is a remote island lab with an isolated power grid.</a:t>
             </a:r>
           </a:p>
           <a:p>
@@ -3354,7 +3360,7 @@
               <a:rPr lang="en-US" sz="4000" dirty="0">
                 <a:latin typeface="Cambria" panose="02040503050406030204" pitchFamily="18" charset="0"/>
               </a:rPr>
-              <a:t>Reinforcement learning (RL) can be applied to this problem to improve generator usage beyond the intuitive policy the SML currently uses.</a:t>
+              <a:t>Reinforcement learning (RL) can be applied to this problem to improve generator usage beyond the naive policy the SML currently uses.</a:t>
             </a:r>
           </a:p>
           <a:p>
@@ -3372,7 +3378,7 @@
               <a:rPr lang="en-US" sz="4000" dirty="0">
                 <a:latin typeface="Cambria" panose="02040503050406030204" pitchFamily="18" charset="0"/>
               </a:rPr>
-              <a:t>Different underlying RL models are compared and evaluated in this project, with the _____ approximation providing the best results.</a:t>
+              <a:t>Different underlying RL models are compared and evaluated in this project, with the linear spline approximation providing the best results.</a:t>
             </a:r>
             <a:endParaRPr lang="en-US" sz="3392" dirty="0">
               <a:latin typeface="Cambria" panose="02040503050406030204" pitchFamily="18" charset="0"/>
@@ -3605,8 +3611,8 @@
         </p:nvSpPr>
         <p:spPr>
           <a:xfrm>
-            <a:off x="338799" y="23085639"/>
-            <a:ext cx="10005181" cy="7730100"/>
+            <a:off x="338799" y="25320297"/>
+            <a:ext cx="10005181" cy="6381674"/>
           </a:xfrm>
           <a:prstGeom prst="rect">
             <a:avLst/>
@@ -3619,7 +3625,7 @@
         </p:spPr>
         <p:txBody>
           <a:bodyPr vert="horz" lIns="97785" tIns="48892" rIns="97785" bIns="48892" rtlCol="0" anchor="t">
-            <a:normAutofit/>
+            <a:normAutofit lnSpcReduction="10000"/>
           </a:bodyPr>
           <a:lstStyle>
             <a:lvl1pPr marL="0" indent="0" algn="ctr" defTabSz="3840480" rtl="0" eaLnBrk="1" latinLnBrk="0" hangingPunct="1">
@@ -3819,6 +3825,42 @@
                 <a:latin typeface="Cambria" panose="02040503050406030204" pitchFamily="18" charset="0"/>
               </a:rPr>
               <a:t>Key variables to consider were the energy produced by solar, wind, and the generators on the island, along with the power usage from the battery storage.</a:t>
+            </a:r>
+          </a:p>
+          <a:p>
+            <a:pPr marL="457200" indent="-457200" algn="l">
+              <a:lnSpc>
+                <a:spcPct val="100000"/>
+              </a:lnSpc>
+              <a:spcBef>
+                <a:spcPts val="1600"/>
+              </a:spcBef>
+              <a:buFont typeface="Arial" panose="020B0604020202020204" pitchFamily="34" charset="0"/>
+              <a:buChar char="•"/>
+            </a:pPr>
+            <a:r>
+              <a:rPr lang="en-US" sz="3600" dirty="0">
+                <a:latin typeface="Cambria" panose="02040503050406030204" pitchFamily="18" charset="0"/>
+              </a:rPr>
+              <a:t>Fitted value iteration was used to approximate the value function using different features.</a:t>
+            </a:r>
+          </a:p>
+          <a:p>
+            <a:pPr marL="457200" indent="-457200" algn="l">
+              <a:lnSpc>
+                <a:spcPct val="100000"/>
+              </a:lnSpc>
+              <a:spcBef>
+                <a:spcPts val="1600"/>
+              </a:spcBef>
+              <a:buFont typeface="Arial" panose="020B0604020202020204" pitchFamily="34" charset="0"/>
+              <a:buChar char="•"/>
+            </a:pPr>
+            <a:r>
+              <a:rPr lang="en-US" sz="3600" dirty="0">
+                <a:latin typeface="Cambria" panose="02040503050406030204" pitchFamily="18" charset="0"/>
+              </a:rPr>
+              <a:t>Models using a neural net, linear spline, cubic spline, and radial basis functions were compared.</a:t>
             </a:r>
           </a:p>
           <a:p>
@@ -3836,21 +3878,6 @@
               <a:latin typeface="Cambria" panose="02040503050406030204" pitchFamily="18" charset="0"/>
             </a:endParaRPr>
           </a:p>
-          <a:p>
-            <a:pPr marL="457200" indent="-457200" algn="l">
-              <a:lnSpc>
-                <a:spcPct val="100000"/>
-              </a:lnSpc>
-              <a:spcBef>
-                <a:spcPts val="1600"/>
-              </a:spcBef>
-              <a:buFont typeface="Arial" panose="020B0604020202020204" pitchFamily="34" charset="0"/>
-              <a:buChar char="•"/>
-            </a:pPr>
-            <a:endParaRPr lang="en-US" sz="3600" dirty="0">
-              <a:latin typeface="Cambria" panose="02040503050406030204" pitchFamily="18" charset="0"/>
-            </a:endParaRPr>
-          </a:p>
         </p:txBody>
       </p:sp>
       <p:sp>
@@ -3863,8 +3890,8 @@
         </p:nvSpPr>
         <p:spPr>
           <a:xfrm>
-            <a:off x="11242820" y="4730558"/>
-            <a:ext cx="18004967" cy="642482"/>
+            <a:off x="11242820" y="4500809"/>
+            <a:ext cx="18004967" cy="837062"/>
           </a:xfrm>
           <a:prstGeom prst="rect">
             <a:avLst/>
@@ -3880,7 +3907,7 @@
         </p:spPr>
         <p:txBody>
           <a:bodyPr vert="horz" lIns="97785" tIns="48892" rIns="97785" bIns="48892" rtlCol="0" anchor="ctr">
-            <a:normAutofit fontScale="92500" lnSpcReduction="10000"/>
+            <a:normAutofit/>
           </a:bodyPr>
           <a:lstStyle>
             <a:lvl1pPr marL="0" indent="0" algn="ctr" defTabSz="3840480" rtl="0" eaLnBrk="1" latinLnBrk="0" hangingPunct="1">
@@ -4054,7 +4081,7 @@
                 </a:solidFill>
                 <a:latin typeface="Cambria" panose="02040503050406030204" pitchFamily="18" charset="0"/>
               </a:rPr>
-              <a:t>Value Function Approximations</a:t>
+              <a:t>What the SML Currently Uses</a:t>
             </a:r>
           </a:p>
         </p:txBody>
@@ -4069,8 +4096,8 @@
         </p:nvSpPr>
         <p:spPr>
           <a:xfrm>
-            <a:off x="29923950" y="15266113"/>
-            <a:ext cx="10005181" cy="6457478"/>
+            <a:off x="29924135" y="19018885"/>
+            <a:ext cx="10005181" cy="7195889"/>
           </a:xfrm>
           <a:prstGeom prst="rect">
             <a:avLst/>
@@ -4251,17 +4278,124 @@
             </a:lvl9pPr>
           </a:lstStyle>
           <a:p>
-            <a:pPr algn="l">
-              <a:spcBef>
-                <a:spcPts val="0"/>
-              </a:spcBef>
+            <a:pPr marL="457200" indent="-457200" algn="l">
+              <a:spcBef>
+                <a:spcPts val="1200"/>
+              </a:spcBef>
+              <a:buFont typeface="Arial" panose="020B0604020202020204" pitchFamily="34" charset="0"/>
+              <a:buChar char="•"/>
             </a:pPr>
             <a:r>
-              <a:rPr lang="en-US" sz="3392" dirty="0">
+              <a:rPr lang="en-US" sz="3600" dirty="0">
                 <a:latin typeface="Cambria" panose="02040503050406030204" pitchFamily="18" charset="0"/>
               </a:rPr>
-              <a:t>List your conclusions text here.</a:t>
-            </a:r>
+              <a:t>The linear spline model performed the best out of all models in simulations.</a:t>
+            </a:r>
+          </a:p>
+          <a:p>
+            <a:pPr marL="457200" indent="-457200" algn="l">
+              <a:spcBef>
+                <a:spcPts val="1200"/>
+              </a:spcBef>
+              <a:buFont typeface="Arial" panose="020B0604020202020204" pitchFamily="34" charset="0"/>
+              <a:buChar char="•"/>
+            </a:pPr>
+            <a:r>
+              <a:rPr lang="en-US" sz="3600" dirty="0">
+                <a:latin typeface="Cambria" panose="02040503050406030204" pitchFamily="18" charset="0"/>
+              </a:rPr>
+              <a:t>RL was effective when applied to optimizing SML smart grid operation.</a:t>
+            </a:r>
+          </a:p>
+          <a:p>
+            <a:pPr marL="457200" indent="-457200" algn="l">
+              <a:spcBef>
+                <a:spcPts val="1200"/>
+              </a:spcBef>
+              <a:buFont typeface="Arial" panose="020B0604020202020204" pitchFamily="34" charset="0"/>
+              <a:buChar char="•"/>
+            </a:pPr>
+            <a:r>
+              <a:rPr lang="en-US" sz="3600" dirty="0">
+                <a:latin typeface="Cambria" panose="02040503050406030204" pitchFamily="18" charset="0"/>
+              </a:rPr>
+              <a:t>Total “cost” was significantly reduced.</a:t>
+            </a:r>
+          </a:p>
+          <a:p>
+            <a:pPr algn="l">
+              <a:spcBef>
+                <a:spcPts val="1200"/>
+              </a:spcBef>
+            </a:pPr>
+            <a:endParaRPr lang="en-US" sz="3600" dirty="0">
+              <a:latin typeface="Cambria" panose="02040503050406030204" pitchFamily="18" charset="0"/>
+            </a:endParaRPr>
+          </a:p>
+          <a:p>
+            <a:pPr algn="l">
+              <a:spcBef>
+                <a:spcPts val="1200"/>
+              </a:spcBef>
+            </a:pPr>
+            <a:r>
+              <a:rPr lang="en-US" sz="3600" dirty="0">
+                <a:latin typeface="Cambria" panose="02040503050406030204" pitchFamily="18" charset="0"/>
+              </a:rPr>
+              <a:t>Future work:</a:t>
+            </a:r>
+          </a:p>
+          <a:p>
+            <a:pPr marL="457200" indent="-457200" algn="l">
+              <a:spcBef>
+                <a:spcPts val="1200"/>
+              </a:spcBef>
+              <a:buFont typeface="Arial" panose="020B0604020202020204" pitchFamily="34" charset="0"/>
+              <a:buChar char="•"/>
+            </a:pPr>
+            <a:r>
+              <a:rPr lang="en-US" sz="3600" dirty="0">
+                <a:latin typeface="Cambria" panose="02040503050406030204" pitchFamily="18" charset="0"/>
+              </a:rPr>
+              <a:t>Expand model to use predictions of future power demand and generation, time of year (season or week number) as inputs.</a:t>
+            </a:r>
+          </a:p>
+          <a:p>
+            <a:pPr marL="457200" indent="-457200" algn="l">
+              <a:spcBef>
+                <a:spcPts val="1200"/>
+              </a:spcBef>
+              <a:buFont typeface="Arial" panose="020B0604020202020204" pitchFamily="34" charset="0"/>
+              <a:buChar char="•"/>
+            </a:pPr>
+            <a:r>
+              <a:rPr lang="en-US" sz="3600" dirty="0">
+                <a:latin typeface="Cambria" panose="02040503050406030204" pitchFamily="18" charset="0"/>
+              </a:rPr>
+              <a:t>Include a reward for having surplus energy in model.</a:t>
+            </a:r>
+          </a:p>
+          <a:p>
+            <a:pPr algn="l">
+              <a:spcBef>
+                <a:spcPts val="1200"/>
+              </a:spcBef>
+            </a:pPr>
+            <a:endParaRPr lang="en-US" sz="3600" dirty="0">
+              <a:latin typeface="Cambria" panose="02040503050406030204" pitchFamily="18" charset="0"/>
+            </a:endParaRPr>
+          </a:p>
+          <a:p>
+            <a:pPr marL="457200" indent="-457200" algn="l">
+              <a:spcBef>
+                <a:spcPts val="0"/>
+              </a:spcBef>
+              <a:buFont typeface="Arial" panose="020B0604020202020204" pitchFamily="34" charset="0"/>
+              <a:buChar char="•"/>
+            </a:pPr>
+            <a:endParaRPr lang="en-US" sz="3392" dirty="0">
+              <a:latin typeface="Cambria" panose="02040503050406030204" pitchFamily="18" charset="0"/>
+            </a:endParaRPr>
           </a:p>
         </p:txBody>
       </p:sp>
@@ -4481,7 +4615,7 @@
         </p:nvSpPr>
         <p:spPr>
           <a:xfrm>
-            <a:off x="29875498" y="4655819"/>
+            <a:off x="29875495" y="4710715"/>
             <a:ext cx="10005181" cy="837062"/>
           </a:xfrm>
           <a:prstGeom prst="rect">
@@ -4679,203 +4813,6 @@
       </p:sp>
       <p:sp>
         <p:nvSpPr>
-          <p:cNvPr id="16" name="Subtitle 2"/>
-          <p:cNvSpPr txBox="1">
-            <a:spLocks/>
-          </p:cNvSpPr>
-          <p:nvPr/>
-        </p:nvSpPr>
-        <p:spPr>
-          <a:xfrm>
-            <a:off x="11242819" y="6067506"/>
-            <a:ext cx="18004968" cy="6502879"/>
-          </a:xfrm>
-          <a:prstGeom prst="rect">
-            <a:avLst/>
-          </a:prstGeom>
-          <a:ln>
-            <a:solidFill>
-              <a:srgbClr val="002060"/>
-            </a:solidFill>
-          </a:ln>
-        </p:spPr>
-        <p:txBody>
-          <a:bodyPr vert="horz" lIns="97785" tIns="48892" rIns="97785" bIns="48892" rtlCol="0" anchor="ctr">
-            <a:normAutofit/>
-          </a:bodyPr>
-          <a:lstStyle>
-            <a:lvl1pPr marL="0" indent="0" algn="ctr" defTabSz="3840480" rtl="0" eaLnBrk="1" latinLnBrk="0" hangingPunct="1">
-              <a:lnSpc>
-                <a:spcPct val="90000"/>
-              </a:lnSpc>
-              <a:spcBef>
-                <a:spcPts val="4200"/>
-              </a:spcBef>
-              <a:buFont typeface="Arial" panose="020B0604020202020204" pitchFamily="34" charset="0"/>
-              <a:buNone/>
-              <a:defRPr sz="10080" kern="1200">
-                <a:solidFill>
-                  <a:schemeClr val="tx1"/>
-                </a:solidFill>
-                <a:latin typeface="+mn-lt"/>
-                <a:ea typeface="+mn-ea"/>
-                <a:cs typeface="+mn-cs"/>
-              </a:defRPr>
-            </a:lvl1pPr>
-            <a:lvl2pPr marL="1920240" indent="0" algn="ctr" defTabSz="3840480" rtl="0" eaLnBrk="1" latinLnBrk="0" hangingPunct="1">
-              <a:lnSpc>
-                <a:spcPct val="90000"/>
-              </a:lnSpc>
-              <a:spcBef>
-                <a:spcPts val="2100"/>
-              </a:spcBef>
-              <a:buFont typeface="Arial" panose="020B0604020202020204" pitchFamily="34" charset="0"/>
-              <a:buNone/>
-              <a:defRPr sz="8400" kern="1200">
-                <a:solidFill>
-                  <a:schemeClr val="tx1"/>
-                </a:solidFill>
-                <a:latin typeface="+mn-lt"/>
-                <a:ea typeface="+mn-ea"/>
-                <a:cs typeface="+mn-cs"/>
-              </a:defRPr>
-            </a:lvl2pPr>
-            <a:lvl3pPr marL="3840480" indent="0" algn="ctr" defTabSz="3840480" rtl="0" eaLnBrk="1" latinLnBrk="0" hangingPunct="1">
-              <a:lnSpc>
-                <a:spcPct val="90000"/>
-              </a:lnSpc>
-              <a:spcBef>
-                <a:spcPts val="2100"/>
-              </a:spcBef>
-              <a:buFont typeface="Arial" panose="020B0604020202020204" pitchFamily="34" charset="0"/>
-              <a:buNone/>
-              <a:defRPr sz="7560" kern="1200">
-                <a:solidFill>
-                  <a:schemeClr val="tx1"/>
-                </a:solidFill>
-                <a:latin typeface="+mn-lt"/>
-                <a:ea typeface="+mn-ea"/>
-                <a:cs typeface="+mn-cs"/>
-              </a:defRPr>
-            </a:lvl3pPr>
-            <a:lvl4pPr marL="5760720" indent="0" algn="ctr" defTabSz="3840480" rtl="0" eaLnBrk="1" latinLnBrk="0" hangingPunct="1">
-              <a:lnSpc>
-                <a:spcPct val="90000"/>
-              </a:lnSpc>
-              <a:spcBef>
-                <a:spcPts val="2100"/>
-              </a:spcBef>
-              <a:buFont typeface="Arial" panose="020B0604020202020204" pitchFamily="34" charset="0"/>
-              <a:buNone/>
-              <a:defRPr sz="6720" kern="1200">
-                <a:solidFill>
-                  <a:schemeClr val="tx1"/>
-                </a:solidFill>
-                <a:latin typeface="+mn-lt"/>
-                <a:ea typeface="+mn-ea"/>
-                <a:cs typeface="+mn-cs"/>
-              </a:defRPr>
-            </a:lvl4pPr>
-            <a:lvl5pPr marL="7680960" indent="0" algn="ctr" defTabSz="3840480" rtl="0" eaLnBrk="1" latinLnBrk="0" hangingPunct="1">
-              <a:lnSpc>
-                <a:spcPct val="90000"/>
-              </a:lnSpc>
-              <a:spcBef>
-                <a:spcPts val="2100"/>
-              </a:spcBef>
-              <a:buFont typeface="Arial" panose="020B0604020202020204" pitchFamily="34" charset="0"/>
-              <a:buNone/>
-              <a:defRPr sz="6720" kern="1200">
-                <a:solidFill>
-                  <a:schemeClr val="tx1"/>
-                </a:solidFill>
-                <a:latin typeface="+mn-lt"/>
-                <a:ea typeface="+mn-ea"/>
-                <a:cs typeface="+mn-cs"/>
-              </a:defRPr>
-            </a:lvl5pPr>
-            <a:lvl6pPr marL="9601200" indent="0" algn="ctr" defTabSz="3840480" rtl="0" eaLnBrk="1" latinLnBrk="0" hangingPunct="1">
-              <a:lnSpc>
-                <a:spcPct val="90000"/>
-              </a:lnSpc>
-              <a:spcBef>
-                <a:spcPts val="2100"/>
-              </a:spcBef>
-              <a:buFont typeface="Arial" panose="020B0604020202020204" pitchFamily="34" charset="0"/>
-              <a:buNone/>
-              <a:defRPr sz="6720" kern="1200">
-                <a:solidFill>
-                  <a:schemeClr val="tx1"/>
-                </a:solidFill>
-                <a:latin typeface="+mn-lt"/>
-                <a:ea typeface="+mn-ea"/>
-                <a:cs typeface="+mn-cs"/>
-              </a:defRPr>
-            </a:lvl6pPr>
-            <a:lvl7pPr marL="11521440" indent="0" algn="ctr" defTabSz="3840480" rtl="0" eaLnBrk="1" latinLnBrk="0" hangingPunct="1">
-              <a:lnSpc>
-                <a:spcPct val="90000"/>
-              </a:lnSpc>
-              <a:spcBef>
-                <a:spcPts val="2100"/>
-              </a:spcBef>
-              <a:buFont typeface="Arial" panose="020B0604020202020204" pitchFamily="34" charset="0"/>
-              <a:buNone/>
-              <a:defRPr sz="6720" kern="1200">
-                <a:solidFill>
-                  <a:schemeClr val="tx1"/>
-                </a:solidFill>
-                <a:latin typeface="+mn-lt"/>
-                <a:ea typeface="+mn-ea"/>
-                <a:cs typeface="+mn-cs"/>
-              </a:defRPr>
-            </a:lvl7pPr>
-            <a:lvl8pPr marL="13441680" indent="0" algn="ctr" defTabSz="3840480" rtl="0" eaLnBrk="1" latinLnBrk="0" hangingPunct="1">
-              <a:lnSpc>
-                <a:spcPct val="90000"/>
-              </a:lnSpc>
-              <a:spcBef>
-                <a:spcPts val="2100"/>
-              </a:spcBef>
-              <a:buFont typeface="Arial" panose="020B0604020202020204" pitchFamily="34" charset="0"/>
-              <a:buNone/>
-              <a:defRPr sz="6720" kern="1200">
-                <a:solidFill>
-                  <a:schemeClr val="tx1"/>
-                </a:solidFill>
-                <a:latin typeface="+mn-lt"/>
-                <a:ea typeface="+mn-ea"/>
-                <a:cs typeface="+mn-cs"/>
-              </a:defRPr>
-            </a:lvl8pPr>
-            <a:lvl9pPr marL="15361920" indent="0" algn="ctr" defTabSz="3840480" rtl="0" eaLnBrk="1" latinLnBrk="0" hangingPunct="1">
-              <a:lnSpc>
-                <a:spcPct val="90000"/>
-              </a:lnSpc>
-              <a:spcBef>
-                <a:spcPts val="2100"/>
-              </a:spcBef>
-              <a:buFont typeface="Arial" panose="020B0604020202020204" pitchFamily="34" charset="0"/>
-              <a:buNone/>
-              <a:defRPr sz="6720" kern="1200">
-                <a:solidFill>
-                  <a:schemeClr val="tx1"/>
-                </a:solidFill>
-                <a:latin typeface="+mn-lt"/>
-                <a:ea typeface="+mn-ea"/>
-                <a:cs typeface="+mn-cs"/>
-              </a:defRPr>
-            </a:lvl9pPr>
-          </a:lstStyle>
-          <a:p>
-            <a:endParaRPr lang="en-US" sz="3392" dirty="0">
-              <a:latin typeface="Cambria" panose="02040503050406030204" pitchFamily="18" charset="0"/>
-            </a:endParaRPr>
-          </a:p>
-        </p:txBody>
-      </p:sp>
-      <p:sp>
-        <p:nvSpPr>
           <p:cNvPr id="17" name="Subtitle 2"/>
           <p:cNvSpPr txBox="1">
             <a:spLocks/>
@@ -4884,7 +4821,7 @@
         </p:nvSpPr>
         <p:spPr>
           <a:xfrm>
-            <a:off x="29785191" y="13884601"/>
+            <a:off x="29924135" y="17817704"/>
             <a:ext cx="10005181" cy="837062"/>
           </a:xfrm>
           <a:prstGeom prst="rect">
@@ -5082,7 +5019,7 @@
       </p:sp>
       <p:sp>
         <p:nvSpPr>
-          <p:cNvPr id="18" name="Subtitle 2"/>
+          <p:cNvPr id="19" name="Subtitle 2"/>
           <p:cNvSpPr txBox="1">
             <a:spLocks/>
           </p:cNvSpPr>
@@ -5090,7 +5027,875 @@
         </p:nvSpPr>
         <p:spPr>
           <a:xfrm>
-            <a:off x="29875498" y="22045222"/>
+            <a:off x="29883227" y="5866739"/>
+            <a:ext cx="10005181" cy="11194711"/>
+          </a:xfrm>
+          <a:prstGeom prst="rect">
+            <a:avLst/>
+          </a:prstGeom>
+          <a:noFill/>
+          <a:ln>
+            <a:solidFill>
+              <a:srgbClr val="002060"/>
+            </a:solidFill>
+          </a:ln>
+        </p:spPr>
+        <p:txBody>
+          <a:bodyPr vert="horz" lIns="97785" tIns="48892" rIns="97785" bIns="48892" rtlCol="0" anchor="t">
+            <a:normAutofit/>
+          </a:bodyPr>
+          <a:lstStyle>
+            <a:lvl1pPr marL="0" indent="0" algn="ctr" defTabSz="3840480" rtl="0" eaLnBrk="1" latinLnBrk="0" hangingPunct="1">
+              <a:lnSpc>
+                <a:spcPct val="90000"/>
+              </a:lnSpc>
+              <a:spcBef>
+                <a:spcPts val="4200"/>
+              </a:spcBef>
+              <a:buFont typeface="Arial" panose="020B0604020202020204" pitchFamily="34" charset="0"/>
+              <a:buNone/>
+              <a:defRPr sz="10080" kern="1200">
+                <a:solidFill>
+                  <a:schemeClr val="tx1"/>
+                </a:solidFill>
+                <a:latin typeface="+mn-lt"/>
+                <a:ea typeface="+mn-ea"/>
+                <a:cs typeface="+mn-cs"/>
+              </a:defRPr>
+            </a:lvl1pPr>
+            <a:lvl2pPr marL="1920240" indent="0" algn="ctr" defTabSz="3840480" rtl="0" eaLnBrk="1" latinLnBrk="0" hangingPunct="1">
+              <a:lnSpc>
+                <a:spcPct val="90000"/>
+              </a:lnSpc>
+              <a:spcBef>
+                <a:spcPts val="2100"/>
+              </a:spcBef>
+              <a:buFont typeface="Arial" panose="020B0604020202020204" pitchFamily="34" charset="0"/>
+              <a:buNone/>
+              <a:defRPr sz="8400" kern="1200">
+                <a:solidFill>
+                  <a:schemeClr val="tx1"/>
+                </a:solidFill>
+                <a:latin typeface="+mn-lt"/>
+                <a:ea typeface="+mn-ea"/>
+                <a:cs typeface="+mn-cs"/>
+              </a:defRPr>
+            </a:lvl2pPr>
+            <a:lvl3pPr marL="3840480" indent="0" algn="ctr" defTabSz="3840480" rtl="0" eaLnBrk="1" latinLnBrk="0" hangingPunct="1">
+              <a:lnSpc>
+                <a:spcPct val="90000"/>
+              </a:lnSpc>
+              <a:spcBef>
+                <a:spcPts val="2100"/>
+              </a:spcBef>
+              <a:buFont typeface="Arial" panose="020B0604020202020204" pitchFamily="34" charset="0"/>
+              <a:buNone/>
+              <a:defRPr sz="7560" kern="1200">
+                <a:solidFill>
+                  <a:schemeClr val="tx1"/>
+                </a:solidFill>
+                <a:latin typeface="+mn-lt"/>
+                <a:ea typeface="+mn-ea"/>
+                <a:cs typeface="+mn-cs"/>
+              </a:defRPr>
+            </a:lvl3pPr>
+            <a:lvl4pPr marL="5760720" indent="0" algn="ctr" defTabSz="3840480" rtl="0" eaLnBrk="1" latinLnBrk="0" hangingPunct="1">
+              <a:lnSpc>
+                <a:spcPct val="90000"/>
+              </a:lnSpc>
+              <a:spcBef>
+                <a:spcPts val="2100"/>
+              </a:spcBef>
+              <a:buFont typeface="Arial" panose="020B0604020202020204" pitchFamily="34" charset="0"/>
+              <a:buNone/>
+              <a:defRPr sz="6720" kern="1200">
+                <a:solidFill>
+                  <a:schemeClr val="tx1"/>
+                </a:solidFill>
+                <a:latin typeface="+mn-lt"/>
+                <a:ea typeface="+mn-ea"/>
+                <a:cs typeface="+mn-cs"/>
+              </a:defRPr>
+            </a:lvl4pPr>
+            <a:lvl5pPr marL="7680960" indent="0" algn="ctr" defTabSz="3840480" rtl="0" eaLnBrk="1" latinLnBrk="0" hangingPunct="1">
+              <a:lnSpc>
+                <a:spcPct val="90000"/>
+              </a:lnSpc>
+              <a:spcBef>
+                <a:spcPts val="2100"/>
+              </a:spcBef>
+              <a:buFont typeface="Arial" panose="020B0604020202020204" pitchFamily="34" charset="0"/>
+              <a:buNone/>
+              <a:defRPr sz="6720" kern="1200">
+                <a:solidFill>
+                  <a:schemeClr val="tx1"/>
+                </a:solidFill>
+                <a:latin typeface="+mn-lt"/>
+                <a:ea typeface="+mn-ea"/>
+                <a:cs typeface="+mn-cs"/>
+              </a:defRPr>
+            </a:lvl5pPr>
+            <a:lvl6pPr marL="9601200" indent="0" algn="ctr" defTabSz="3840480" rtl="0" eaLnBrk="1" latinLnBrk="0" hangingPunct="1">
+              <a:lnSpc>
+                <a:spcPct val="90000"/>
+              </a:lnSpc>
+              <a:spcBef>
+                <a:spcPts val="2100"/>
+              </a:spcBef>
+              <a:buFont typeface="Arial" panose="020B0604020202020204" pitchFamily="34" charset="0"/>
+              <a:buNone/>
+              <a:defRPr sz="6720" kern="1200">
+                <a:solidFill>
+                  <a:schemeClr val="tx1"/>
+                </a:solidFill>
+                <a:latin typeface="+mn-lt"/>
+                <a:ea typeface="+mn-ea"/>
+                <a:cs typeface="+mn-cs"/>
+              </a:defRPr>
+            </a:lvl6pPr>
+            <a:lvl7pPr marL="11521440" indent="0" algn="ctr" defTabSz="3840480" rtl="0" eaLnBrk="1" latinLnBrk="0" hangingPunct="1">
+              <a:lnSpc>
+                <a:spcPct val="90000"/>
+              </a:lnSpc>
+              <a:spcBef>
+                <a:spcPts val="2100"/>
+              </a:spcBef>
+              <a:buFont typeface="Arial" panose="020B0604020202020204" pitchFamily="34" charset="0"/>
+              <a:buNone/>
+              <a:defRPr sz="6720" kern="1200">
+                <a:solidFill>
+                  <a:schemeClr val="tx1"/>
+                </a:solidFill>
+                <a:latin typeface="+mn-lt"/>
+                <a:ea typeface="+mn-ea"/>
+                <a:cs typeface="+mn-cs"/>
+              </a:defRPr>
+            </a:lvl7pPr>
+            <a:lvl8pPr marL="13441680" indent="0" algn="ctr" defTabSz="3840480" rtl="0" eaLnBrk="1" latinLnBrk="0" hangingPunct="1">
+              <a:lnSpc>
+                <a:spcPct val="90000"/>
+              </a:lnSpc>
+              <a:spcBef>
+                <a:spcPts val="2100"/>
+              </a:spcBef>
+              <a:buFont typeface="Arial" panose="020B0604020202020204" pitchFamily="34" charset="0"/>
+              <a:buNone/>
+              <a:defRPr sz="6720" kern="1200">
+                <a:solidFill>
+                  <a:schemeClr val="tx1"/>
+                </a:solidFill>
+                <a:latin typeface="+mn-lt"/>
+                <a:ea typeface="+mn-ea"/>
+                <a:cs typeface="+mn-cs"/>
+              </a:defRPr>
+            </a:lvl8pPr>
+            <a:lvl9pPr marL="15361920" indent="0" algn="ctr" defTabSz="3840480" rtl="0" eaLnBrk="1" latinLnBrk="0" hangingPunct="1">
+              <a:lnSpc>
+                <a:spcPct val="90000"/>
+              </a:lnSpc>
+              <a:spcBef>
+                <a:spcPts val="2100"/>
+              </a:spcBef>
+              <a:buFont typeface="Arial" panose="020B0604020202020204" pitchFamily="34" charset="0"/>
+              <a:buNone/>
+              <a:defRPr sz="6720" kern="1200">
+                <a:solidFill>
+                  <a:schemeClr val="tx1"/>
+                </a:solidFill>
+                <a:latin typeface="+mn-lt"/>
+                <a:ea typeface="+mn-ea"/>
+                <a:cs typeface="+mn-cs"/>
+              </a:defRPr>
+            </a:lvl9pPr>
+          </a:lstStyle>
+          <a:p>
+            <a:pPr marL="571500" indent="-571500" algn="l">
+              <a:lnSpc>
+                <a:spcPct val="100000"/>
+              </a:lnSpc>
+              <a:spcBef>
+                <a:spcPts val="2200"/>
+              </a:spcBef>
+              <a:buFont typeface="Arial" panose="020B0604020202020204" pitchFamily="34" charset="0"/>
+              <a:buChar char="•"/>
+            </a:pPr>
+            <a:r>
+              <a:rPr lang="en-US" sz="3600" dirty="0">
+                <a:latin typeface="Cambria" panose="02040503050406030204" pitchFamily="18" charset="0"/>
+              </a:rPr>
+              <a:t>The value functions produced by all model types generally trend upward with higher charge, which is expected.</a:t>
+            </a:r>
+          </a:p>
+          <a:p>
+            <a:pPr marL="571500" indent="-571500" algn="l">
+              <a:lnSpc>
+                <a:spcPct val="100000"/>
+              </a:lnSpc>
+              <a:spcBef>
+                <a:spcPts val="2200"/>
+              </a:spcBef>
+              <a:buFont typeface="Arial" panose="020B0604020202020204" pitchFamily="34" charset="0"/>
+              <a:buChar char="•"/>
+            </a:pPr>
+            <a:r>
+              <a:rPr lang="en-US" sz="3600" dirty="0">
+                <a:latin typeface="Cambria" panose="02040503050406030204" pitchFamily="18" charset="0"/>
+              </a:rPr>
+              <a:t>The high values for lower charge seen in splines and RBFs could be explained by a lack of training data in that region.</a:t>
+            </a:r>
+          </a:p>
+          <a:p>
+            <a:pPr marL="571500" indent="-571500" algn="l">
+              <a:lnSpc>
+                <a:spcPct val="100000"/>
+              </a:lnSpc>
+              <a:spcBef>
+                <a:spcPts val="2200"/>
+              </a:spcBef>
+              <a:buFont typeface="Arial" panose="020B0604020202020204" pitchFamily="34" charset="0"/>
+              <a:buChar char="•"/>
+            </a:pPr>
+            <a:r>
+              <a:rPr lang="en-US" sz="3600" dirty="0">
+                <a:latin typeface="Cambria" panose="02040503050406030204" pitchFamily="18" charset="0"/>
+              </a:rPr>
+              <a:t>The neural network was only trained on 1 day of data due to long training times.</a:t>
+            </a:r>
+          </a:p>
+          <a:p>
+            <a:pPr marL="571500" indent="-571500" algn="l">
+              <a:lnSpc>
+                <a:spcPct val="100000"/>
+              </a:lnSpc>
+              <a:spcBef>
+                <a:spcPts val="2200"/>
+              </a:spcBef>
+              <a:buFont typeface="Arial" panose="020B0604020202020204" pitchFamily="34" charset="0"/>
+              <a:buChar char="•"/>
+            </a:pPr>
+            <a:r>
+              <a:rPr lang="en-US" sz="3600" dirty="0">
+                <a:latin typeface="Cambria" panose="02040503050406030204" pitchFamily="18" charset="0"/>
+              </a:rPr>
+              <a:t>With a larger training set or adjustments to the structure of the neural net better results are possible.</a:t>
+            </a:r>
+          </a:p>
+          <a:p>
+            <a:pPr marL="571500" indent="-571500" algn="l">
+              <a:lnSpc>
+                <a:spcPct val="100000"/>
+              </a:lnSpc>
+              <a:spcBef>
+                <a:spcPts val="2200"/>
+              </a:spcBef>
+              <a:buFont typeface="Arial" panose="020B0604020202020204" pitchFamily="34" charset="0"/>
+              <a:buChar char="•"/>
+            </a:pPr>
+            <a:r>
+              <a:rPr lang="en-US" sz="3600" dirty="0">
+                <a:latin typeface="Cambria" panose="02040503050406030204" pitchFamily="18" charset="0"/>
+              </a:rPr>
+              <a:t>The linear spline has the most correct approximation, matching the intuition of the problem.</a:t>
+            </a:r>
+          </a:p>
+          <a:p>
+            <a:pPr marL="571500" indent="-571500" algn="l">
+              <a:lnSpc>
+                <a:spcPct val="100000"/>
+              </a:lnSpc>
+              <a:spcBef>
+                <a:spcPts val="2200"/>
+              </a:spcBef>
+              <a:buFont typeface="Arial" panose="020B0604020202020204" pitchFamily="34" charset="0"/>
+              <a:buChar char="•"/>
+            </a:pPr>
+            <a:r>
+              <a:rPr lang="en-US" sz="3600" dirty="0">
+                <a:latin typeface="Cambria" panose="02040503050406030204" pitchFamily="18" charset="0"/>
+              </a:rPr>
+              <a:t>In the simulation, the linear spline approximation beats the naive policy currently used by the SML.</a:t>
+            </a:r>
+          </a:p>
+        </p:txBody>
+      </p:sp>
+      <p:sp>
+        <p:nvSpPr>
+          <p:cNvPr id="30" name="Subtitle 2"/>
+          <p:cNvSpPr txBox="1">
+            <a:spLocks/>
+          </p:cNvSpPr>
+          <p:nvPr/>
+        </p:nvSpPr>
+        <p:spPr>
+          <a:xfrm>
+            <a:off x="11173981" y="13027926"/>
+            <a:ext cx="18004967" cy="795968"/>
+          </a:xfrm>
+          <a:prstGeom prst="rect">
+            <a:avLst/>
+          </a:prstGeom>
+          <a:solidFill>
+            <a:srgbClr val="002060"/>
+          </a:solidFill>
+          <a:ln>
+            <a:solidFill>
+              <a:srgbClr val="002060"/>
+            </a:solidFill>
+          </a:ln>
+        </p:spPr>
+        <p:txBody>
+          <a:bodyPr vert="horz" lIns="97785" tIns="48892" rIns="97785" bIns="48892" rtlCol="0" anchor="ctr">
+            <a:normAutofit/>
+          </a:bodyPr>
+          <a:lstStyle>
+            <a:lvl1pPr marL="0" indent="0" algn="ctr" defTabSz="3840480" rtl="0" eaLnBrk="1" latinLnBrk="0" hangingPunct="1">
+              <a:lnSpc>
+                <a:spcPct val="90000"/>
+              </a:lnSpc>
+              <a:spcBef>
+                <a:spcPts val="4200"/>
+              </a:spcBef>
+              <a:buFont typeface="Arial" panose="020B0604020202020204" pitchFamily="34" charset="0"/>
+              <a:buNone/>
+              <a:defRPr sz="10080" kern="1200">
+                <a:solidFill>
+                  <a:schemeClr val="tx1"/>
+                </a:solidFill>
+                <a:latin typeface="+mn-lt"/>
+                <a:ea typeface="+mn-ea"/>
+                <a:cs typeface="+mn-cs"/>
+              </a:defRPr>
+            </a:lvl1pPr>
+            <a:lvl2pPr marL="1920240" indent="0" algn="ctr" defTabSz="3840480" rtl="0" eaLnBrk="1" latinLnBrk="0" hangingPunct="1">
+              <a:lnSpc>
+                <a:spcPct val="90000"/>
+              </a:lnSpc>
+              <a:spcBef>
+                <a:spcPts val="2100"/>
+              </a:spcBef>
+              <a:buFont typeface="Arial" panose="020B0604020202020204" pitchFamily="34" charset="0"/>
+              <a:buNone/>
+              <a:defRPr sz="8400" kern="1200">
+                <a:solidFill>
+                  <a:schemeClr val="tx1"/>
+                </a:solidFill>
+                <a:latin typeface="+mn-lt"/>
+                <a:ea typeface="+mn-ea"/>
+                <a:cs typeface="+mn-cs"/>
+              </a:defRPr>
+            </a:lvl2pPr>
+            <a:lvl3pPr marL="3840480" indent="0" algn="ctr" defTabSz="3840480" rtl="0" eaLnBrk="1" latinLnBrk="0" hangingPunct="1">
+              <a:lnSpc>
+                <a:spcPct val="90000"/>
+              </a:lnSpc>
+              <a:spcBef>
+                <a:spcPts val="2100"/>
+              </a:spcBef>
+              <a:buFont typeface="Arial" panose="020B0604020202020204" pitchFamily="34" charset="0"/>
+              <a:buNone/>
+              <a:defRPr sz="7560" kern="1200">
+                <a:solidFill>
+                  <a:schemeClr val="tx1"/>
+                </a:solidFill>
+                <a:latin typeface="+mn-lt"/>
+                <a:ea typeface="+mn-ea"/>
+                <a:cs typeface="+mn-cs"/>
+              </a:defRPr>
+            </a:lvl3pPr>
+            <a:lvl4pPr marL="5760720" indent="0" algn="ctr" defTabSz="3840480" rtl="0" eaLnBrk="1" latinLnBrk="0" hangingPunct="1">
+              <a:lnSpc>
+                <a:spcPct val="90000"/>
+              </a:lnSpc>
+              <a:spcBef>
+                <a:spcPts val="2100"/>
+              </a:spcBef>
+              <a:buFont typeface="Arial" panose="020B0604020202020204" pitchFamily="34" charset="0"/>
+              <a:buNone/>
+              <a:defRPr sz="6720" kern="1200">
+                <a:solidFill>
+                  <a:schemeClr val="tx1"/>
+                </a:solidFill>
+                <a:latin typeface="+mn-lt"/>
+                <a:ea typeface="+mn-ea"/>
+                <a:cs typeface="+mn-cs"/>
+              </a:defRPr>
+            </a:lvl4pPr>
+            <a:lvl5pPr marL="7680960" indent="0" algn="ctr" defTabSz="3840480" rtl="0" eaLnBrk="1" latinLnBrk="0" hangingPunct="1">
+              <a:lnSpc>
+                <a:spcPct val="90000"/>
+              </a:lnSpc>
+              <a:spcBef>
+                <a:spcPts val="2100"/>
+              </a:spcBef>
+              <a:buFont typeface="Arial" panose="020B0604020202020204" pitchFamily="34" charset="0"/>
+              <a:buNone/>
+              <a:defRPr sz="6720" kern="1200">
+                <a:solidFill>
+                  <a:schemeClr val="tx1"/>
+                </a:solidFill>
+                <a:latin typeface="+mn-lt"/>
+                <a:ea typeface="+mn-ea"/>
+                <a:cs typeface="+mn-cs"/>
+              </a:defRPr>
+            </a:lvl5pPr>
+            <a:lvl6pPr marL="9601200" indent="0" algn="ctr" defTabSz="3840480" rtl="0" eaLnBrk="1" latinLnBrk="0" hangingPunct="1">
+              <a:lnSpc>
+                <a:spcPct val="90000"/>
+              </a:lnSpc>
+              <a:spcBef>
+                <a:spcPts val="2100"/>
+              </a:spcBef>
+              <a:buFont typeface="Arial" panose="020B0604020202020204" pitchFamily="34" charset="0"/>
+              <a:buNone/>
+              <a:defRPr sz="6720" kern="1200">
+                <a:solidFill>
+                  <a:schemeClr val="tx1"/>
+                </a:solidFill>
+                <a:latin typeface="+mn-lt"/>
+                <a:ea typeface="+mn-ea"/>
+                <a:cs typeface="+mn-cs"/>
+              </a:defRPr>
+            </a:lvl6pPr>
+            <a:lvl7pPr marL="11521440" indent="0" algn="ctr" defTabSz="3840480" rtl="0" eaLnBrk="1" latinLnBrk="0" hangingPunct="1">
+              <a:lnSpc>
+                <a:spcPct val="90000"/>
+              </a:lnSpc>
+              <a:spcBef>
+                <a:spcPts val="2100"/>
+              </a:spcBef>
+              <a:buFont typeface="Arial" panose="020B0604020202020204" pitchFamily="34" charset="0"/>
+              <a:buNone/>
+              <a:defRPr sz="6720" kern="1200">
+                <a:solidFill>
+                  <a:schemeClr val="tx1"/>
+                </a:solidFill>
+                <a:latin typeface="+mn-lt"/>
+                <a:ea typeface="+mn-ea"/>
+                <a:cs typeface="+mn-cs"/>
+              </a:defRPr>
+            </a:lvl7pPr>
+            <a:lvl8pPr marL="13441680" indent="0" algn="ctr" defTabSz="3840480" rtl="0" eaLnBrk="1" latinLnBrk="0" hangingPunct="1">
+              <a:lnSpc>
+                <a:spcPct val="90000"/>
+              </a:lnSpc>
+              <a:spcBef>
+                <a:spcPts val="2100"/>
+              </a:spcBef>
+              <a:buFont typeface="Arial" panose="020B0604020202020204" pitchFamily="34" charset="0"/>
+              <a:buNone/>
+              <a:defRPr sz="6720" kern="1200">
+                <a:solidFill>
+                  <a:schemeClr val="tx1"/>
+                </a:solidFill>
+                <a:latin typeface="+mn-lt"/>
+                <a:ea typeface="+mn-ea"/>
+                <a:cs typeface="+mn-cs"/>
+              </a:defRPr>
+            </a:lvl8pPr>
+            <a:lvl9pPr marL="15361920" indent="0" algn="ctr" defTabSz="3840480" rtl="0" eaLnBrk="1" latinLnBrk="0" hangingPunct="1">
+              <a:lnSpc>
+                <a:spcPct val="90000"/>
+              </a:lnSpc>
+              <a:spcBef>
+                <a:spcPts val="2100"/>
+              </a:spcBef>
+              <a:buFont typeface="Arial" panose="020B0604020202020204" pitchFamily="34" charset="0"/>
+              <a:buNone/>
+              <a:defRPr sz="6720" kern="1200">
+                <a:solidFill>
+                  <a:schemeClr val="tx1"/>
+                </a:solidFill>
+                <a:latin typeface="+mn-lt"/>
+                <a:ea typeface="+mn-ea"/>
+                <a:cs typeface="+mn-cs"/>
+              </a:defRPr>
+            </a:lvl9pPr>
+          </a:lstStyle>
+          <a:p>
+            <a:r>
+              <a:rPr lang="en-US" sz="4675" dirty="0">
+                <a:solidFill>
+                  <a:schemeClr val="bg1"/>
+                </a:solidFill>
+                <a:latin typeface="Cambria" panose="02040503050406030204" pitchFamily="18" charset="0"/>
+              </a:rPr>
+              <a:t>Value Function Approximations</a:t>
+            </a:r>
+          </a:p>
+        </p:txBody>
+      </p:sp>
+      <p:sp>
+        <p:nvSpPr>
+          <p:cNvPr id="85" name="Subtitle 2"/>
+          <p:cNvSpPr txBox="1">
+            <a:spLocks/>
+          </p:cNvSpPr>
+          <p:nvPr/>
+        </p:nvSpPr>
+        <p:spPr>
+          <a:xfrm>
+            <a:off x="29875497" y="27776595"/>
+            <a:ext cx="10005181" cy="4182930"/>
+          </a:xfrm>
+          <a:prstGeom prst="rect">
+            <a:avLst/>
+          </a:prstGeom>
+          <a:noFill/>
+          <a:ln>
+            <a:solidFill>
+              <a:srgbClr val="002060"/>
+            </a:solidFill>
+          </a:ln>
+        </p:spPr>
+        <p:txBody>
+          <a:bodyPr vert="horz" lIns="97785" tIns="48892" rIns="97785" bIns="48892" rtlCol="0" anchor="t">
+            <a:normAutofit fontScale="85000" lnSpcReduction="20000"/>
+          </a:bodyPr>
+          <a:lstStyle>
+            <a:lvl1pPr marL="0" indent="0" algn="ctr" defTabSz="3840480" rtl="0" eaLnBrk="1" latinLnBrk="0" hangingPunct="1">
+              <a:lnSpc>
+                <a:spcPct val="90000"/>
+              </a:lnSpc>
+              <a:spcBef>
+                <a:spcPts val="4200"/>
+              </a:spcBef>
+              <a:buFont typeface="Arial" panose="020B0604020202020204" pitchFamily="34" charset="0"/>
+              <a:buNone/>
+              <a:defRPr sz="10080" kern="1200">
+                <a:solidFill>
+                  <a:schemeClr val="tx1"/>
+                </a:solidFill>
+                <a:latin typeface="+mn-lt"/>
+                <a:ea typeface="+mn-ea"/>
+                <a:cs typeface="+mn-cs"/>
+              </a:defRPr>
+            </a:lvl1pPr>
+            <a:lvl2pPr marL="1920240" indent="0" algn="ctr" defTabSz="3840480" rtl="0" eaLnBrk="1" latinLnBrk="0" hangingPunct="1">
+              <a:lnSpc>
+                <a:spcPct val="90000"/>
+              </a:lnSpc>
+              <a:spcBef>
+                <a:spcPts val="2100"/>
+              </a:spcBef>
+              <a:buFont typeface="Arial" panose="020B0604020202020204" pitchFamily="34" charset="0"/>
+              <a:buNone/>
+              <a:defRPr sz="8400" kern="1200">
+                <a:solidFill>
+                  <a:schemeClr val="tx1"/>
+                </a:solidFill>
+                <a:latin typeface="+mn-lt"/>
+                <a:ea typeface="+mn-ea"/>
+                <a:cs typeface="+mn-cs"/>
+              </a:defRPr>
+            </a:lvl2pPr>
+            <a:lvl3pPr marL="3840480" indent="0" algn="ctr" defTabSz="3840480" rtl="0" eaLnBrk="1" latinLnBrk="0" hangingPunct="1">
+              <a:lnSpc>
+                <a:spcPct val="90000"/>
+              </a:lnSpc>
+              <a:spcBef>
+                <a:spcPts val="2100"/>
+              </a:spcBef>
+              <a:buFont typeface="Arial" panose="020B0604020202020204" pitchFamily="34" charset="0"/>
+              <a:buNone/>
+              <a:defRPr sz="7560" kern="1200">
+                <a:solidFill>
+                  <a:schemeClr val="tx1"/>
+                </a:solidFill>
+                <a:latin typeface="+mn-lt"/>
+                <a:ea typeface="+mn-ea"/>
+                <a:cs typeface="+mn-cs"/>
+              </a:defRPr>
+            </a:lvl3pPr>
+            <a:lvl4pPr marL="5760720" indent="0" algn="ctr" defTabSz="3840480" rtl="0" eaLnBrk="1" latinLnBrk="0" hangingPunct="1">
+              <a:lnSpc>
+                <a:spcPct val="90000"/>
+              </a:lnSpc>
+              <a:spcBef>
+                <a:spcPts val="2100"/>
+              </a:spcBef>
+              <a:buFont typeface="Arial" panose="020B0604020202020204" pitchFamily="34" charset="0"/>
+              <a:buNone/>
+              <a:defRPr sz="6720" kern="1200">
+                <a:solidFill>
+                  <a:schemeClr val="tx1"/>
+                </a:solidFill>
+                <a:latin typeface="+mn-lt"/>
+                <a:ea typeface="+mn-ea"/>
+                <a:cs typeface="+mn-cs"/>
+              </a:defRPr>
+            </a:lvl4pPr>
+            <a:lvl5pPr marL="7680960" indent="0" algn="ctr" defTabSz="3840480" rtl="0" eaLnBrk="1" latinLnBrk="0" hangingPunct="1">
+              <a:lnSpc>
+                <a:spcPct val="90000"/>
+              </a:lnSpc>
+              <a:spcBef>
+                <a:spcPts val="2100"/>
+              </a:spcBef>
+              <a:buFont typeface="Arial" panose="020B0604020202020204" pitchFamily="34" charset="0"/>
+              <a:buNone/>
+              <a:defRPr sz="6720" kern="1200">
+                <a:solidFill>
+                  <a:schemeClr val="tx1"/>
+                </a:solidFill>
+                <a:latin typeface="+mn-lt"/>
+                <a:ea typeface="+mn-ea"/>
+                <a:cs typeface="+mn-cs"/>
+              </a:defRPr>
+            </a:lvl5pPr>
+            <a:lvl6pPr marL="9601200" indent="0" algn="ctr" defTabSz="3840480" rtl="0" eaLnBrk="1" latinLnBrk="0" hangingPunct="1">
+              <a:lnSpc>
+                <a:spcPct val="90000"/>
+              </a:lnSpc>
+              <a:spcBef>
+                <a:spcPts val="2100"/>
+              </a:spcBef>
+              <a:buFont typeface="Arial" panose="020B0604020202020204" pitchFamily="34" charset="0"/>
+              <a:buNone/>
+              <a:defRPr sz="6720" kern="1200">
+                <a:solidFill>
+                  <a:schemeClr val="tx1"/>
+                </a:solidFill>
+                <a:latin typeface="+mn-lt"/>
+                <a:ea typeface="+mn-ea"/>
+                <a:cs typeface="+mn-cs"/>
+              </a:defRPr>
+            </a:lvl6pPr>
+            <a:lvl7pPr marL="11521440" indent="0" algn="ctr" defTabSz="3840480" rtl="0" eaLnBrk="1" latinLnBrk="0" hangingPunct="1">
+              <a:lnSpc>
+                <a:spcPct val="90000"/>
+              </a:lnSpc>
+              <a:spcBef>
+                <a:spcPts val="2100"/>
+              </a:spcBef>
+              <a:buFont typeface="Arial" panose="020B0604020202020204" pitchFamily="34" charset="0"/>
+              <a:buNone/>
+              <a:defRPr sz="6720" kern="1200">
+                <a:solidFill>
+                  <a:schemeClr val="tx1"/>
+                </a:solidFill>
+                <a:latin typeface="+mn-lt"/>
+                <a:ea typeface="+mn-ea"/>
+                <a:cs typeface="+mn-cs"/>
+              </a:defRPr>
+            </a:lvl7pPr>
+            <a:lvl8pPr marL="13441680" indent="0" algn="ctr" defTabSz="3840480" rtl="0" eaLnBrk="1" latinLnBrk="0" hangingPunct="1">
+              <a:lnSpc>
+                <a:spcPct val="90000"/>
+              </a:lnSpc>
+              <a:spcBef>
+                <a:spcPts val="2100"/>
+              </a:spcBef>
+              <a:buFont typeface="Arial" panose="020B0604020202020204" pitchFamily="34" charset="0"/>
+              <a:buNone/>
+              <a:defRPr sz="6720" kern="1200">
+                <a:solidFill>
+                  <a:schemeClr val="tx1"/>
+                </a:solidFill>
+                <a:latin typeface="+mn-lt"/>
+                <a:ea typeface="+mn-ea"/>
+                <a:cs typeface="+mn-cs"/>
+              </a:defRPr>
+            </a:lvl8pPr>
+            <a:lvl9pPr marL="15361920" indent="0" algn="ctr" defTabSz="3840480" rtl="0" eaLnBrk="1" latinLnBrk="0" hangingPunct="1">
+              <a:lnSpc>
+                <a:spcPct val="90000"/>
+              </a:lnSpc>
+              <a:spcBef>
+                <a:spcPts val="2100"/>
+              </a:spcBef>
+              <a:buFont typeface="Arial" panose="020B0604020202020204" pitchFamily="34" charset="0"/>
+              <a:buNone/>
+              <a:defRPr sz="6720" kern="1200">
+                <a:solidFill>
+                  <a:schemeClr val="tx1"/>
+                </a:solidFill>
+                <a:latin typeface="+mn-lt"/>
+                <a:ea typeface="+mn-ea"/>
+                <a:cs typeface="+mn-cs"/>
+              </a:defRPr>
+            </a:lvl9pPr>
+          </a:lstStyle>
+          <a:p>
+            <a:pPr algn="l">
+              <a:lnSpc>
+                <a:spcPct val="120000"/>
+              </a:lnSpc>
+              <a:spcBef>
+                <a:spcPts val="600"/>
+              </a:spcBef>
+            </a:pPr>
+            <a:r>
+              <a:rPr lang="en-US" sz="2400" dirty="0">
+                <a:latin typeface="Cambria" panose="02040503050406030204" pitchFamily="18" charset="0"/>
+              </a:rPr>
+              <a:t>SML Data: </a:t>
+            </a:r>
+            <a:r>
+              <a:rPr lang="en-US" sz="2400" dirty="0">
+                <a:latin typeface="Cambria" panose="02040503050406030204" pitchFamily="18" charset="0"/>
+                <a:hlinkClick r:id="rId2"/>
+              </a:rPr>
+              <a:t>https://sustainablesml.org/pages/systemList.php</a:t>
+            </a:r>
+            <a:endParaRPr lang="en-US" sz="2400" dirty="0">
+              <a:latin typeface="Cambria" panose="02040503050406030204" pitchFamily="18" charset="0"/>
+            </a:endParaRPr>
+          </a:p>
+          <a:p>
+            <a:pPr algn="l">
+              <a:lnSpc>
+                <a:spcPct val="120000"/>
+              </a:lnSpc>
+              <a:spcBef>
+                <a:spcPts val="600"/>
+              </a:spcBef>
+            </a:pPr>
+            <a:endParaRPr lang="en-US" sz="2400" dirty="0">
+              <a:latin typeface="Cambria" panose="02040503050406030204" pitchFamily="18" charset="0"/>
+            </a:endParaRPr>
+          </a:p>
+          <a:p>
+            <a:pPr algn="l">
+              <a:lnSpc>
+                <a:spcPct val="120000"/>
+              </a:lnSpc>
+              <a:spcBef>
+                <a:spcPts val="600"/>
+              </a:spcBef>
+            </a:pPr>
+            <a:r>
+              <a:rPr lang="en-US" sz="2400" dirty="0">
+                <a:latin typeface="Cambria" panose="02040503050406030204" pitchFamily="18" charset="0"/>
+              </a:rPr>
+              <a:t>A. </a:t>
+            </a:r>
+            <a:r>
+              <a:rPr lang="en-US" sz="2400" dirty="0" err="1">
+                <a:latin typeface="Cambria" panose="02040503050406030204" pitchFamily="18" charset="0"/>
+              </a:rPr>
+              <a:t>Ghasemi</a:t>
+            </a:r>
+            <a:r>
+              <a:rPr lang="en-US" sz="2400" dirty="0">
+                <a:latin typeface="Cambria" panose="02040503050406030204" pitchFamily="18" charset="0"/>
+              </a:rPr>
+              <a:t>, A. </a:t>
+            </a:r>
+            <a:r>
+              <a:rPr lang="en-US" sz="2400" dirty="0" err="1">
+                <a:latin typeface="Cambria" panose="02040503050406030204" pitchFamily="18" charset="0"/>
+              </a:rPr>
+              <a:t>Shojaeighadikolaei</a:t>
+            </a:r>
+            <a:r>
+              <a:rPr lang="en-US" sz="2400" dirty="0">
+                <a:latin typeface="Cambria" panose="02040503050406030204" pitchFamily="18" charset="0"/>
+              </a:rPr>
+              <a:t>, K. Jones, M. Hashemi, A. G. Bardas and R. Ahmadi, "A Multi-Agent Deep Reinforcement Learning Approach for a Distributed Energy Marketplace in Smart Grids," 2020 IEEE International Conference on Communications, Control, and Computing Technologies for Smart Grids (</a:t>
+            </a:r>
+            <a:r>
+              <a:rPr lang="en-US" sz="2400" dirty="0" err="1">
+                <a:latin typeface="Cambria" panose="02040503050406030204" pitchFamily="18" charset="0"/>
+              </a:rPr>
+              <a:t>SmartGridComm</a:t>
+            </a:r>
+            <a:r>
+              <a:rPr lang="en-US" sz="2400" dirty="0">
+                <a:latin typeface="Cambria" panose="02040503050406030204" pitchFamily="18" charset="0"/>
+              </a:rPr>
+              <a:t>), 2020, pp. 1-6, </a:t>
+            </a:r>
+            <a:r>
+              <a:rPr lang="en-US" sz="2400" dirty="0" err="1">
+                <a:latin typeface="Cambria" panose="02040503050406030204" pitchFamily="18" charset="0"/>
+              </a:rPr>
+              <a:t>doi</a:t>
+            </a:r>
+            <a:r>
+              <a:rPr lang="en-US" sz="2400" dirty="0">
+                <a:latin typeface="Cambria" panose="02040503050406030204" pitchFamily="18" charset="0"/>
+              </a:rPr>
+              <a:t>: 10.1109/SmartGridComm47815.2020.9302981.</a:t>
+            </a:r>
+          </a:p>
+          <a:p>
+            <a:pPr algn="l">
+              <a:lnSpc>
+                <a:spcPct val="120000"/>
+              </a:lnSpc>
+              <a:spcBef>
+                <a:spcPts val="600"/>
+              </a:spcBef>
+            </a:pPr>
+            <a:endParaRPr lang="en-US" sz="2400" dirty="0">
+              <a:latin typeface="Cambria" panose="02040503050406030204" pitchFamily="18" charset="0"/>
+            </a:endParaRPr>
+          </a:p>
+          <a:p>
+            <a:pPr algn="l">
+              <a:lnSpc>
+                <a:spcPct val="120000"/>
+              </a:lnSpc>
+              <a:spcBef>
+                <a:spcPts val="600"/>
+              </a:spcBef>
+            </a:pPr>
+            <a:r>
+              <a:rPr lang="en-US" sz="2400" dirty="0">
+                <a:latin typeface="Cambria" panose="02040503050406030204" pitchFamily="18" charset="0"/>
+              </a:rPr>
+              <a:t>Y. Wan, J. Qin, X. Yu, T. Yang and Y. Kang, "Price-Based Residential Demand Response Management in Smart Grids: A Reinforcement Learning-Based Approach," in IEEE/CAA Journal of </a:t>
+            </a:r>
+            <a:r>
+              <a:rPr lang="en-US" sz="2400" dirty="0" err="1">
+                <a:latin typeface="Cambria" panose="02040503050406030204" pitchFamily="18" charset="0"/>
+              </a:rPr>
+              <a:t>Automatica</a:t>
+            </a:r>
+            <a:r>
+              <a:rPr lang="en-US" sz="2400" dirty="0">
+                <a:latin typeface="Cambria" panose="02040503050406030204" pitchFamily="18" charset="0"/>
+              </a:rPr>
+              <a:t> </a:t>
+            </a:r>
+            <a:r>
+              <a:rPr lang="en-US" sz="2400" dirty="0" err="1">
+                <a:latin typeface="Cambria" panose="02040503050406030204" pitchFamily="18" charset="0"/>
+              </a:rPr>
+              <a:t>Sinica</a:t>
+            </a:r>
+            <a:r>
+              <a:rPr lang="en-US" sz="2400" dirty="0">
+                <a:latin typeface="Cambria" panose="02040503050406030204" pitchFamily="18" charset="0"/>
+              </a:rPr>
+              <a:t>, vol. 9, no. 1, pp. 123-134, January 2022, </a:t>
+            </a:r>
+            <a:r>
+              <a:rPr lang="en-US" sz="2400" dirty="0" err="1">
+                <a:latin typeface="Cambria" panose="02040503050406030204" pitchFamily="18" charset="0"/>
+              </a:rPr>
+              <a:t>doi</a:t>
+            </a:r>
+            <a:r>
+              <a:rPr lang="en-US" sz="2400" dirty="0">
+                <a:latin typeface="Cambria" panose="02040503050406030204" pitchFamily="18" charset="0"/>
+              </a:rPr>
+              <a:t>: 10.1109/JAS.2021.1004287.</a:t>
+            </a:r>
+          </a:p>
+        </p:txBody>
+      </p:sp>
+      <p:sp>
+        <p:nvSpPr>
+          <p:cNvPr id="93" name="Subtitle 2"/>
+          <p:cNvSpPr txBox="1">
+            <a:spLocks/>
+          </p:cNvSpPr>
+          <p:nvPr/>
+        </p:nvSpPr>
+        <p:spPr>
+          <a:xfrm>
+            <a:off x="29875496" y="26874141"/>
             <a:ext cx="10005181" cy="580823"/>
           </a:xfrm>
           <a:prstGeom prst="rect">
@@ -5281,1447 +6086,6 @@
                 </a:solidFill>
                 <a:latin typeface="Cambria" panose="02040503050406030204" pitchFamily="18" charset="0"/>
               </a:rPr>
-              <a:t>Acknowledgements</a:t>
-            </a:r>
-          </a:p>
-        </p:txBody>
-      </p:sp>
-      <p:sp>
-        <p:nvSpPr>
-          <p:cNvPr id="19" name="Subtitle 2"/>
-          <p:cNvSpPr txBox="1">
-            <a:spLocks/>
-          </p:cNvSpPr>
-          <p:nvPr/>
-        </p:nvSpPr>
-        <p:spPr>
-          <a:xfrm>
-            <a:off x="29924135" y="6068520"/>
-            <a:ext cx="10005181" cy="6454751"/>
-          </a:xfrm>
-          <a:prstGeom prst="rect">
-            <a:avLst/>
-          </a:prstGeom>
-          <a:noFill/>
-          <a:ln>
-            <a:solidFill>
-              <a:srgbClr val="002060"/>
-            </a:solidFill>
-          </a:ln>
-        </p:spPr>
-        <p:txBody>
-          <a:bodyPr vert="horz" lIns="97785" tIns="48892" rIns="97785" bIns="48892" rtlCol="0" anchor="t">
-            <a:normAutofit/>
-          </a:bodyPr>
-          <a:lstStyle>
-            <a:lvl1pPr marL="0" indent="0" algn="ctr" defTabSz="3840480" rtl="0" eaLnBrk="1" latinLnBrk="0" hangingPunct="1">
-              <a:lnSpc>
-                <a:spcPct val="90000"/>
-              </a:lnSpc>
-              <a:spcBef>
-                <a:spcPts val="4200"/>
-              </a:spcBef>
-              <a:buFont typeface="Arial" panose="020B0604020202020204" pitchFamily="34" charset="0"/>
-              <a:buNone/>
-              <a:defRPr sz="10080" kern="1200">
-                <a:solidFill>
-                  <a:schemeClr val="tx1"/>
-                </a:solidFill>
-                <a:latin typeface="+mn-lt"/>
-                <a:ea typeface="+mn-ea"/>
-                <a:cs typeface="+mn-cs"/>
-              </a:defRPr>
-            </a:lvl1pPr>
-            <a:lvl2pPr marL="1920240" indent="0" algn="ctr" defTabSz="3840480" rtl="0" eaLnBrk="1" latinLnBrk="0" hangingPunct="1">
-              <a:lnSpc>
-                <a:spcPct val="90000"/>
-              </a:lnSpc>
-              <a:spcBef>
-                <a:spcPts val="2100"/>
-              </a:spcBef>
-              <a:buFont typeface="Arial" panose="020B0604020202020204" pitchFamily="34" charset="0"/>
-              <a:buNone/>
-              <a:defRPr sz="8400" kern="1200">
-                <a:solidFill>
-                  <a:schemeClr val="tx1"/>
-                </a:solidFill>
-                <a:latin typeface="+mn-lt"/>
-                <a:ea typeface="+mn-ea"/>
-                <a:cs typeface="+mn-cs"/>
-              </a:defRPr>
-            </a:lvl2pPr>
-            <a:lvl3pPr marL="3840480" indent="0" algn="ctr" defTabSz="3840480" rtl="0" eaLnBrk="1" latinLnBrk="0" hangingPunct="1">
-              <a:lnSpc>
-                <a:spcPct val="90000"/>
-              </a:lnSpc>
-              <a:spcBef>
-                <a:spcPts val="2100"/>
-              </a:spcBef>
-              <a:buFont typeface="Arial" panose="020B0604020202020204" pitchFamily="34" charset="0"/>
-              <a:buNone/>
-              <a:defRPr sz="7560" kern="1200">
-                <a:solidFill>
-                  <a:schemeClr val="tx1"/>
-                </a:solidFill>
-                <a:latin typeface="+mn-lt"/>
-                <a:ea typeface="+mn-ea"/>
-                <a:cs typeface="+mn-cs"/>
-              </a:defRPr>
-            </a:lvl3pPr>
-            <a:lvl4pPr marL="5760720" indent="0" algn="ctr" defTabSz="3840480" rtl="0" eaLnBrk="1" latinLnBrk="0" hangingPunct="1">
-              <a:lnSpc>
-                <a:spcPct val="90000"/>
-              </a:lnSpc>
-              <a:spcBef>
-                <a:spcPts val="2100"/>
-              </a:spcBef>
-              <a:buFont typeface="Arial" panose="020B0604020202020204" pitchFamily="34" charset="0"/>
-              <a:buNone/>
-              <a:defRPr sz="6720" kern="1200">
-                <a:solidFill>
-                  <a:schemeClr val="tx1"/>
-                </a:solidFill>
-                <a:latin typeface="+mn-lt"/>
-                <a:ea typeface="+mn-ea"/>
-                <a:cs typeface="+mn-cs"/>
-              </a:defRPr>
-            </a:lvl4pPr>
-            <a:lvl5pPr marL="7680960" indent="0" algn="ctr" defTabSz="3840480" rtl="0" eaLnBrk="1" latinLnBrk="0" hangingPunct="1">
-              <a:lnSpc>
-                <a:spcPct val="90000"/>
-              </a:lnSpc>
-              <a:spcBef>
-                <a:spcPts val="2100"/>
-              </a:spcBef>
-              <a:buFont typeface="Arial" panose="020B0604020202020204" pitchFamily="34" charset="0"/>
-              <a:buNone/>
-              <a:defRPr sz="6720" kern="1200">
-                <a:solidFill>
-                  <a:schemeClr val="tx1"/>
-                </a:solidFill>
-                <a:latin typeface="+mn-lt"/>
-                <a:ea typeface="+mn-ea"/>
-                <a:cs typeface="+mn-cs"/>
-              </a:defRPr>
-            </a:lvl5pPr>
-            <a:lvl6pPr marL="9601200" indent="0" algn="ctr" defTabSz="3840480" rtl="0" eaLnBrk="1" latinLnBrk="0" hangingPunct="1">
-              <a:lnSpc>
-                <a:spcPct val="90000"/>
-              </a:lnSpc>
-              <a:spcBef>
-                <a:spcPts val="2100"/>
-              </a:spcBef>
-              <a:buFont typeface="Arial" panose="020B0604020202020204" pitchFamily="34" charset="0"/>
-              <a:buNone/>
-              <a:defRPr sz="6720" kern="1200">
-                <a:solidFill>
-                  <a:schemeClr val="tx1"/>
-                </a:solidFill>
-                <a:latin typeface="+mn-lt"/>
-                <a:ea typeface="+mn-ea"/>
-                <a:cs typeface="+mn-cs"/>
-              </a:defRPr>
-            </a:lvl6pPr>
-            <a:lvl7pPr marL="11521440" indent="0" algn="ctr" defTabSz="3840480" rtl="0" eaLnBrk="1" latinLnBrk="0" hangingPunct="1">
-              <a:lnSpc>
-                <a:spcPct val="90000"/>
-              </a:lnSpc>
-              <a:spcBef>
-                <a:spcPts val="2100"/>
-              </a:spcBef>
-              <a:buFont typeface="Arial" panose="020B0604020202020204" pitchFamily="34" charset="0"/>
-              <a:buNone/>
-              <a:defRPr sz="6720" kern="1200">
-                <a:solidFill>
-                  <a:schemeClr val="tx1"/>
-                </a:solidFill>
-                <a:latin typeface="+mn-lt"/>
-                <a:ea typeface="+mn-ea"/>
-                <a:cs typeface="+mn-cs"/>
-              </a:defRPr>
-            </a:lvl7pPr>
-            <a:lvl8pPr marL="13441680" indent="0" algn="ctr" defTabSz="3840480" rtl="0" eaLnBrk="1" latinLnBrk="0" hangingPunct="1">
-              <a:lnSpc>
-                <a:spcPct val="90000"/>
-              </a:lnSpc>
-              <a:spcBef>
-                <a:spcPts val="2100"/>
-              </a:spcBef>
-              <a:buFont typeface="Arial" panose="020B0604020202020204" pitchFamily="34" charset="0"/>
-              <a:buNone/>
-              <a:defRPr sz="6720" kern="1200">
-                <a:solidFill>
-                  <a:schemeClr val="tx1"/>
-                </a:solidFill>
-                <a:latin typeface="+mn-lt"/>
-                <a:ea typeface="+mn-ea"/>
-                <a:cs typeface="+mn-cs"/>
-              </a:defRPr>
-            </a:lvl8pPr>
-            <a:lvl9pPr marL="15361920" indent="0" algn="ctr" defTabSz="3840480" rtl="0" eaLnBrk="1" latinLnBrk="0" hangingPunct="1">
-              <a:lnSpc>
-                <a:spcPct val="90000"/>
-              </a:lnSpc>
-              <a:spcBef>
-                <a:spcPts val="2100"/>
-              </a:spcBef>
-              <a:buFont typeface="Arial" panose="020B0604020202020204" pitchFamily="34" charset="0"/>
-              <a:buNone/>
-              <a:defRPr sz="6720" kern="1200">
-                <a:solidFill>
-                  <a:schemeClr val="tx1"/>
-                </a:solidFill>
-                <a:latin typeface="+mn-lt"/>
-                <a:ea typeface="+mn-ea"/>
-                <a:cs typeface="+mn-cs"/>
-              </a:defRPr>
-            </a:lvl9pPr>
-          </a:lstStyle>
-          <a:p>
-            <a:pPr algn="l">
-              <a:spcBef>
-                <a:spcPts val="0"/>
-              </a:spcBef>
-            </a:pPr>
-            <a:r>
-              <a:rPr lang="en-US" sz="3392" dirty="0">
-                <a:latin typeface="Cambria" panose="02040503050406030204" pitchFamily="18" charset="0"/>
-              </a:rPr>
-              <a:t>List your results text here</a:t>
-            </a:r>
-          </a:p>
-        </p:txBody>
-      </p:sp>
-      <p:sp>
-        <p:nvSpPr>
-          <p:cNvPr id="30" name="Subtitle 2"/>
-          <p:cNvSpPr txBox="1">
-            <a:spLocks/>
-          </p:cNvSpPr>
-          <p:nvPr/>
-        </p:nvSpPr>
-        <p:spPr>
-          <a:xfrm>
-            <a:off x="11114987" y="14001322"/>
-            <a:ext cx="18004967" cy="795968"/>
-          </a:xfrm>
-          <a:prstGeom prst="rect">
-            <a:avLst/>
-          </a:prstGeom>
-          <a:solidFill>
-            <a:srgbClr val="002060"/>
-          </a:solidFill>
-          <a:ln>
-            <a:solidFill>
-              <a:srgbClr val="002060"/>
-            </a:solidFill>
-          </a:ln>
-        </p:spPr>
-        <p:txBody>
-          <a:bodyPr vert="horz" lIns="97785" tIns="48892" rIns="97785" bIns="48892" rtlCol="0" anchor="ctr">
-            <a:normAutofit/>
-          </a:bodyPr>
-          <a:lstStyle>
-            <a:lvl1pPr marL="0" indent="0" algn="ctr" defTabSz="3840480" rtl="0" eaLnBrk="1" latinLnBrk="0" hangingPunct="1">
-              <a:lnSpc>
-                <a:spcPct val="90000"/>
-              </a:lnSpc>
-              <a:spcBef>
-                <a:spcPts val="4200"/>
-              </a:spcBef>
-              <a:buFont typeface="Arial" panose="020B0604020202020204" pitchFamily="34" charset="0"/>
-              <a:buNone/>
-              <a:defRPr sz="10080" kern="1200">
-                <a:solidFill>
-                  <a:schemeClr val="tx1"/>
-                </a:solidFill>
-                <a:latin typeface="+mn-lt"/>
-                <a:ea typeface="+mn-ea"/>
-                <a:cs typeface="+mn-cs"/>
-              </a:defRPr>
-            </a:lvl1pPr>
-            <a:lvl2pPr marL="1920240" indent="0" algn="ctr" defTabSz="3840480" rtl="0" eaLnBrk="1" latinLnBrk="0" hangingPunct="1">
-              <a:lnSpc>
-                <a:spcPct val="90000"/>
-              </a:lnSpc>
-              <a:spcBef>
-                <a:spcPts val="2100"/>
-              </a:spcBef>
-              <a:buFont typeface="Arial" panose="020B0604020202020204" pitchFamily="34" charset="0"/>
-              <a:buNone/>
-              <a:defRPr sz="8400" kern="1200">
-                <a:solidFill>
-                  <a:schemeClr val="tx1"/>
-                </a:solidFill>
-                <a:latin typeface="+mn-lt"/>
-                <a:ea typeface="+mn-ea"/>
-                <a:cs typeface="+mn-cs"/>
-              </a:defRPr>
-            </a:lvl2pPr>
-            <a:lvl3pPr marL="3840480" indent="0" algn="ctr" defTabSz="3840480" rtl="0" eaLnBrk="1" latinLnBrk="0" hangingPunct="1">
-              <a:lnSpc>
-                <a:spcPct val="90000"/>
-              </a:lnSpc>
-              <a:spcBef>
-                <a:spcPts val="2100"/>
-              </a:spcBef>
-              <a:buFont typeface="Arial" panose="020B0604020202020204" pitchFamily="34" charset="0"/>
-              <a:buNone/>
-              <a:defRPr sz="7560" kern="1200">
-                <a:solidFill>
-                  <a:schemeClr val="tx1"/>
-                </a:solidFill>
-                <a:latin typeface="+mn-lt"/>
-                <a:ea typeface="+mn-ea"/>
-                <a:cs typeface="+mn-cs"/>
-              </a:defRPr>
-            </a:lvl3pPr>
-            <a:lvl4pPr marL="5760720" indent="0" algn="ctr" defTabSz="3840480" rtl="0" eaLnBrk="1" latinLnBrk="0" hangingPunct="1">
-              <a:lnSpc>
-                <a:spcPct val="90000"/>
-              </a:lnSpc>
-              <a:spcBef>
-                <a:spcPts val="2100"/>
-              </a:spcBef>
-              <a:buFont typeface="Arial" panose="020B0604020202020204" pitchFamily="34" charset="0"/>
-              <a:buNone/>
-              <a:defRPr sz="6720" kern="1200">
-                <a:solidFill>
-                  <a:schemeClr val="tx1"/>
-                </a:solidFill>
-                <a:latin typeface="+mn-lt"/>
-                <a:ea typeface="+mn-ea"/>
-                <a:cs typeface="+mn-cs"/>
-              </a:defRPr>
-            </a:lvl4pPr>
-            <a:lvl5pPr marL="7680960" indent="0" algn="ctr" defTabSz="3840480" rtl="0" eaLnBrk="1" latinLnBrk="0" hangingPunct="1">
-              <a:lnSpc>
-                <a:spcPct val="90000"/>
-              </a:lnSpc>
-              <a:spcBef>
-                <a:spcPts val="2100"/>
-              </a:spcBef>
-              <a:buFont typeface="Arial" panose="020B0604020202020204" pitchFamily="34" charset="0"/>
-              <a:buNone/>
-              <a:defRPr sz="6720" kern="1200">
-                <a:solidFill>
-                  <a:schemeClr val="tx1"/>
-                </a:solidFill>
-                <a:latin typeface="+mn-lt"/>
-                <a:ea typeface="+mn-ea"/>
-                <a:cs typeface="+mn-cs"/>
-              </a:defRPr>
-            </a:lvl5pPr>
-            <a:lvl6pPr marL="9601200" indent="0" algn="ctr" defTabSz="3840480" rtl="0" eaLnBrk="1" latinLnBrk="0" hangingPunct="1">
-              <a:lnSpc>
-                <a:spcPct val="90000"/>
-              </a:lnSpc>
-              <a:spcBef>
-                <a:spcPts val="2100"/>
-              </a:spcBef>
-              <a:buFont typeface="Arial" panose="020B0604020202020204" pitchFamily="34" charset="0"/>
-              <a:buNone/>
-              <a:defRPr sz="6720" kern="1200">
-                <a:solidFill>
-                  <a:schemeClr val="tx1"/>
-                </a:solidFill>
-                <a:latin typeface="+mn-lt"/>
-                <a:ea typeface="+mn-ea"/>
-                <a:cs typeface="+mn-cs"/>
-              </a:defRPr>
-            </a:lvl6pPr>
-            <a:lvl7pPr marL="11521440" indent="0" algn="ctr" defTabSz="3840480" rtl="0" eaLnBrk="1" latinLnBrk="0" hangingPunct="1">
-              <a:lnSpc>
-                <a:spcPct val="90000"/>
-              </a:lnSpc>
-              <a:spcBef>
-                <a:spcPts val="2100"/>
-              </a:spcBef>
-              <a:buFont typeface="Arial" panose="020B0604020202020204" pitchFamily="34" charset="0"/>
-              <a:buNone/>
-              <a:defRPr sz="6720" kern="1200">
-                <a:solidFill>
-                  <a:schemeClr val="tx1"/>
-                </a:solidFill>
-                <a:latin typeface="+mn-lt"/>
-                <a:ea typeface="+mn-ea"/>
-                <a:cs typeface="+mn-cs"/>
-              </a:defRPr>
-            </a:lvl7pPr>
-            <a:lvl8pPr marL="13441680" indent="0" algn="ctr" defTabSz="3840480" rtl="0" eaLnBrk="1" latinLnBrk="0" hangingPunct="1">
-              <a:lnSpc>
-                <a:spcPct val="90000"/>
-              </a:lnSpc>
-              <a:spcBef>
-                <a:spcPts val="2100"/>
-              </a:spcBef>
-              <a:buFont typeface="Arial" panose="020B0604020202020204" pitchFamily="34" charset="0"/>
-              <a:buNone/>
-              <a:defRPr sz="6720" kern="1200">
-                <a:solidFill>
-                  <a:schemeClr val="tx1"/>
-                </a:solidFill>
-                <a:latin typeface="+mn-lt"/>
-                <a:ea typeface="+mn-ea"/>
-                <a:cs typeface="+mn-cs"/>
-              </a:defRPr>
-            </a:lvl8pPr>
-            <a:lvl9pPr marL="15361920" indent="0" algn="ctr" defTabSz="3840480" rtl="0" eaLnBrk="1" latinLnBrk="0" hangingPunct="1">
-              <a:lnSpc>
-                <a:spcPct val="90000"/>
-              </a:lnSpc>
-              <a:spcBef>
-                <a:spcPts val="2100"/>
-              </a:spcBef>
-              <a:buFont typeface="Arial" panose="020B0604020202020204" pitchFamily="34" charset="0"/>
-              <a:buNone/>
-              <a:defRPr sz="6720" kern="1200">
-                <a:solidFill>
-                  <a:schemeClr val="tx1"/>
-                </a:solidFill>
-                <a:latin typeface="+mn-lt"/>
-                <a:ea typeface="+mn-ea"/>
-                <a:cs typeface="+mn-cs"/>
-              </a:defRPr>
-            </a:lvl9pPr>
-          </a:lstStyle>
-          <a:p>
-            <a:r>
-              <a:rPr lang="en-US" sz="4675" dirty="0">
-                <a:solidFill>
-                  <a:schemeClr val="bg1"/>
-                </a:solidFill>
-                <a:latin typeface="Cambria" panose="02040503050406030204" pitchFamily="18" charset="0"/>
-              </a:rPr>
-              <a:t> Policy Evaluations</a:t>
-            </a:r>
-          </a:p>
-        </p:txBody>
-      </p:sp>
-      <p:sp>
-        <p:nvSpPr>
-          <p:cNvPr id="33" name="Subtitle 2"/>
-          <p:cNvSpPr txBox="1">
-            <a:spLocks/>
-          </p:cNvSpPr>
-          <p:nvPr/>
-        </p:nvSpPr>
-        <p:spPr>
-          <a:xfrm>
-            <a:off x="11287919" y="23085640"/>
-            <a:ext cx="18004967" cy="7741388"/>
-          </a:xfrm>
-          <a:prstGeom prst="rect">
-            <a:avLst/>
-          </a:prstGeom>
-          <a:ln>
-            <a:solidFill>
-              <a:srgbClr val="002060"/>
-            </a:solidFill>
-          </a:ln>
-        </p:spPr>
-        <p:txBody>
-          <a:bodyPr vert="horz" lIns="97785" tIns="48892" rIns="97785" bIns="48892" rtlCol="0" anchor="ctr">
-            <a:normAutofit/>
-          </a:bodyPr>
-          <a:lstStyle>
-            <a:lvl1pPr marL="0" indent="0" algn="ctr" defTabSz="3840480" rtl="0" eaLnBrk="1" latinLnBrk="0" hangingPunct="1">
-              <a:lnSpc>
-                <a:spcPct val="90000"/>
-              </a:lnSpc>
-              <a:spcBef>
-                <a:spcPts val="4200"/>
-              </a:spcBef>
-              <a:buFont typeface="Arial" panose="020B0604020202020204" pitchFamily="34" charset="0"/>
-              <a:buNone/>
-              <a:defRPr sz="10080" kern="1200">
-                <a:solidFill>
-                  <a:schemeClr val="tx1"/>
-                </a:solidFill>
-                <a:latin typeface="+mn-lt"/>
-                <a:ea typeface="+mn-ea"/>
-                <a:cs typeface="+mn-cs"/>
-              </a:defRPr>
-            </a:lvl1pPr>
-            <a:lvl2pPr marL="1920240" indent="0" algn="ctr" defTabSz="3840480" rtl="0" eaLnBrk="1" latinLnBrk="0" hangingPunct="1">
-              <a:lnSpc>
-                <a:spcPct val="90000"/>
-              </a:lnSpc>
-              <a:spcBef>
-                <a:spcPts val="2100"/>
-              </a:spcBef>
-              <a:buFont typeface="Arial" panose="020B0604020202020204" pitchFamily="34" charset="0"/>
-              <a:buNone/>
-              <a:defRPr sz="8400" kern="1200">
-                <a:solidFill>
-                  <a:schemeClr val="tx1"/>
-                </a:solidFill>
-                <a:latin typeface="+mn-lt"/>
-                <a:ea typeface="+mn-ea"/>
-                <a:cs typeface="+mn-cs"/>
-              </a:defRPr>
-            </a:lvl2pPr>
-            <a:lvl3pPr marL="3840480" indent="0" algn="ctr" defTabSz="3840480" rtl="0" eaLnBrk="1" latinLnBrk="0" hangingPunct="1">
-              <a:lnSpc>
-                <a:spcPct val="90000"/>
-              </a:lnSpc>
-              <a:spcBef>
-                <a:spcPts val="2100"/>
-              </a:spcBef>
-              <a:buFont typeface="Arial" panose="020B0604020202020204" pitchFamily="34" charset="0"/>
-              <a:buNone/>
-              <a:defRPr sz="7560" kern="1200">
-                <a:solidFill>
-                  <a:schemeClr val="tx1"/>
-                </a:solidFill>
-                <a:latin typeface="+mn-lt"/>
-                <a:ea typeface="+mn-ea"/>
-                <a:cs typeface="+mn-cs"/>
-              </a:defRPr>
-            </a:lvl3pPr>
-            <a:lvl4pPr marL="5760720" indent="0" algn="ctr" defTabSz="3840480" rtl="0" eaLnBrk="1" latinLnBrk="0" hangingPunct="1">
-              <a:lnSpc>
-                <a:spcPct val="90000"/>
-              </a:lnSpc>
-              <a:spcBef>
-                <a:spcPts val="2100"/>
-              </a:spcBef>
-              <a:buFont typeface="Arial" panose="020B0604020202020204" pitchFamily="34" charset="0"/>
-              <a:buNone/>
-              <a:defRPr sz="6720" kern="1200">
-                <a:solidFill>
-                  <a:schemeClr val="tx1"/>
-                </a:solidFill>
-                <a:latin typeface="+mn-lt"/>
-                <a:ea typeface="+mn-ea"/>
-                <a:cs typeface="+mn-cs"/>
-              </a:defRPr>
-            </a:lvl4pPr>
-            <a:lvl5pPr marL="7680960" indent="0" algn="ctr" defTabSz="3840480" rtl="0" eaLnBrk="1" latinLnBrk="0" hangingPunct="1">
-              <a:lnSpc>
-                <a:spcPct val="90000"/>
-              </a:lnSpc>
-              <a:spcBef>
-                <a:spcPts val="2100"/>
-              </a:spcBef>
-              <a:buFont typeface="Arial" panose="020B0604020202020204" pitchFamily="34" charset="0"/>
-              <a:buNone/>
-              <a:defRPr sz="6720" kern="1200">
-                <a:solidFill>
-                  <a:schemeClr val="tx1"/>
-                </a:solidFill>
-                <a:latin typeface="+mn-lt"/>
-                <a:ea typeface="+mn-ea"/>
-                <a:cs typeface="+mn-cs"/>
-              </a:defRPr>
-            </a:lvl5pPr>
-            <a:lvl6pPr marL="9601200" indent="0" algn="ctr" defTabSz="3840480" rtl="0" eaLnBrk="1" latinLnBrk="0" hangingPunct="1">
-              <a:lnSpc>
-                <a:spcPct val="90000"/>
-              </a:lnSpc>
-              <a:spcBef>
-                <a:spcPts val="2100"/>
-              </a:spcBef>
-              <a:buFont typeface="Arial" panose="020B0604020202020204" pitchFamily="34" charset="0"/>
-              <a:buNone/>
-              <a:defRPr sz="6720" kern="1200">
-                <a:solidFill>
-                  <a:schemeClr val="tx1"/>
-                </a:solidFill>
-                <a:latin typeface="+mn-lt"/>
-                <a:ea typeface="+mn-ea"/>
-                <a:cs typeface="+mn-cs"/>
-              </a:defRPr>
-            </a:lvl6pPr>
-            <a:lvl7pPr marL="11521440" indent="0" algn="ctr" defTabSz="3840480" rtl="0" eaLnBrk="1" latinLnBrk="0" hangingPunct="1">
-              <a:lnSpc>
-                <a:spcPct val="90000"/>
-              </a:lnSpc>
-              <a:spcBef>
-                <a:spcPts val="2100"/>
-              </a:spcBef>
-              <a:buFont typeface="Arial" panose="020B0604020202020204" pitchFamily="34" charset="0"/>
-              <a:buNone/>
-              <a:defRPr sz="6720" kern="1200">
-                <a:solidFill>
-                  <a:schemeClr val="tx1"/>
-                </a:solidFill>
-                <a:latin typeface="+mn-lt"/>
-                <a:ea typeface="+mn-ea"/>
-                <a:cs typeface="+mn-cs"/>
-              </a:defRPr>
-            </a:lvl7pPr>
-            <a:lvl8pPr marL="13441680" indent="0" algn="ctr" defTabSz="3840480" rtl="0" eaLnBrk="1" latinLnBrk="0" hangingPunct="1">
-              <a:lnSpc>
-                <a:spcPct val="90000"/>
-              </a:lnSpc>
-              <a:spcBef>
-                <a:spcPts val="2100"/>
-              </a:spcBef>
-              <a:buFont typeface="Arial" panose="020B0604020202020204" pitchFamily="34" charset="0"/>
-              <a:buNone/>
-              <a:defRPr sz="6720" kern="1200">
-                <a:solidFill>
-                  <a:schemeClr val="tx1"/>
-                </a:solidFill>
-                <a:latin typeface="+mn-lt"/>
-                <a:ea typeface="+mn-ea"/>
-                <a:cs typeface="+mn-cs"/>
-              </a:defRPr>
-            </a:lvl8pPr>
-            <a:lvl9pPr marL="15361920" indent="0" algn="ctr" defTabSz="3840480" rtl="0" eaLnBrk="1" latinLnBrk="0" hangingPunct="1">
-              <a:lnSpc>
-                <a:spcPct val="90000"/>
-              </a:lnSpc>
-              <a:spcBef>
-                <a:spcPts val="2100"/>
-              </a:spcBef>
-              <a:buFont typeface="Arial" panose="020B0604020202020204" pitchFamily="34" charset="0"/>
-              <a:buNone/>
-              <a:defRPr sz="6720" kern="1200">
-                <a:solidFill>
-                  <a:schemeClr val="tx1"/>
-                </a:solidFill>
-                <a:latin typeface="+mn-lt"/>
-                <a:ea typeface="+mn-ea"/>
-                <a:cs typeface="+mn-cs"/>
-              </a:defRPr>
-            </a:lvl9pPr>
-          </a:lstStyle>
-          <a:p>
-            <a:endParaRPr lang="en-US" sz="3392" dirty="0">
-              <a:latin typeface="Cambria" panose="02040503050406030204" pitchFamily="18" charset="0"/>
-            </a:endParaRPr>
-          </a:p>
-        </p:txBody>
-      </p:sp>
-      <p:cxnSp>
-        <p:nvCxnSpPr>
-          <p:cNvPr id="50" name="Straight Connector 49"/>
-          <p:cNvCxnSpPr/>
-          <p:nvPr/>
-        </p:nvCxnSpPr>
-        <p:spPr>
-          <a:xfrm flipH="1">
-            <a:off x="20002379" y="6410638"/>
-            <a:ext cx="54509" cy="5222206"/>
-          </a:xfrm>
-          <a:prstGeom prst="line">
-            <a:avLst/>
-          </a:prstGeom>
-          <a:ln>
-            <a:solidFill>
-              <a:schemeClr val="bg1">
-                <a:lumMod val="75000"/>
-              </a:schemeClr>
-            </a:solidFill>
-            <a:prstDash val="solid"/>
-          </a:ln>
-        </p:spPr>
-        <p:style>
-          <a:lnRef idx="2">
-            <a:schemeClr val="dk1"/>
-          </a:lnRef>
-          <a:fillRef idx="0">
-            <a:schemeClr val="dk1"/>
-          </a:fillRef>
-          <a:effectRef idx="1">
-            <a:schemeClr val="dk1"/>
-          </a:effectRef>
-          <a:fontRef idx="minor">
-            <a:schemeClr val="tx1"/>
-          </a:fontRef>
-        </p:style>
-      </p:cxnSp>
-      <p:sp>
-        <p:nvSpPr>
-          <p:cNvPr id="60" name="TextBox 59"/>
-          <p:cNvSpPr txBox="1"/>
-          <p:nvPr/>
-        </p:nvSpPr>
-        <p:spPr>
-          <a:xfrm>
-            <a:off x="12957523" y="6298187"/>
-            <a:ext cx="5438999" cy="663061"/>
-          </a:xfrm>
-          <a:prstGeom prst="rect">
-            <a:avLst/>
-          </a:prstGeom>
-          <a:noFill/>
-        </p:spPr>
-        <p:txBody>
-          <a:bodyPr wrap="square" lIns="97785" tIns="48892" rIns="97785" bIns="48892" rtlCol="0">
-            <a:spAutoFit/>
-          </a:bodyPr>
-          <a:lstStyle/>
-          <a:p>
-            <a:r>
-              <a:rPr lang="en-US" sz="3667" dirty="0">
-                <a:latin typeface="Cambria" panose="02040503050406030204" pitchFamily="18" charset="0"/>
-              </a:rPr>
-              <a:t>Image #1 Sub-Title Here</a:t>
-            </a:r>
-          </a:p>
-        </p:txBody>
-      </p:sp>
-      <p:sp>
-        <p:nvSpPr>
-          <p:cNvPr id="64" name="TextBox 63"/>
-          <p:cNvSpPr txBox="1"/>
-          <p:nvPr/>
-        </p:nvSpPr>
-        <p:spPr>
-          <a:xfrm>
-            <a:off x="21102883" y="10752647"/>
-            <a:ext cx="7711979" cy="437293"/>
-          </a:xfrm>
-          <a:prstGeom prst="rect">
-            <a:avLst/>
-          </a:prstGeom>
-          <a:noFill/>
-        </p:spPr>
-        <p:txBody>
-          <a:bodyPr wrap="square" lIns="97785" tIns="48892" rIns="97785" bIns="48892" rtlCol="0">
-            <a:spAutoFit/>
-          </a:bodyPr>
-          <a:lstStyle/>
-          <a:p>
-            <a:r>
-              <a:rPr lang="en-US" sz="2200" dirty="0">
-                <a:latin typeface="Cambria" panose="02040503050406030204" pitchFamily="18" charset="0"/>
-              </a:rPr>
-              <a:t>Image #2 Caption Here</a:t>
-            </a:r>
-          </a:p>
-        </p:txBody>
-      </p:sp>
-      <p:sp>
-        <p:nvSpPr>
-          <p:cNvPr id="62" name="TextBox 61"/>
-          <p:cNvSpPr txBox="1"/>
-          <p:nvPr/>
-        </p:nvSpPr>
-        <p:spPr>
-          <a:xfrm>
-            <a:off x="11769524" y="10541837"/>
-            <a:ext cx="7783436" cy="437293"/>
-          </a:xfrm>
-          <a:prstGeom prst="rect">
-            <a:avLst/>
-          </a:prstGeom>
-          <a:noFill/>
-        </p:spPr>
-        <p:txBody>
-          <a:bodyPr wrap="square" lIns="97785" tIns="48892" rIns="97785" bIns="48892" rtlCol="0">
-            <a:spAutoFit/>
-          </a:bodyPr>
-          <a:lstStyle/>
-          <a:p>
-            <a:r>
-              <a:rPr lang="en-US" sz="2200" dirty="0">
-                <a:latin typeface="Cambria" panose="02040503050406030204" pitchFamily="18" charset="0"/>
-              </a:rPr>
-              <a:t>Image #1 Caption Here</a:t>
-            </a:r>
-          </a:p>
-        </p:txBody>
-      </p:sp>
-      <p:cxnSp>
-        <p:nvCxnSpPr>
-          <p:cNvPr id="75" name="Straight Connector 74"/>
-          <p:cNvCxnSpPr/>
-          <p:nvPr/>
-        </p:nvCxnSpPr>
-        <p:spPr>
-          <a:xfrm>
-            <a:off x="20117469" y="23916356"/>
-            <a:ext cx="0" cy="6064910"/>
-          </a:xfrm>
-          <a:prstGeom prst="line">
-            <a:avLst/>
-          </a:prstGeom>
-          <a:ln>
-            <a:solidFill>
-              <a:schemeClr val="bg1">
-                <a:lumMod val="75000"/>
-              </a:schemeClr>
-            </a:solidFill>
-            <a:prstDash val="solid"/>
-          </a:ln>
-        </p:spPr>
-        <p:style>
-          <a:lnRef idx="2">
-            <a:schemeClr val="dk1"/>
-          </a:lnRef>
-          <a:fillRef idx="0">
-            <a:schemeClr val="dk1"/>
-          </a:fillRef>
-          <a:effectRef idx="1">
-            <a:schemeClr val="dk1"/>
-          </a:effectRef>
-          <a:fontRef idx="minor">
-            <a:schemeClr val="tx1"/>
-          </a:fontRef>
-        </p:style>
-      </p:cxnSp>
-      <p:sp>
-        <p:nvSpPr>
-          <p:cNvPr id="31" name="Subtitle 2"/>
-          <p:cNvSpPr txBox="1">
-            <a:spLocks/>
-          </p:cNvSpPr>
-          <p:nvPr/>
-        </p:nvSpPr>
-        <p:spPr>
-          <a:xfrm>
-            <a:off x="11305713" y="15266113"/>
-            <a:ext cx="18004967" cy="6457478"/>
-          </a:xfrm>
-          <a:prstGeom prst="rect">
-            <a:avLst/>
-          </a:prstGeom>
-          <a:ln>
-            <a:solidFill>
-              <a:srgbClr val="002060"/>
-            </a:solidFill>
-          </a:ln>
-        </p:spPr>
-        <p:txBody>
-          <a:bodyPr vert="horz" lIns="97785" tIns="48892" rIns="97785" bIns="48892" rtlCol="0" anchor="ctr">
-            <a:normAutofit/>
-          </a:bodyPr>
-          <a:lstStyle>
-            <a:lvl1pPr marL="0" indent="0" algn="ctr" defTabSz="3840480" rtl="0" eaLnBrk="1" latinLnBrk="0" hangingPunct="1">
-              <a:lnSpc>
-                <a:spcPct val="90000"/>
-              </a:lnSpc>
-              <a:spcBef>
-                <a:spcPts val="4200"/>
-              </a:spcBef>
-              <a:buFont typeface="Arial" panose="020B0604020202020204" pitchFamily="34" charset="0"/>
-              <a:buNone/>
-              <a:defRPr sz="10080" kern="1200">
-                <a:solidFill>
-                  <a:schemeClr val="tx1"/>
-                </a:solidFill>
-                <a:latin typeface="+mn-lt"/>
-                <a:ea typeface="+mn-ea"/>
-                <a:cs typeface="+mn-cs"/>
-              </a:defRPr>
-            </a:lvl1pPr>
-            <a:lvl2pPr marL="1920240" indent="0" algn="ctr" defTabSz="3840480" rtl="0" eaLnBrk="1" latinLnBrk="0" hangingPunct="1">
-              <a:lnSpc>
-                <a:spcPct val="90000"/>
-              </a:lnSpc>
-              <a:spcBef>
-                <a:spcPts val="2100"/>
-              </a:spcBef>
-              <a:buFont typeface="Arial" panose="020B0604020202020204" pitchFamily="34" charset="0"/>
-              <a:buNone/>
-              <a:defRPr sz="8400" kern="1200">
-                <a:solidFill>
-                  <a:schemeClr val="tx1"/>
-                </a:solidFill>
-                <a:latin typeface="+mn-lt"/>
-                <a:ea typeface="+mn-ea"/>
-                <a:cs typeface="+mn-cs"/>
-              </a:defRPr>
-            </a:lvl2pPr>
-            <a:lvl3pPr marL="3840480" indent="0" algn="ctr" defTabSz="3840480" rtl="0" eaLnBrk="1" latinLnBrk="0" hangingPunct="1">
-              <a:lnSpc>
-                <a:spcPct val="90000"/>
-              </a:lnSpc>
-              <a:spcBef>
-                <a:spcPts val="2100"/>
-              </a:spcBef>
-              <a:buFont typeface="Arial" panose="020B0604020202020204" pitchFamily="34" charset="0"/>
-              <a:buNone/>
-              <a:defRPr sz="7560" kern="1200">
-                <a:solidFill>
-                  <a:schemeClr val="tx1"/>
-                </a:solidFill>
-                <a:latin typeface="+mn-lt"/>
-                <a:ea typeface="+mn-ea"/>
-                <a:cs typeface="+mn-cs"/>
-              </a:defRPr>
-            </a:lvl3pPr>
-            <a:lvl4pPr marL="5760720" indent="0" algn="ctr" defTabSz="3840480" rtl="0" eaLnBrk="1" latinLnBrk="0" hangingPunct="1">
-              <a:lnSpc>
-                <a:spcPct val="90000"/>
-              </a:lnSpc>
-              <a:spcBef>
-                <a:spcPts val="2100"/>
-              </a:spcBef>
-              <a:buFont typeface="Arial" panose="020B0604020202020204" pitchFamily="34" charset="0"/>
-              <a:buNone/>
-              <a:defRPr sz="6720" kern="1200">
-                <a:solidFill>
-                  <a:schemeClr val="tx1"/>
-                </a:solidFill>
-                <a:latin typeface="+mn-lt"/>
-                <a:ea typeface="+mn-ea"/>
-                <a:cs typeface="+mn-cs"/>
-              </a:defRPr>
-            </a:lvl4pPr>
-            <a:lvl5pPr marL="7680960" indent="0" algn="ctr" defTabSz="3840480" rtl="0" eaLnBrk="1" latinLnBrk="0" hangingPunct="1">
-              <a:lnSpc>
-                <a:spcPct val="90000"/>
-              </a:lnSpc>
-              <a:spcBef>
-                <a:spcPts val="2100"/>
-              </a:spcBef>
-              <a:buFont typeface="Arial" panose="020B0604020202020204" pitchFamily="34" charset="0"/>
-              <a:buNone/>
-              <a:defRPr sz="6720" kern="1200">
-                <a:solidFill>
-                  <a:schemeClr val="tx1"/>
-                </a:solidFill>
-                <a:latin typeface="+mn-lt"/>
-                <a:ea typeface="+mn-ea"/>
-                <a:cs typeface="+mn-cs"/>
-              </a:defRPr>
-            </a:lvl5pPr>
-            <a:lvl6pPr marL="9601200" indent="0" algn="ctr" defTabSz="3840480" rtl="0" eaLnBrk="1" latinLnBrk="0" hangingPunct="1">
-              <a:lnSpc>
-                <a:spcPct val="90000"/>
-              </a:lnSpc>
-              <a:spcBef>
-                <a:spcPts val="2100"/>
-              </a:spcBef>
-              <a:buFont typeface="Arial" panose="020B0604020202020204" pitchFamily="34" charset="0"/>
-              <a:buNone/>
-              <a:defRPr sz="6720" kern="1200">
-                <a:solidFill>
-                  <a:schemeClr val="tx1"/>
-                </a:solidFill>
-                <a:latin typeface="+mn-lt"/>
-                <a:ea typeface="+mn-ea"/>
-                <a:cs typeface="+mn-cs"/>
-              </a:defRPr>
-            </a:lvl6pPr>
-            <a:lvl7pPr marL="11521440" indent="0" algn="ctr" defTabSz="3840480" rtl="0" eaLnBrk="1" latinLnBrk="0" hangingPunct="1">
-              <a:lnSpc>
-                <a:spcPct val="90000"/>
-              </a:lnSpc>
-              <a:spcBef>
-                <a:spcPts val="2100"/>
-              </a:spcBef>
-              <a:buFont typeface="Arial" panose="020B0604020202020204" pitchFamily="34" charset="0"/>
-              <a:buNone/>
-              <a:defRPr sz="6720" kern="1200">
-                <a:solidFill>
-                  <a:schemeClr val="tx1"/>
-                </a:solidFill>
-                <a:latin typeface="+mn-lt"/>
-                <a:ea typeface="+mn-ea"/>
-                <a:cs typeface="+mn-cs"/>
-              </a:defRPr>
-            </a:lvl7pPr>
-            <a:lvl8pPr marL="13441680" indent="0" algn="ctr" defTabSz="3840480" rtl="0" eaLnBrk="1" latinLnBrk="0" hangingPunct="1">
-              <a:lnSpc>
-                <a:spcPct val="90000"/>
-              </a:lnSpc>
-              <a:spcBef>
-                <a:spcPts val="2100"/>
-              </a:spcBef>
-              <a:buFont typeface="Arial" panose="020B0604020202020204" pitchFamily="34" charset="0"/>
-              <a:buNone/>
-              <a:defRPr sz="6720" kern="1200">
-                <a:solidFill>
-                  <a:schemeClr val="tx1"/>
-                </a:solidFill>
-                <a:latin typeface="+mn-lt"/>
-                <a:ea typeface="+mn-ea"/>
-                <a:cs typeface="+mn-cs"/>
-              </a:defRPr>
-            </a:lvl8pPr>
-            <a:lvl9pPr marL="15361920" indent="0" algn="ctr" defTabSz="3840480" rtl="0" eaLnBrk="1" latinLnBrk="0" hangingPunct="1">
-              <a:lnSpc>
-                <a:spcPct val="90000"/>
-              </a:lnSpc>
-              <a:spcBef>
-                <a:spcPts val="2100"/>
-              </a:spcBef>
-              <a:buFont typeface="Arial" panose="020B0604020202020204" pitchFamily="34" charset="0"/>
-              <a:buNone/>
-              <a:defRPr sz="6720" kern="1200">
-                <a:solidFill>
-                  <a:schemeClr val="tx1"/>
-                </a:solidFill>
-                <a:latin typeface="+mn-lt"/>
-                <a:ea typeface="+mn-ea"/>
-                <a:cs typeface="+mn-cs"/>
-              </a:defRPr>
-            </a:lvl9pPr>
-          </a:lstStyle>
-          <a:p>
-            <a:endParaRPr lang="en-US" sz="3392" dirty="0">
-              <a:latin typeface="Cambria" panose="02040503050406030204" pitchFamily="18" charset="0"/>
-            </a:endParaRPr>
-          </a:p>
-        </p:txBody>
-      </p:sp>
-      <p:cxnSp>
-        <p:nvCxnSpPr>
-          <p:cNvPr id="159" name="Straight Connector 158"/>
-          <p:cNvCxnSpPr/>
-          <p:nvPr/>
-        </p:nvCxnSpPr>
-        <p:spPr>
-          <a:xfrm>
-            <a:off x="20002379" y="15994616"/>
-            <a:ext cx="35498" cy="5222015"/>
-          </a:xfrm>
-          <a:prstGeom prst="line">
-            <a:avLst/>
-          </a:prstGeom>
-          <a:ln>
-            <a:solidFill>
-              <a:schemeClr val="bg1">
-                <a:lumMod val="75000"/>
-              </a:schemeClr>
-            </a:solidFill>
-            <a:prstDash val="solid"/>
-          </a:ln>
-        </p:spPr>
-        <p:style>
-          <a:lnRef idx="2">
-            <a:schemeClr val="dk1"/>
-          </a:lnRef>
-          <a:fillRef idx="0">
-            <a:schemeClr val="dk1"/>
-          </a:fillRef>
-          <a:effectRef idx="1">
-            <a:schemeClr val="dk1"/>
-          </a:effectRef>
-          <a:fontRef idx="minor">
-            <a:schemeClr val="tx1"/>
-          </a:fontRef>
-        </p:style>
-      </p:cxnSp>
-      <p:sp>
-        <p:nvSpPr>
-          <p:cNvPr id="85" name="Subtitle 2"/>
-          <p:cNvSpPr txBox="1">
-            <a:spLocks/>
-          </p:cNvSpPr>
-          <p:nvPr/>
-        </p:nvSpPr>
-        <p:spPr>
-          <a:xfrm>
-            <a:off x="29839644" y="26948809"/>
-            <a:ext cx="10005181" cy="3840069"/>
-          </a:xfrm>
-          <a:prstGeom prst="rect">
-            <a:avLst/>
-          </a:prstGeom>
-          <a:noFill/>
-          <a:ln>
-            <a:solidFill>
-              <a:srgbClr val="002060"/>
-            </a:solidFill>
-          </a:ln>
-        </p:spPr>
-        <p:txBody>
-          <a:bodyPr vert="horz" lIns="97785" tIns="48892" rIns="97785" bIns="48892" rtlCol="0" anchor="t">
-            <a:normAutofit/>
-          </a:bodyPr>
-          <a:lstStyle>
-            <a:lvl1pPr marL="0" indent="0" algn="ctr" defTabSz="3840480" rtl="0" eaLnBrk="1" latinLnBrk="0" hangingPunct="1">
-              <a:lnSpc>
-                <a:spcPct val="90000"/>
-              </a:lnSpc>
-              <a:spcBef>
-                <a:spcPts val="4200"/>
-              </a:spcBef>
-              <a:buFont typeface="Arial" panose="020B0604020202020204" pitchFamily="34" charset="0"/>
-              <a:buNone/>
-              <a:defRPr sz="10080" kern="1200">
-                <a:solidFill>
-                  <a:schemeClr val="tx1"/>
-                </a:solidFill>
-                <a:latin typeface="+mn-lt"/>
-                <a:ea typeface="+mn-ea"/>
-                <a:cs typeface="+mn-cs"/>
-              </a:defRPr>
-            </a:lvl1pPr>
-            <a:lvl2pPr marL="1920240" indent="0" algn="ctr" defTabSz="3840480" rtl="0" eaLnBrk="1" latinLnBrk="0" hangingPunct="1">
-              <a:lnSpc>
-                <a:spcPct val="90000"/>
-              </a:lnSpc>
-              <a:spcBef>
-                <a:spcPts val="2100"/>
-              </a:spcBef>
-              <a:buFont typeface="Arial" panose="020B0604020202020204" pitchFamily="34" charset="0"/>
-              <a:buNone/>
-              <a:defRPr sz="8400" kern="1200">
-                <a:solidFill>
-                  <a:schemeClr val="tx1"/>
-                </a:solidFill>
-                <a:latin typeface="+mn-lt"/>
-                <a:ea typeface="+mn-ea"/>
-                <a:cs typeface="+mn-cs"/>
-              </a:defRPr>
-            </a:lvl2pPr>
-            <a:lvl3pPr marL="3840480" indent="0" algn="ctr" defTabSz="3840480" rtl="0" eaLnBrk="1" latinLnBrk="0" hangingPunct="1">
-              <a:lnSpc>
-                <a:spcPct val="90000"/>
-              </a:lnSpc>
-              <a:spcBef>
-                <a:spcPts val="2100"/>
-              </a:spcBef>
-              <a:buFont typeface="Arial" panose="020B0604020202020204" pitchFamily="34" charset="0"/>
-              <a:buNone/>
-              <a:defRPr sz="7560" kern="1200">
-                <a:solidFill>
-                  <a:schemeClr val="tx1"/>
-                </a:solidFill>
-                <a:latin typeface="+mn-lt"/>
-                <a:ea typeface="+mn-ea"/>
-                <a:cs typeface="+mn-cs"/>
-              </a:defRPr>
-            </a:lvl3pPr>
-            <a:lvl4pPr marL="5760720" indent="0" algn="ctr" defTabSz="3840480" rtl="0" eaLnBrk="1" latinLnBrk="0" hangingPunct="1">
-              <a:lnSpc>
-                <a:spcPct val="90000"/>
-              </a:lnSpc>
-              <a:spcBef>
-                <a:spcPts val="2100"/>
-              </a:spcBef>
-              <a:buFont typeface="Arial" panose="020B0604020202020204" pitchFamily="34" charset="0"/>
-              <a:buNone/>
-              <a:defRPr sz="6720" kern="1200">
-                <a:solidFill>
-                  <a:schemeClr val="tx1"/>
-                </a:solidFill>
-                <a:latin typeface="+mn-lt"/>
-                <a:ea typeface="+mn-ea"/>
-                <a:cs typeface="+mn-cs"/>
-              </a:defRPr>
-            </a:lvl4pPr>
-            <a:lvl5pPr marL="7680960" indent="0" algn="ctr" defTabSz="3840480" rtl="0" eaLnBrk="1" latinLnBrk="0" hangingPunct="1">
-              <a:lnSpc>
-                <a:spcPct val="90000"/>
-              </a:lnSpc>
-              <a:spcBef>
-                <a:spcPts val="2100"/>
-              </a:spcBef>
-              <a:buFont typeface="Arial" panose="020B0604020202020204" pitchFamily="34" charset="0"/>
-              <a:buNone/>
-              <a:defRPr sz="6720" kern="1200">
-                <a:solidFill>
-                  <a:schemeClr val="tx1"/>
-                </a:solidFill>
-                <a:latin typeface="+mn-lt"/>
-                <a:ea typeface="+mn-ea"/>
-                <a:cs typeface="+mn-cs"/>
-              </a:defRPr>
-            </a:lvl5pPr>
-            <a:lvl6pPr marL="9601200" indent="0" algn="ctr" defTabSz="3840480" rtl="0" eaLnBrk="1" latinLnBrk="0" hangingPunct="1">
-              <a:lnSpc>
-                <a:spcPct val="90000"/>
-              </a:lnSpc>
-              <a:spcBef>
-                <a:spcPts val="2100"/>
-              </a:spcBef>
-              <a:buFont typeface="Arial" panose="020B0604020202020204" pitchFamily="34" charset="0"/>
-              <a:buNone/>
-              <a:defRPr sz="6720" kern="1200">
-                <a:solidFill>
-                  <a:schemeClr val="tx1"/>
-                </a:solidFill>
-                <a:latin typeface="+mn-lt"/>
-                <a:ea typeface="+mn-ea"/>
-                <a:cs typeface="+mn-cs"/>
-              </a:defRPr>
-            </a:lvl6pPr>
-            <a:lvl7pPr marL="11521440" indent="0" algn="ctr" defTabSz="3840480" rtl="0" eaLnBrk="1" latinLnBrk="0" hangingPunct="1">
-              <a:lnSpc>
-                <a:spcPct val="90000"/>
-              </a:lnSpc>
-              <a:spcBef>
-                <a:spcPts val="2100"/>
-              </a:spcBef>
-              <a:buFont typeface="Arial" panose="020B0604020202020204" pitchFamily="34" charset="0"/>
-              <a:buNone/>
-              <a:defRPr sz="6720" kern="1200">
-                <a:solidFill>
-                  <a:schemeClr val="tx1"/>
-                </a:solidFill>
-                <a:latin typeface="+mn-lt"/>
-                <a:ea typeface="+mn-ea"/>
-                <a:cs typeface="+mn-cs"/>
-              </a:defRPr>
-            </a:lvl7pPr>
-            <a:lvl8pPr marL="13441680" indent="0" algn="ctr" defTabSz="3840480" rtl="0" eaLnBrk="1" latinLnBrk="0" hangingPunct="1">
-              <a:lnSpc>
-                <a:spcPct val="90000"/>
-              </a:lnSpc>
-              <a:spcBef>
-                <a:spcPts val="2100"/>
-              </a:spcBef>
-              <a:buFont typeface="Arial" panose="020B0604020202020204" pitchFamily="34" charset="0"/>
-              <a:buNone/>
-              <a:defRPr sz="6720" kern="1200">
-                <a:solidFill>
-                  <a:schemeClr val="tx1"/>
-                </a:solidFill>
-                <a:latin typeface="+mn-lt"/>
-                <a:ea typeface="+mn-ea"/>
-                <a:cs typeface="+mn-cs"/>
-              </a:defRPr>
-            </a:lvl8pPr>
-            <a:lvl9pPr marL="15361920" indent="0" algn="ctr" defTabSz="3840480" rtl="0" eaLnBrk="1" latinLnBrk="0" hangingPunct="1">
-              <a:lnSpc>
-                <a:spcPct val="90000"/>
-              </a:lnSpc>
-              <a:spcBef>
-                <a:spcPts val="2100"/>
-              </a:spcBef>
-              <a:buFont typeface="Arial" panose="020B0604020202020204" pitchFamily="34" charset="0"/>
-              <a:buNone/>
-              <a:defRPr sz="6720" kern="1200">
-                <a:solidFill>
-                  <a:schemeClr val="tx1"/>
-                </a:solidFill>
-                <a:latin typeface="+mn-lt"/>
-                <a:ea typeface="+mn-ea"/>
-                <a:cs typeface="+mn-cs"/>
-              </a:defRPr>
-            </a:lvl9pPr>
-          </a:lstStyle>
-          <a:p>
-            <a:pPr algn="l">
-              <a:spcBef>
-                <a:spcPts val="0"/>
-              </a:spcBef>
-            </a:pPr>
-            <a:r>
-              <a:rPr lang="en-US" sz="3392" dirty="0">
-                <a:latin typeface="Cambria" panose="02040503050406030204" pitchFamily="18" charset="0"/>
-              </a:rPr>
-              <a:t>List your references here.</a:t>
-            </a:r>
-          </a:p>
-          <a:p>
-            <a:pPr algn="l">
-              <a:spcBef>
-                <a:spcPts val="0"/>
-              </a:spcBef>
-            </a:pPr>
-            <a:endParaRPr lang="en-US" sz="3392" dirty="0">
-              <a:latin typeface="Cambria" panose="02040503050406030204" pitchFamily="18" charset="0"/>
-            </a:endParaRPr>
-          </a:p>
-          <a:p>
-            <a:pPr algn="l"/>
-            <a:endParaRPr lang="en-US" sz="3392" dirty="0">
-              <a:latin typeface="Cambria" panose="02040503050406030204" pitchFamily="18" charset="0"/>
-            </a:endParaRPr>
-          </a:p>
-        </p:txBody>
-      </p:sp>
-      <p:sp>
-        <p:nvSpPr>
-          <p:cNvPr id="93" name="Subtitle 2"/>
-          <p:cNvSpPr txBox="1">
-            <a:spLocks/>
-          </p:cNvSpPr>
-          <p:nvPr/>
-        </p:nvSpPr>
-        <p:spPr>
-          <a:xfrm>
-            <a:off x="29875498" y="25917868"/>
-            <a:ext cx="10005181" cy="580823"/>
-          </a:xfrm>
-          <a:prstGeom prst="rect">
-            <a:avLst/>
-          </a:prstGeom>
-          <a:solidFill>
-            <a:srgbClr val="002060"/>
-          </a:solidFill>
-          <a:ln>
-            <a:solidFill>
-              <a:srgbClr val="002060"/>
-            </a:solidFill>
-          </a:ln>
-        </p:spPr>
-        <p:txBody>
-          <a:bodyPr vert="horz" lIns="97785" tIns="48892" rIns="97785" bIns="48892" rtlCol="0" anchor="ctr">
-            <a:normAutofit fontScale="92500" lnSpcReduction="20000"/>
-          </a:bodyPr>
-          <a:lstStyle>
-            <a:lvl1pPr marL="0" indent="0" algn="ctr" defTabSz="3840480" rtl="0" eaLnBrk="1" latinLnBrk="0" hangingPunct="1">
-              <a:lnSpc>
-                <a:spcPct val="90000"/>
-              </a:lnSpc>
-              <a:spcBef>
-                <a:spcPts val="4200"/>
-              </a:spcBef>
-              <a:buFont typeface="Arial" panose="020B0604020202020204" pitchFamily="34" charset="0"/>
-              <a:buNone/>
-              <a:defRPr sz="10080" kern="1200">
-                <a:solidFill>
-                  <a:schemeClr val="tx1"/>
-                </a:solidFill>
-                <a:latin typeface="+mn-lt"/>
-                <a:ea typeface="+mn-ea"/>
-                <a:cs typeface="+mn-cs"/>
-              </a:defRPr>
-            </a:lvl1pPr>
-            <a:lvl2pPr marL="1920240" indent="0" algn="ctr" defTabSz="3840480" rtl="0" eaLnBrk="1" latinLnBrk="0" hangingPunct="1">
-              <a:lnSpc>
-                <a:spcPct val="90000"/>
-              </a:lnSpc>
-              <a:spcBef>
-                <a:spcPts val="2100"/>
-              </a:spcBef>
-              <a:buFont typeface="Arial" panose="020B0604020202020204" pitchFamily="34" charset="0"/>
-              <a:buNone/>
-              <a:defRPr sz="8400" kern="1200">
-                <a:solidFill>
-                  <a:schemeClr val="tx1"/>
-                </a:solidFill>
-                <a:latin typeface="+mn-lt"/>
-                <a:ea typeface="+mn-ea"/>
-                <a:cs typeface="+mn-cs"/>
-              </a:defRPr>
-            </a:lvl2pPr>
-            <a:lvl3pPr marL="3840480" indent="0" algn="ctr" defTabSz="3840480" rtl="0" eaLnBrk="1" latinLnBrk="0" hangingPunct="1">
-              <a:lnSpc>
-                <a:spcPct val="90000"/>
-              </a:lnSpc>
-              <a:spcBef>
-                <a:spcPts val="2100"/>
-              </a:spcBef>
-              <a:buFont typeface="Arial" panose="020B0604020202020204" pitchFamily="34" charset="0"/>
-              <a:buNone/>
-              <a:defRPr sz="7560" kern="1200">
-                <a:solidFill>
-                  <a:schemeClr val="tx1"/>
-                </a:solidFill>
-                <a:latin typeface="+mn-lt"/>
-                <a:ea typeface="+mn-ea"/>
-                <a:cs typeface="+mn-cs"/>
-              </a:defRPr>
-            </a:lvl3pPr>
-            <a:lvl4pPr marL="5760720" indent="0" algn="ctr" defTabSz="3840480" rtl="0" eaLnBrk="1" latinLnBrk="0" hangingPunct="1">
-              <a:lnSpc>
-                <a:spcPct val="90000"/>
-              </a:lnSpc>
-              <a:spcBef>
-                <a:spcPts val="2100"/>
-              </a:spcBef>
-              <a:buFont typeface="Arial" panose="020B0604020202020204" pitchFamily="34" charset="0"/>
-              <a:buNone/>
-              <a:defRPr sz="6720" kern="1200">
-                <a:solidFill>
-                  <a:schemeClr val="tx1"/>
-                </a:solidFill>
-                <a:latin typeface="+mn-lt"/>
-                <a:ea typeface="+mn-ea"/>
-                <a:cs typeface="+mn-cs"/>
-              </a:defRPr>
-            </a:lvl4pPr>
-            <a:lvl5pPr marL="7680960" indent="0" algn="ctr" defTabSz="3840480" rtl="0" eaLnBrk="1" latinLnBrk="0" hangingPunct="1">
-              <a:lnSpc>
-                <a:spcPct val="90000"/>
-              </a:lnSpc>
-              <a:spcBef>
-                <a:spcPts val="2100"/>
-              </a:spcBef>
-              <a:buFont typeface="Arial" panose="020B0604020202020204" pitchFamily="34" charset="0"/>
-              <a:buNone/>
-              <a:defRPr sz="6720" kern="1200">
-                <a:solidFill>
-                  <a:schemeClr val="tx1"/>
-                </a:solidFill>
-                <a:latin typeface="+mn-lt"/>
-                <a:ea typeface="+mn-ea"/>
-                <a:cs typeface="+mn-cs"/>
-              </a:defRPr>
-            </a:lvl5pPr>
-            <a:lvl6pPr marL="9601200" indent="0" algn="ctr" defTabSz="3840480" rtl="0" eaLnBrk="1" latinLnBrk="0" hangingPunct="1">
-              <a:lnSpc>
-                <a:spcPct val="90000"/>
-              </a:lnSpc>
-              <a:spcBef>
-                <a:spcPts val="2100"/>
-              </a:spcBef>
-              <a:buFont typeface="Arial" panose="020B0604020202020204" pitchFamily="34" charset="0"/>
-              <a:buNone/>
-              <a:defRPr sz="6720" kern="1200">
-                <a:solidFill>
-                  <a:schemeClr val="tx1"/>
-                </a:solidFill>
-                <a:latin typeface="+mn-lt"/>
-                <a:ea typeface="+mn-ea"/>
-                <a:cs typeface="+mn-cs"/>
-              </a:defRPr>
-            </a:lvl6pPr>
-            <a:lvl7pPr marL="11521440" indent="0" algn="ctr" defTabSz="3840480" rtl="0" eaLnBrk="1" latinLnBrk="0" hangingPunct="1">
-              <a:lnSpc>
-                <a:spcPct val="90000"/>
-              </a:lnSpc>
-              <a:spcBef>
-                <a:spcPts val="2100"/>
-              </a:spcBef>
-              <a:buFont typeface="Arial" panose="020B0604020202020204" pitchFamily="34" charset="0"/>
-              <a:buNone/>
-              <a:defRPr sz="6720" kern="1200">
-                <a:solidFill>
-                  <a:schemeClr val="tx1"/>
-                </a:solidFill>
-                <a:latin typeface="+mn-lt"/>
-                <a:ea typeface="+mn-ea"/>
-                <a:cs typeface="+mn-cs"/>
-              </a:defRPr>
-            </a:lvl7pPr>
-            <a:lvl8pPr marL="13441680" indent="0" algn="ctr" defTabSz="3840480" rtl="0" eaLnBrk="1" latinLnBrk="0" hangingPunct="1">
-              <a:lnSpc>
-                <a:spcPct val="90000"/>
-              </a:lnSpc>
-              <a:spcBef>
-                <a:spcPts val="2100"/>
-              </a:spcBef>
-              <a:buFont typeface="Arial" panose="020B0604020202020204" pitchFamily="34" charset="0"/>
-              <a:buNone/>
-              <a:defRPr sz="6720" kern="1200">
-                <a:solidFill>
-                  <a:schemeClr val="tx1"/>
-                </a:solidFill>
-                <a:latin typeface="+mn-lt"/>
-                <a:ea typeface="+mn-ea"/>
-                <a:cs typeface="+mn-cs"/>
-              </a:defRPr>
-            </a:lvl8pPr>
-            <a:lvl9pPr marL="15361920" indent="0" algn="ctr" defTabSz="3840480" rtl="0" eaLnBrk="1" latinLnBrk="0" hangingPunct="1">
-              <a:lnSpc>
-                <a:spcPct val="90000"/>
-              </a:lnSpc>
-              <a:spcBef>
-                <a:spcPts val="2100"/>
-              </a:spcBef>
-              <a:buFont typeface="Arial" panose="020B0604020202020204" pitchFamily="34" charset="0"/>
-              <a:buNone/>
-              <a:defRPr sz="6720" kern="1200">
-                <a:solidFill>
-                  <a:schemeClr val="tx1"/>
-                </a:solidFill>
-                <a:latin typeface="+mn-lt"/>
-                <a:ea typeface="+mn-ea"/>
-                <a:cs typeface="+mn-cs"/>
-              </a:defRPr>
-            </a:lvl9pPr>
-          </a:lstStyle>
-          <a:p>
-            <a:r>
-              <a:rPr lang="en-US" sz="4308" dirty="0">
-                <a:solidFill>
-                  <a:schemeClr val="bg1"/>
-                </a:solidFill>
-                <a:latin typeface="Cambria" panose="02040503050406030204" pitchFamily="18" charset="0"/>
-              </a:rPr>
               <a:t>References</a:t>
             </a:r>
           </a:p>
@@ -6757,37 +6121,6 @@
       </p:sp>
       <p:sp>
         <p:nvSpPr>
-          <p:cNvPr id="97" name="TextBox 96"/>
-          <p:cNvSpPr txBox="1"/>
-          <p:nvPr/>
-        </p:nvSpPr>
-        <p:spPr>
-          <a:xfrm>
-            <a:off x="21742653" y="6299835"/>
-            <a:ext cx="6220327" cy="663061"/>
-          </a:xfrm>
-          <a:prstGeom prst="rect">
-            <a:avLst/>
-          </a:prstGeom>
-          <a:noFill/>
-        </p:spPr>
-        <p:txBody>
-          <a:bodyPr wrap="square" lIns="97785" tIns="48892" rIns="97785" bIns="48892" rtlCol="0">
-            <a:spAutoFit/>
-          </a:bodyPr>
-          <a:lstStyle/>
-          <a:p>
-            <a:r>
-              <a:rPr lang="en-US" sz="3667" dirty="0">
-                <a:latin typeface="Cambria" panose="02040503050406030204" pitchFamily="18" charset="0"/>
-              </a:rPr>
-              <a:t>Image #2 Sub-Title Here</a:t>
-            </a:r>
-          </a:p>
-        </p:txBody>
-      </p:sp>
-      <p:sp>
-        <p:nvSpPr>
           <p:cNvPr id="98" name="Subtitle 2"/>
           <p:cNvSpPr txBox="1">
             <a:spLocks/>
@@ -6796,7 +6129,7 @@
         </p:nvSpPr>
         <p:spPr>
           <a:xfrm>
-            <a:off x="338799" y="21957462"/>
+            <a:off x="338798" y="24199795"/>
             <a:ext cx="10005181" cy="837062"/>
           </a:xfrm>
           <a:prstGeom prst="rect">
@@ -7011,8 +6344,8 @@
         </p:nvSpPr>
         <p:spPr>
           <a:xfrm>
-            <a:off x="338799" y="15064425"/>
-            <a:ext cx="10005181" cy="6659164"/>
+            <a:off x="338799" y="15064424"/>
+            <a:ext cx="10005181" cy="8851931"/>
           </a:xfrm>
           <a:prstGeom prst="rect">
             <a:avLst/>
@@ -7228,6 +6561,42 @@
             </a:r>
           </a:p>
           <a:p>
+            <a:pPr marL="457200" indent="-457200" algn="l">
+              <a:lnSpc>
+                <a:spcPct val="100000"/>
+              </a:lnSpc>
+              <a:spcBef>
+                <a:spcPts val="1600"/>
+              </a:spcBef>
+              <a:buFont typeface="Arial" panose="020B0604020202020204" pitchFamily="34" charset="0"/>
+              <a:buChar char="•"/>
+            </a:pPr>
+            <a:r>
+              <a:rPr lang="en-US" sz="3600" dirty="0">
+                <a:latin typeface="Cambria" panose="02040503050406030204" pitchFamily="18" charset="0"/>
+              </a:rPr>
+              <a:t>The value function is used to quantify the perceived value of a state and is what the agent uses to choose actions. The goal is to be in states with high value.</a:t>
+            </a:r>
+          </a:p>
+          <a:p>
+            <a:pPr marL="457200" indent="-457200" algn="l">
+              <a:lnSpc>
+                <a:spcPct val="100000"/>
+              </a:lnSpc>
+              <a:spcBef>
+                <a:spcPts val="1600"/>
+              </a:spcBef>
+              <a:buFont typeface="Arial" panose="020B0604020202020204" pitchFamily="34" charset="0"/>
+              <a:buChar char="•"/>
+            </a:pPr>
+            <a:r>
+              <a:rPr lang="en-US" sz="3600" dirty="0">
+                <a:latin typeface="Cambria" panose="02040503050406030204" pitchFamily="18" charset="0"/>
+              </a:rPr>
+              <a:t>Approximating the value function is the primary problem that must be solved to choose an optimal action.</a:t>
+            </a:r>
+          </a:p>
+          <a:p>
             <a:pPr algn="l">
               <a:lnSpc>
                 <a:spcPct val="100000"/>
@@ -7255,656 +6624,6 @@
           </a:p>
         </p:txBody>
       </p:sp>
-      <p:sp>
-        <p:nvSpPr>
-          <p:cNvPr id="100" name="TextBox 99"/>
-          <p:cNvSpPr txBox="1"/>
-          <p:nvPr/>
-        </p:nvSpPr>
-        <p:spPr>
-          <a:xfrm>
-            <a:off x="13072831" y="15705098"/>
-            <a:ext cx="5438999" cy="663061"/>
-          </a:xfrm>
-          <a:prstGeom prst="rect">
-            <a:avLst/>
-          </a:prstGeom>
-          <a:noFill/>
-        </p:spPr>
-        <p:txBody>
-          <a:bodyPr wrap="square" lIns="97785" tIns="48892" rIns="97785" bIns="48892" rtlCol="0">
-            <a:spAutoFit/>
-          </a:bodyPr>
-          <a:lstStyle/>
-          <a:p>
-            <a:r>
-              <a:rPr lang="en-US" sz="3667" dirty="0">
-                <a:latin typeface="Cambria" panose="02040503050406030204" pitchFamily="18" charset="0"/>
-              </a:rPr>
-              <a:t>Chart #1 Sub-Title Here</a:t>
-            </a:r>
-          </a:p>
-        </p:txBody>
-      </p:sp>
-      <p:sp>
-        <p:nvSpPr>
-          <p:cNvPr id="101" name="TextBox 100"/>
-          <p:cNvSpPr txBox="1"/>
-          <p:nvPr/>
-        </p:nvSpPr>
-        <p:spPr>
-          <a:xfrm>
-            <a:off x="20824634" y="20797469"/>
-            <a:ext cx="7711979" cy="437293"/>
-          </a:xfrm>
-          <a:prstGeom prst="rect">
-            <a:avLst/>
-          </a:prstGeom>
-          <a:noFill/>
-        </p:spPr>
-        <p:txBody>
-          <a:bodyPr wrap="square" lIns="97785" tIns="48892" rIns="97785" bIns="48892" rtlCol="0">
-            <a:spAutoFit/>
-          </a:bodyPr>
-          <a:lstStyle/>
-          <a:p>
-            <a:r>
-              <a:rPr lang="en-US" sz="2200" dirty="0">
-                <a:latin typeface="Cambria" panose="02040503050406030204" pitchFamily="18" charset="0"/>
-              </a:rPr>
-              <a:t>Chart #2 Caption Here</a:t>
-            </a:r>
-          </a:p>
-        </p:txBody>
-      </p:sp>
-      <p:sp>
-        <p:nvSpPr>
-          <p:cNvPr id="102" name="TextBox 101"/>
-          <p:cNvSpPr txBox="1"/>
-          <p:nvPr/>
-        </p:nvSpPr>
-        <p:spPr>
-          <a:xfrm>
-            <a:off x="11829185" y="20797469"/>
-            <a:ext cx="7783436" cy="437293"/>
-          </a:xfrm>
-          <a:prstGeom prst="rect">
-            <a:avLst/>
-          </a:prstGeom>
-          <a:noFill/>
-        </p:spPr>
-        <p:txBody>
-          <a:bodyPr wrap="square" lIns="97785" tIns="48892" rIns="97785" bIns="48892" rtlCol="0">
-            <a:spAutoFit/>
-          </a:bodyPr>
-          <a:lstStyle/>
-          <a:p>
-            <a:r>
-              <a:rPr lang="en-US" sz="2200" dirty="0">
-                <a:latin typeface="Cambria" panose="02040503050406030204" pitchFamily="18" charset="0"/>
-              </a:rPr>
-              <a:t>Chart #1 Caption Here</a:t>
-            </a:r>
-          </a:p>
-        </p:txBody>
-      </p:sp>
-      <p:sp>
-        <p:nvSpPr>
-          <p:cNvPr id="103" name="TextBox 102"/>
-          <p:cNvSpPr txBox="1"/>
-          <p:nvPr/>
-        </p:nvSpPr>
-        <p:spPr>
-          <a:xfrm>
-            <a:off x="22045225" y="15663086"/>
-            <a:ext cx="5006577" cy="663061"/>
-          </a:xfrm>
-          <a:prstGeom prst="rect">
-            <a:avLst/>
-          </a:prstGeom>
-          <a:noFill/>
-        </p:spPr>
-        <p:txBody>
-          <a:bodyPr wrap="square" lIns="97785" tIns="48892" rIns="97785" bIns="48892" rtlCol="0">
-            <a:spAutoFit/>
-          </a:bodyPr>
-          <a:lstStyle/>
-          <a:p>
-            <a:r>
-              <a:rPr lang="en-US" sz="3667" dirty="0">
-                <a:latin typeface="Cambria" panose="02040503050406030204" pitchFamily="18" charset="0"/>
-              </a:rPr>
-              <a:t>Chart #2 Sub-Title Here</a:t>
-            </a:r>
-          </a:p>
-        </p:txBody>
-      </p:sp>
-      <p:sp>
-        <p:nvSpPr>
-          <p:cNvPr id="104" name="TextBox 103"/>
-          <p:cNvSpPr txBox="1"/>
-          <p:nvPr/>
-        </p:nvSpPr>
-        <p:spPr>
-          <a:xfrm>
-            <a:off x="13161062" y="23338070"/>
-            <a:ext cx="5438999" cy="663061"/>
-          </a:xfrm>
-          <a:prstGeom prst="rect">
-            <a:avLst/>
-          </a:prstGeom>
-          <a:noFill/>
-        </p:spPr>
-        <p:txBody>
-          <a:bodyPr wrap="square" lIns="97785" tIns="48892" rIns="97785" bIns="48892" rtlCol="0">
-            <a:spAutoFit/>
-          </a:bodyPr>
-          <a:lstStyle/>
-          <a:p>
-            <a:r>
-              <a:rPr lang="en-US" sz="3667" dirty="0">
-                <a:latin typeface="Cambria" panose="02040503050406030204" pitchFamily="18" charset="0"/>
-              </a:rPr>
-              <a:t>Graph #1 Sub-Title Here</a:t>
-            </a:r>
-          </a:p>
-        </p:txBody>
-      </p:sp>
-      <p:sp>
-        <p:nvSpPr>
-          <p:cNvPr id="105" name="TextBox 104"/>
-          <p:cNvSpPr txBox="1"/>
-          <p:nvPr/>
-        </p:nvSpPr>
-        <p:spPr>
-          <a:xfrm>
-            <a:off x="20996828" y="29925481"/>
-            <a:ext cx="7711979" cy="437293"/>
-          </a:xfrm>
-          <a:prstGeom prst="rect">
-            <a:avLst/>
-          </a:prstGeom>
-          <a:noFill/>
-        </p:spPr>
-        <p:txBody>
-          <a:bodyPr wrap="square" lIns="97785" tIns="48892" rIns="97785" bIns="48892" rtlCol="0">
-            <a:spAutoFit/>
-          </a:bodyPr>
-          <a:lstStyle/>
-          <a:p>
-            <a:r>
-              <a:rPr lang="en-US" sz="2200" dirty="0">
-                <a:latin typeface="Cambria" panose="02040503050406030204" pitchFamily="18" charset="0"/>
-              </a:rPr>
-              <a:t>Graph #2 Caption Here</a:t>
-            </a:r>
-          </a:p>
-        </p:txBody>
-      </p:sp>
-      <p:sp>
-        <p:nvSpPr>
-          <p:cNvPr id="106" name="TextBox 105"/>
-          <p:cNvSpPr txBox="1"/>
-          <p:nvPr/>
-        </p:nvSpPr>
-        <p:spPr>
-          <a:xfrm>
-            <a:off x="12001379" y="29925481"/>
-            <a:ext cx="7783436" cy="437293"/>
-          </a:xfrm>
-          <a:prstGeom prst="rect">
-            <a:avLst/>
-          </a:prstGeom>
-          <a:noFill/>
-        </p:spPr>
-        <p:txBody>
-          <a:bodyPr wrap="square" lIns="97785" tIns="48892" rIns="97785" bIns="48892" rtlCol="0">
-            <a:spAutoFit/>
-          </a:bodyPr>
-          <a:lstStyle/>
-          <a:p>
-            <a:r>
-              <a:rPr lang="en-US" sz="2200" dirty="0">
-                <a:latin typeface="Cambria" panose="02040503050406030204" pitchFamily="18" charset="0"/>
-              </a:rPr>
-              <a:t>Graph #1 Caption Here</a:t>
-            </a:r>
-          </a:p>
-        </p:txBody>
-      </p:sp>
-      <p:sp>
-        <p:nvSpPr>
-          <p:cNvPr id="107" name="TextBox 106"/>
-          <p:cNvSpPr txBox="1"/>
-          <p:nvPr/>
-        </p:nvSpPr>
-        <p:spPr>
-          <a:xfrm>
-            <a:off x="22133458" y="23321264"/>
-            <a:ext cx="5769781" cy="663061"/>
-          </a:xfrm>
-          <a:prstGeom prst="rect">
-            <a:avLst/>
-          </a:prstGeom>
-          <a:noFill/>
-        </p:spPr>
-        <p:txBody>
-          <a:bodyPr wrap="square" lIns="97785" tIns="48892" rIns="97785" bIns="48892" rtlCol="0">
-            <a:spAutoFit/>
-          </a:bodyPr>
-          <a:lstStyle/>
-          <a:p>
-            <a:r>
-              <a:rPr lang="en-US" sz="3667" dirty="0">
-                <a:latin typeface="Cambria" panose="02040503050406030204" pitchFamily="18" charset="0"/>
-              </a:rPr>
-              <a:t>Graph #2 Sub-Title Here</a:t>
-            </a:r>
-          </a:p>
-        </p:txBody>
-      </p:sp>
-      <p:sp>
-        <p:nvSpPr>
-          <p:cNvPr id="108" name="Subtitle 2"/>
-          <p:cNvSpPr txBox="1">
-            <a:spLocks/>
-          </p:cNvSpPr>
-          <p:nvPr/>
-        </p:nvSpPr>
-        <p:spPr>
-          <a:xfrm>
-            <a:off x="29999300" y="23058887"/>
-            <a:ext cx="10005181" cy="2538586"/>
-          </a:xfrm>
-          <a:prstGeom prst="rect">
-            <a:avLst/>
-          </a:prstGeom>
-          <a:noFill/>
-          <a:ln>
-            <a:solidFill>
-              <a:srgbClr val="002060"/>
-            </a:solidFill>
-          </a:ln>
-        </p:spPr>
-        <p:txBody>
-          <a:bodyPr vert="horz" lIns="97785" tIns="48892" rIns="97785" bIns="48892" rtlCol="0" anchor="t">
-            <a:normAutofit/>
-          </a:bodyPr>
-          <a:lstStyle>
-            <a:lvl1pPr marL="0" indent="0" algn="ctr" defTabSz="3840480" rtl="0" eaLnBrk="1" latinLnBrk="0" hangingPunct="1">
-              <a:lnSpc>
-                <a:spcPct val="90000"/>
-              </a:lnSpc>
-              <a:spcBef>
-                <a:spcPts val="4200"/>
-              </a:spcBef>
-              <a:buFont typeface="Arial" panose="020B0604020202020204" pitchFamily="34" charset="0"/>
-              <a:buNone/>
-              <a:defRPr sz="10080" kern="1200">
-                <a:solidFill>
-                  <a:schemeClr val="tx1"/>
-                </a:solidFill>
-                <a:latin typeface="+mn-lt"/>
-                <a:ea typeface="+mn-ea"/>
-                <a:cs typeface="+mn-cs"/>
-              </a:defRPr>
-            </a:lvl1pPr>
-            <a:lvl2pPr marL="1920240" indent="0" algn="ctr" defTabSz="3840480" rtl="0" eaLnBrk="1" latinLnBrk="0" hangingPunct="1">
-              <a:lnSpc>
-                <a:spcPct val="90000"/>
-              </a:lnSpc>
-              <a:spcBef>
-                <a:spcPts val="2100"/>
-              </a:spcBef>
-              <a:buFont typeface="Arial" panose="020B0604020202020204" pitchFamily="34" charset="0"/>
-              <a:buNone/>
-              <a:defRPr sz="8400" kern="1200">
-                <a:solidFill>
-                  <a:schemeClr val="tx1"/>
-                </a:solidFill>
-                <a:latin typeface="+mn-lt"/>
-                <a:ea typeface="+mn-ea"/>
-                <a:cs typeface="+mn-cs"/>
-              </a:defRPr>
-            </a:lvl2pPr>
-            <a:lvl3pPr marL="3840480" indent="0" algn="ctr" defTabSz="3840480" rtl="0" eaLnBrk="1" latinLnBrk="0" hangingPunct="1">
-              <a:lnSpc>
-                <a:spcPct val="90000"/>
-              </a:lnSpc>
-              <a:spcBef>
-                <a:spcPts val="2100"/>
-              </a:spcBef>
-              <a:buFont typeface="Arial" panose="020B0604020202020204" pitchFamily="34" charset="0"/>
-              <a:buNone/>
-              <a:defRPr sz="7560" kern="1200">
-                <a:solidFill>
-                  <a:schemeClr val="tx1"/>
-                </a:solidFill>
-                <a:latin typeface="+mn-lt"/>
-                <a:ea typeface="+mn-ea"/>
-                <a:cs typeface="+mn-cs"/>
-              </a:defRPr>
-            </a:lvl3pPr>
-            <a:lvl4pPr marL="5760720" indent="0" algn="ctr" defTabSz="3840480" rtl="0" eaLnBrk="1" latinLnBrk="0" hangingPunct="1">
-              <a:lnSpc>
-                <a:spcPct val="90000"/>
-              </a:lnSpc>
-              <a:spcBef>
-                <a:spcPts val="2100"/>
-              </a:spcBef>
-              <a:buFont typeface="Arial" panose="020B0604020202020204" pitchFamily="34" charset="0"/>
-              <a:buNone/>
-              <a:defRPr sz="6720" kern="1200">
-                <a:solidFill>
-                  <a:schemeClr val="tx1"/>
-                </a:solidFill>
-                <a:latin typeface="+mn-lt"/>
-                <a:ea typeface="+mn-ea"/>
-                <a:cs typeface="+mn-cs"/>
-              </a:defRPr>
-            </a:lvl4pPr>
-            <a:lvl5pPr marL="7680960" indent="0" algn="ctr" defTabSz="3840480" rtl="0" eaLnBrk="1" latinLnBrk="0" hangingPunct="1">
-              <a:lnSpc>
-                <a:spcPct val="90000"/>
-              </a:lnSpc>
-              <a:spcBef>
-                <a:spcPts val="2100"/>
-              </a:spcBef>
-              <a:buFont typeface="Arial" panose="020B0604020202020204" pitchFamily="34" charset="0"/>
-              <a:buNone/>
-              <a:defRPr sz="6720" kern="1200">
-                <a:solidFill>
-                  <a:schemeClr val="tx1"/>
-                </a:solidFill>
-                <a:latin typeface="+mn-lt"/>
-                <a:ea typeface="+mn-ea"/>
-                <a:cs typeface="+mn-cs"/>
-              </a:defRPr>
-            </a:lvl5pPr>
-            <a:lvl6pPr marL="9601200" indent="0" algn="ctr" defTabSz="3840480" rtl="0" eaLnBrk="1" latinLnBrk="0" hangingPunct="1">
-              <a:lnSpc>
-                <a:spcPct val="90000"/>
-              </a:lnSpc>
-              <a:spcBef>
-                <a:spcPts val="2100"/>
-              </a:spcBef>
-              <a:buFont typeface="Arial" panose="020B0604020202020204" pitchFamily="34" charset="0"/>
-              <a:buNone/>
-              <a:defRPr sz="6720" kern="1200">
-                <a:solidFill>
-                  <a:schemeClr val="tx1"/>
-                </a:solidFill>
-                <a:latin typeface="+mn-lt"/>
-                <a:ea typeface="+mn-ea"/>
-                <a:cs typeface="+mn-cs"/>
-              </a:defRPr>
-            </a:lvl6pPr>
-            <a:lvl7pPr marL="11521440" indent="0" algn="ctr" defTabSz="3840480" rtl="0" eaLnBrk="1" latinLnBrk="0" hangingPunct="1">
-              <a:lnSpc>
-                <a:spcPct val="90000"/>
-              </a:lnSpc>
-              <a:spcBef>
-                <a:spcPts val="2100"/>
-              </a:spcBef>
-              <a:buFont typeface="Arial" panose="020B0604020202020204" pitchFamily="34" charset="0"/>
-              <a:buNone/>
-              <a:defRPr sz="6720" kern="1200">
-                <a:solidFill>
-                  <a:schemeClr val="tx1"/>
-                </a:solidFill>
-                <a:latin typeface="+mn-lt"/>
-                <a:ea typeface="+mn-ea"/>
-                <a:cs typeface="+mn-cs"/>
-              </a:defRPr>
-            </a:lvl7pPr>
-            <a:lvl8pPr marL="13441680" indent="0" algn="ctr" defTabSz="3840480" rtl="0" eaLnBrk="1" latinLnBrk="0" hangingPunct="1">
-              <a:lnSpc>
-                <a:spcPct val="90000"/>
-              </a:lnSpc>
-              <a:spcBef>
-                <a:spcPts val="2100"/>
-              </a:spcBef>
-              <a:buFont typeface="Arial" panose="020B0604020202020204" pitchFamily="34" charset="0"/>
-              <a:buNone/>
-              <a:defRPr sz="6720" kern="1200">
-                <a:solidFill>
-                  <a:schemeClr val="tx1"/>
-                </a:solidFill>
-                <a:latin typeface="+mn-lt"/>
-                <a:ea typeface="+mn-ea"/>
-                <a:cs typeface="+mn-cs"/>
-              </a:defRPr>
-            </a:lvl8pPr>
-            <a:lvl9pPr marL="15361920" indent="0" algn="ctr" defTabSz="3840480" rtl="0" eaLnBrk="1" latinLnBrk="0" hangingPunct="1">
-              <a:lnSpc>
-                <a:spcPct val="90000"/>
-              </a:lnSpc>
-              <a:spcBef>
-                <a:spcPts val="2100"/>
-              </a:spcBef>
-              <a:buFont typeface="Arial" panose="020B0604020202020204" pitchFamily="34" charset="0"/>
-              <a:buNone/>
-              <a:defRPr sz="6720" kern="1200">
-                <a:solidFill>
-                  <a:schemeClr val="tx1"/>
-                </a:solidFill>
-                <a:latin typeface="+mn-lt"/>
-                <a:ea typeface="+mn-ea"/>
-                <a:cs typeface="+mn-cs"/>
-              </a:defRPr>
-            </a:lvl9pPr>
-          </a:lstStyle>
-          <a:p>
-            <a:pPr algn="l">
-              <a:spcBef>
-                <a:spcPts val="0"/>
-              </a:spcBef>
-            </a:pPr>
-            <a:r>
-              <a:rPr lang="en-US" sz="3392" dirty="0">
-                <a:latin typeface="Cambria" panose="02040503050406030204" pitchFamily="18" charset="0"/>
-              </a:rPr>
-              <a:t>Acknowledgement text here</a:t>
-            </a:r>
-          </a:p>
-          <a:p>
-            <a:pPr algn="l">
-              <a:spcBef>
-                <a:spcPts val="0"/>
-              </a:spcBef>
-            </a:pPr>
-            <a:endParaRPr lang="en-US" sz="3392" dirty="0">
-              <a:latin typeface="Cambria" panose="02040503050406030204" pitchFamily="18" charset="0"/>
-            </a:endParaRPr>
-          </a:p>
-          <a:p>
-            <a:pPr algn="l"/>
-            <a:endParaRPr lang="en-US" sz="3392" dirty="0">
-              <a:latin typeface="Cambria" panose="02040503050406030204" pitchFamily="18" charset="0"/>
-            </a:endParaRPr>
-          </a:p>
-        </p:txBody>
-      </p:sp>
-      <p:pic>
-        <p:nvPicPr>
-          <p:cNvPr id="3" name="Picture 2"/>
-          <p:cNvPicPr>
-            <a:picLocks noChangeAspect="1"/>
-          </p:cNvPicPr>
-          <p:nvPr/>
-        </p:nvPicPr>
-        <p:blipFill>
-          <a:blip r:embed="rId2">
-            <a:extLst>
-              <a:ext uri="{28A0092B-C50C-407E-A947-70E740481C1C}">
-                <a14:useLocalDpi xmlns:a14="http://schemas.microsoft.com/office/drawing/2010/main" val="0"/>
-              </a:ext>
-            </a:extLst>
-          </a:blip>
-          <a:stretch>
-            <a:fillRect/>
-          </a:stretch>
-        </p:blipFill>
-        <p:spPr>
-          <a:xfrm>
-            <a:off x="13635711" y="16459200"/>
-            <a:ext cx="4313238" cy="4051300"/>
-          </a:xfrm>
-          <a:prstGeom prst="rect">
-            <a:avLst/>
-          </a:prstGeom>
-        </p:spPr>
-      </p:pic>
-      <p:pic>
-        <p:nvPicPr>
-          <p:cNvPr id="5" name="Picture 4"/>
-          <p:cNvPicPr>
-            <a:picLocks noChangeAspect="1"/>
-          </p:cNvPicPr>
-          <p:nvPr/>
-        </p:nvPicPr>
-        <p:blipFill>
-          <a:blip r:embed="rId2">
-            <a:extLst>
-              <a:ext uri="{28A0092B-C50C-407E-A947-70E740481C1C}">
-                <a14:useLocalDpi xmlns:a14="http://schemas.microsoft.com/office/drawing/2010/main" val="0"/>
-              </a:ext>
-            </a:extLst>
-          </a:blip>
-          <a:stretch>
-            <a:fillRect/>
-          </a:stretch>
-        </p:blipFill>
-        <p:spPr>
-          <a:xfrm>
-            <a:off x="22299614" y="16378466"/>
-            <a:ext cx="4313238" cy="4051300"/>
-          </a:xfrm>
-          <a:prstGeom prst="rect">
-            <a:avLst/>
-          </a:prstGeom>
-        </p:spPr>
-      </p:pic>
-      <p:pic>
-        <p:nvPicPr>
-          <p:cNvPr id="10" name="Picture 9"/>
-          <p:cNvPicPr>
-            <a:picLocks noChangeAspect="1"/>
-          </p:cNvPicPr>
-          <p:nvPr/>
-        </p:nvPicPr>
-        <p:blipFill>
-          <a:blip r:embed="rId3">
-            <a:extLst>
-              <a:ext uri="{28A0092B-C50C-407E-A947-70E740481C1C}">
-                <a14:useLocalDpi xmlns:a14="http://schemas.microsoft.com/office/drawing/2010/main" val="0"/>
-              </a:ext>
-            </a:extLst>
-          </a:blip>
-          <a:stretch>
-            <a:fillRect/>
-          </a:stretch>
-        </p:blipFill>
-        <p:spPr>
-          <a:xfrm>
-            <a:off x="13161059" y="24433750"/>
-            <a:ext cx="4540250" cy="4129881"/>
-          </a:xfrm>
-          <a:prstGeom prst="rect">
-            <a:avLst/>
-          </a:prstGeom>
-        </p:spPr>
-      </p:pic>
-      <p:pic>
-        <p:nvPicPr>
-          <p:cNvPr id="11" name="Picture 10"/>
-          <p:cNvPicPr>
-            <a:picLocks noChangeAspect="1"/>
-          </p:cNvPicPr>
-          <p:nvPr/>
-        </p:nvPicPr>
-        <p:blipFill>
-          <a:blip r:embed="rId4">
-            <a:extLst>
-              <a:ext uri="{28A0092B-C50C-407E-A947-70E740481C1C}">
-                <a14:useLocalDpi xmlns:a14="http://schemas.microsoft.com/office/drawing/2010/main" val="0"/>
-              </a:ext>
-            </a:extLst>
-          </a:blip>
-          <a:stretch>
-            <a:fillRect/>
-          </a:stretch>
-        </p:blipFill>
-        <p:spPr>
-          <a:xfrm>
-            <a:off x="22844630" y="24336255"/>
-            <a:ext cx="4016375" cy="4094956"/>
-          </a:xfrm>
-          <a:prstGeom prst="rect">
-            <a:avLst/>
-          </a:prstGeom>
-        </p:spPr>
-      </p:pic>
-      <p:pic>
-        <p:nvPicPr>
-          <p:cNvPr id="14" name="Picture 13"/>
-          <p:cNvPicPr>
-            <a:picLocks noChangeAspect="1"/>
-          </p:cNvPicPr>
-          <p:nvPr/>
-        </p:nvPicPr>
-        <p:blipFill>
-          <a:blip r:embed="rId5" cstate="print">
-            <a:extLst>
-              <a:ext uri="{28A0092B-C50C-407E-A947-70E740481C1C}">
-                <a14:useLocalDpi xmlns:a14="http://schemas.microsoft.com/office/drawing/2010/main" val="0"/>
-              </a:ext>
-            </a:extLst>
-          </a:blip>
-          <a:stretch>
-            <a:fillRect/>
-          </a:stretch>
-        </p:blipFill>
-        <p:spPr>
-          <a:xfrm>
-            <a:off x="11886621" y="7380953"/>
-            <a:ext cx="7296464" cy="2917253"/>
-          </a:xfrm>
-          <a:prstGeom prst="rect">
-            <a:avLst/>
-          </a:prstGeom>
-        </p:spPr>
-      </p:pic>
-      <p:pic>
-        <p:nvPicPr>
-          <p:cNvPr id="20" name="Picture 19"/>
-          <p:cNvPicPr>
-            <a:picLocks noChangeAspect="1"/>
-          </p:cNvPicPr>
-          <p:nvPr/>
-        </p:nvPicPr>
-        <p:blipFill>
-          <a:blip r:embed="rId6" cstate="print">
-            <a:extLst>
-              <a:ext uri="{28A0092B-C50C-407E-A947-70E740481C1C}">
-                <a14:useLocalDpi xmlns:a14="http://schemas.microsoft.com/office/drawing/2010/main" val="0"/>
-              </a:ext>
-            </a:extLst>
-          </a:blip>
-          <a:stretch>
-            <a:fillRect/>
-          </a:stretch>
-        </p:blipFill>
-        <p:spPr>
-          <a:xfrm>
-            <a:off x="22144710" y="7421665"/>
-            <a:ext cx="4807605" cy="3095358"/>
-          </a:xfrm>
-          <a:prstGeom prst="rect">
-            <a:avLst/>
-          </a:prstGeom>
-        </p:spPr>
-      </p:pic>
       <p:pic>
         <p:nvPicPr>
           <p:cNvPr id="22" name="Picture 21"/>
@@ -7914,7 +6633,7 @@
           <p:nvPr/>
         </p:nvPicPr>
         <p:blipFill>
-          <a:blip r:embed="rId7">
+          <a:blip r:embed="rId3">
             <a:extLst>
               <a:ext uri="{28A0092B-C50C-407E-A947-70E740481C1C}">
                 <a14:useLocalDpi xmlns:a14="http://schemas.microsoft.com/office/drawing/2010/main" val="0"/>
@@ -7935,6 +6654,843 @@
           </a:prstGeom>
         </p:spPr>
       </p:pic>
+      <p:sp>
+        <p:nvSpPr>
+          <p:cNvPr id="51" name="TextBox 50">
+            <a:extLst>
+              <a:ext uri="{FF2B5EF4-FFF2-40B4-BE49-F238E27FC236}">
+                <a16:creationId xmlns:a16="http://schemas.microsoft.com/office/drawing/2014/main" id="{098C05C4-E8FB-6943-B37A-E8F043727564}"/>
+              </a:ext>
+            </a:extLst>
+          </p:cNvPr>
+          <p:cNvSpPr txBox="1"/>
+          <p:nvPr/>
+        </p:nvSpPr>
+        <p:spPr>
+          <a:xfrm>
+            <a:off x="15651722" y="5475093"/>
+            <a:ext cx="9248543" cy="733599"/>
+          </a:xfrm>
+          <a:prstGeom prst="roundRect">
+            <a:avLst/>
+          </a:prstGeom>
+        </p:spPr>
+        <p:style>
+          <a:lnRef idx="3">
+            <a:schemeClr val="lt1"/>
+          </a:lnRef>
+          <a:fillRef idx="1">
+            <a:schemeClr val="accent1"/>
+          </a:fillRef>
+          <a:effectRef idx="1">
+            <a:schemeClr val="accent1"/>
+          </a:effectRef>
+          <a:fontRef idx="minor">
+            <a:schemeClr val="lt1"/>
+          </a:fontRef>
+        </p:style>
+        <p:txBody>
+          <a:bodyPr wrap="square" lIns="97785" tIns="48892" rIns="97785" bIns="48892" rtlCol="0">
+            <a:spAutoFit/>
+          </a:bodyPr>
+          <a:lstStyle/>
+          <a:p>
+            <a:pPr algn="ctr"/>
+            <a:r>
+              <a:rPr lang="en-US" sz="3667" dirty="0">
+                <a:latin typeface="Cambria" panose="02040503050406030204" pitchFamily="18" charset="0"/>
+              </a:rPr>
+              <a:t>Run the generator when under 70% charge</a:t>
+            </a:r>
+          </a:p>
+        </p:txBody>
+      </p:sp>
+      <p:pic>
+        <p:nvPicPr>
+          <p:cNvPr id="1026" name="Picture 2">
+            <a:extLst>
+              <a:ext uri="{FF2B5EF4-FFF2-40B4-BE49-F238E27FC236}">
+                <a16:creationId xmlns:a16="http://schemas.microsoft.com/office/drawing/2014/main" id="{EF9666BF-2B8C-5943-B0C1-FF9C9D07B9C3}"/>
+              </a:ext>
+            </a:extLst>
+          </p:cNvPr>
+          <p:cNvPicPr>
+            <a:picLocks noChangeAspect="1" noChangeArrowheads="1"/>
+          </p:cNvPicPr>
+          <p:nvPr/>
+        </p:nvPicPr>
+        <p:blipFill rotWithShape="1">
+          <a:blip r:embed="rId4">
+            <a:extLst>
+              <a:ext uri="{28A0092B-C50C-407E-A947-70E740481C1C}">
+                <a14:useLocalDpi xmlns:a14="http://schemas.microsoft.com/office/drawing/2010/main" val="0"/>
+              </a:ext>
+            </a:extLst>
+          </a:blip>
+          <a:srcRect t="5598" r="2047"/>
+          <a:stretch/>
+        </p:blipFill>
+        <p:spPr bwMode="auto">
+          <a:xfrm>
+            <a:off x="20245302" y="6280755"/>
+            <a:ext cx="8909478" cy="6532306"/>
+          </a:xfrm>
+          <a:prstGeom prst="rect">
+            <a:avLst/>
+          </a:prstGeom>
+          <a:noFill/>
+          <a:ln>
+            <a:solidFill>
+              <a:schemeClr val="tx1"/>
+            </a:solidFill>
+          </a:ln>
+          <a:extLst>
+            <a:ext uri="{909E8E84-426E-40DD-AFC4-6F175D3DCCD1}">
+              <a14:hiddenFill xmlns:a14="http://schemas.microsoft.com/office/drawing/2010/main">
+                <a:solidFill>
+                  <a:srgbClr val="FFFFFF"/>
+                </a:solidFill>
+              </a14:hiddenFill>
+            </a:ext>
+          </a:extLst>
+        </p:spPr>
+      </p:pic>
+      <p:pic>
+        <p:nvPicPr>
+          <p:cNvPr id="1028" name="Picture 4">
+            <a:extLst>
+              <a:ext uri="{FF2B5EF4-FFF2-40B4-BE49-F238E27FC236}">
+                <a16:creationId xmlns:a16="http://schemas.microsoft.com/office/drawing/2014/main" id="{D9FB1172-F639-6F46-B5CC-35F01E52895F}"/>
+              </a:ext>
+            </a:extLst>
+          </p:cNvPr>
+          <p:cNvPicPr>
+            <a:picLocks noChangeAspect="1" noChangeArrowheads="1"/>
+          </p:cNvPicPr>
+          <p:nvPr/>
+        </p:nvPicPr>
+        <p:blipFill rotWithShape="1">
+          <a:blip r:embed="rId5">
+            <a:extLst>
+              <a:ext uri="{28A0092B-C50C-407E-A947-70E740481C1C}">
+                <a14:useLocalDpi xmlns:a14="http://schemas.microsoft.com/office/drawing/2010/main" val="0"/>
+              </a:ext>
+            </a:extLst>
+          </a:blip>
+          <a:srcRect t="3414"/>
+          <a:stretch/>
+        </p:blipFill>
+        <p:spPr bwMode="auto">
+          <a:xfrm>
+            <a:off x="11352641" y="6280755"/>
+            <a:ext cx="8811758" cy="6513703"/>
+          </a:xfrm>
+          <a:prstGeom prst="rect">
+            <a:avLst/>
+          </a:prstGeom>
+          <a:noFill/>
+          <a:ln>
+            <a:solidFill>
+              <a:schemeClr val="tx1"/>
+            </a:solidFill>
+          </a:ln>
+        </p:spPr>
+      </p:pic>
+      <p:sp>
+        <p:nvSpPr>
+          <p:cNvPr id="54" name="TextBox 53">
+            <a:extLst>
+              <a:ext uri="{FF2B5EF4-FFF2-40B4-BE49-F238E27FC236}">
+                <a16:creationId xmlns:a16="http://schemas.microsoft.com/office/drawing/2014/main" id="{F4B874FA-E766-FB4B-98DA-408118214199}"/>
+              </a:ext>
+            </a:extLst>
+          </p:cNvPr>
+          <p:cNvSpPr txBox="1"/>
+          <p:nvPr/>
+        </p:nvSpPr>
+        <p:spPr>
+          <a:xfrm>
+            <a:off x="18642341" y="13951364"/>
+            <a:ext cx="3339836" cy="733599"/>
+          </a:xfrm>
+          <a:prstGeom prst="roundRect">
+            <a:avLst/>
+          </a:prstGeom>
+        </p:spPr>
+        <p:style>
+          <a:lnRef idx="3">
+            <a:schemeClr val="lt1"/>
+          </a:lnRef>
+          <a:fillRef idx="1">
+            <a:schemeClr val="accent1"/>
+          </a:fillRef>
+          <a:effectRef idx="1">
+            <a:schemeClr val="accent1"/>
+          </a:effectRef>
+          <a:fontRef idx="minor">
+            <a:schemeClr val="lt1"/>
+          </a:fontRef>
+        </p:style>
+        <p:txBody>
+          <a:bodyPr wrap="square" lIns="97785" tIns="48892" rIns="97785" bIns="48892" rtlCol="0">
+            <a:spAutoFit/>
+          </a:bodyPr>
+          <a:lstStyle/>
+          <a:p>
+            <a:pPr algn="ctr"/>
+            <a:r>
+              <a:rPr lang="en-US" sz="3667" dirty="0">
+                <a:latin typeface="Cambria" panose="02040503050406030204" pitchFamily="18" charset="0"/>
+              </a:rPr>
+              <a:t>Linear Spline</a:t>
+            </a:r>
+          </a:p>
+        </p:txBody>
+      </p:sp>
+      <p:pic>
+        <p:nvPicPr>
+          <p:cNvPr id="1030" name="Picture 6">
+            <a:extLst>
+              <a:ext uri="{FF2B5EF4-FFF2-40B4-BE49-F238E27FC236}">
+                <a16:creationId xmlns:a16="http://schemas.microsoft.com/office/drawing/2014/main" id="{2C64FF34-171D-5049-A797-D915670D6877}"/>
+              </a:ext>
+            </a:extLst>
+          </p:cNvPr>
+          <p:cNvPicPr>
+            <a:picLocks noChangeAspect="1" noChangeArrowheads="1"/>
+          </p:cNvPicPr>
+          <p:nvPr/>
+        </p:nvPicPr>
+        <p:blipFill>
+          <a:blip r:embed="rId6">
+            <a:extLst>
+              <a:ext uri="{28A0092B-C50C-407E-A947-70E740481C1C}">
+                <a14:useLocalDpi xmlns:a14="http://schemas.microsoft.com/office/drawing/2010/main" val="0"/>
+              </a:ext>
+            </a:extLst>
+          </a:blip>
+          <a:srcRect/>
+          <a:stretch>
+            <a:fillRect/>
+          </a:stretch>
+        </p:blipFill>
+        <p:spPr bwMode="auto">
+          <a:xfrm>
+            <a:off x="17367590" y="14812431"/>
+            <a:ext cx="5463905" cy="4182468"/>
+          </a:xfrm>
+          <a:prstGeom prst="rect">
+            <a:avLst/>
+          </a:prstGeom>
+          <a:noFill/>
+          <a:ln>
+            <a:solidFill>
+              <a:schemeClr val="tx1"/>
+            </a:solidFill>
+          </a:ln>
+          <a:extLst>
+            <a:ext uri="{909E8E84-426E-40DD-AFC4-6F175D3DCCD1}">
+              <a14:hiddenFill xmlns:a14="http://schemas.microsoft.com/office/drawing/2010/main">
+                <a:solidFill>
+                  <a:srgbClr val="FFFFFF"/>
+                </a:solidFill>
+              </a14:hiddenFill>
+            </a:ext>
+          </a:extLst>
+        </p:spPr>
+      </p:pic>
+      <p:pic>
+        <p:nvPicPr>
+          <p:cNvPr id="1032" name="Picture 8">
+            <a:extLst>
+              <a:ext uri="{FF2B5EF4-FFF2-40B4-BE49-F238E27FC236}">
+                <a16:creationId xmlns:a16="http://schemas.microsoft.com/office/drawing/2014/main" id="{D7C6C70A-AC51-7A41-8FBA-711B6FE8B991}"/>
+              </a:ext>
+            </a:extLst>
+          </p:cNvPr>
+          <p:cNvPicPr>
+            <a:picLocks noChangeAspect="1" noChangeArrowheads="1"/>
+          </p:cNvPicPr>
+          <p:nvPr/>
+        </p:nvPicPr>
+        <p:blipFill>
+          <a:blip r:embed="rId7">
+            <a:extLst>
+              <a:ext uri="{28A0092B-C50C-407E-A947-70E740481C1C}">
+                <a14:useLocalDpi xmlns:a14="http://schemas.microsoft.com/office/drawing/2010/main" val="0"/>
+              </a:ext>
+            </a:extLst>
+          </a:blip>
+          <a:srcRect/>
+          <a:stretch>
+            <a:fillRect/>
+          </a:stretch>
+        </p:blipFill>
+        <p:spPr bwMode="auto">
+          <a:xfrm>
+            <a:off x="23336931" y="14783828"/>
+            <a:ext cx="5658498" cy="4348108"/>
+          </a:xfrm>
+          <a:prstGeom prst="rect">
+            <a:avLst/>
+          </a:prstGeom>
+          <a:noFill/>
+          <a:ln>
+            <a:solidFill>
+              <a:schemeClr val="tx1"/>
+            </a:solidFill>
+          </a:ln>
+          <a:extLst>
+            <a:ext uri="{909E8E84-426E-40DD-AFC4-6F175D3DCCD1}">
+              <a14:hiddenFill xmlns:a14="http://schemas.microsoft.com/office/drawing/2010/main">
+                <a:solidFill>
+                  <a:srgbClr val="FFFFFF"/>
+                </a:solidFill>
+              </a14:hiddenFill>
+            </a:ext>
+          </a:extLst>
+        </p:spPr>
+      </p:pic>
+      <p:sp>
+        <p:nvSpPr>
+          <p:cNvPr id="57" name="TextBox 56">
+            <a:extLst>
+              <a:ext uri="{FF2B5EF4-FFF2-40B4-BE49-F238E27FC236}">
+                <a16:creationId xmlns:a16="http://schemas.microsoft.com/office/drawing/2014/main" id="{B1714D10-C7C0-EB44-ABF2-A2C5B3E2C55A}"/>
+              </a:ext>
+            </a:extLst>
+          </p:cNvPr>
+          <p:cNvSpPr txBox="1"/>
+          <p:nvPr/>
+        </p:nvSpPr>
+        <p:spPr>
+          <a:xfrm>
+            <a:off x="18303812" y="19200904"/>
+            <a:ext cx="3625976" cy="743171"/>
+          </a:xfrm>
+          <a:prstGeom prst="roundRect">
+            <a:avLst/>
+          </a:prstGeom>
+        </p:spPr>
+        <p:style>
+          <a:lnRef idx="3">
+            <a:schemeClr val="lt1"/>
+          </a:lnRef>
+          <a:fillRef idx="1">
+            <a:schemeClr val="accent1"/>
+          </a:fillRef>
+          <a:effectRef idx="1">
+            <a:schemeClr val="accent1"/>
+          </a:effectRef>
+          <a:fontRef idx="minor">
+            <a:schemeClr val="lt1"/>
+          </a:fontRef>
+        </p:style>
+        <p:txBody>
+          <a:bodyPr wrap="square" lIns="97785" tIns="48892" rIns="97785" bIns="48892" rtlCol="0">
+            <a:spAutoFit/>
+          </a:bodyPr>
+          <a:lstStyle/>
+          <a:p>
+            <a:pPr algn="ctr"/>
+            <a:r>
+              <a:rPr lang="en-US" sz="3667" dirty="0">
+                <a:latin typeface="Cambria" panose="02040503050406030204" pitchFamily="18" charset="0"/>
+              </a:rPr>
+              <a:t>Neural Network</a:t>
+            </a:r>
+          </a:p>
+        </p:txBody>
+      </p:sp>
+      <p:pic>
+        <p:nvPicPr>
+          <p:cNvPr id="1034" name="Picture 10">
+            <a:extLst>
+              <a:ext uri="{FF2B5EF4-FFF2-40B4-BE49-F238E27FC236}">
+                <a16:creationId xmlns:a16="http://schemas.microsoft.com/office/drawing/2014/main" id="{960D9663-62B0-254B-BB53-62243C99ECE8}"/>
+              </a:ext>
+            </a:extLst>
+          </p:cNvPr>
+          <p:cNvPicPr>
+            <a:picLocks noChangeAspect="1" noChangeArrowheads="1"/>
+          </p:cNvPicPr>
+          <p:nvPr/>
+        </p:nvPicPr>
+        <p:blipFill rotWithShape="1">
+          <a:blip r:embed="rId8">
+            <a:extLst>
+              <a:ext uri="{28A0092B-C50C-407E-A947-70E740481C1C}">
+                <a14:useLocalDpi xmlns:a14="http://schemas.microsoft.com/office/drawing/2010/main" val="0"/>
+              </a:ext>
+            </a:extLst>
+          </a:blip>
+          <a:srcRect t="4337" r="4492"/>
+          <a:stretch/>
+        </p:blipFill>
+        <p:spPr bwMode="auto">
+          <a:xfrm>
+            <a:off x="17367589" y="20091059"/>
+            <a:ext cx="5665959" cy="4319872"/>
+          </a:xfrm>
+          <a:prstGeom prst="rect">
+            <a:avLst/>
+          </a:prstGeom>
+          <a:noFill/>
+          <a:ln>
+            <a:solidFill>
+              <a:schemeClr val="tx1"/>
+            </a:solidFill>
+          </a:ln>
+          <a:extLst>
+            <a:ext uri="{909E8E84-426E-40DD-AFC4-6F175D3DCCD1}">
+              <a14:hiddenFill xmlns:a14="http://schemas.microsoft.com/office/drawing/2010/main">
+                <a:solidFill>
+                  <a:srgbClr val="FFFFFF"/>
+                </a:solidFill>
+              </a14:hiddenFill>
+            </a:ext>
+          </a:extLst>
+        </p:spPr>
+      </p:pic>
+      <p:pic>
+        <p:nvPicPr>
+          <p:cNvPr id="1038" name="Picture 14">
+            <a:extLst>
+              <a:ext uri="{FF2B5EF4-FFF2-40B4-BE49-F238E27FC236}">
+                <a16:creationId xmlns:a16="http://schemas.microsoft.com/office/drawing/2014/main" id="{B7C4ABF0-21C7-9246-877D-D0D54FDFD3CA}"/>
+              </a:ext>
+            </a:extLst>
+          </p:cNvPr>
+          <p:cNvPicPr>
+            <a:picLocks noChangeAspect="1" noChangeArrowheads="1"/>
+          </p:cNvPicPr>
+          <p:nvPr/>
+        </p:nvPicPr>
+        <p:blipFill>
+          <a:blip r:embed="rId9">
+            <a:extLst>
+              <a:ext uri="{28A0092B-C50C-407E-A947-70E740481C1C}">
+                <a14:useLocalDpi xmlns:a14="http://schemas.microsoft.com/office/drawing/2010/main" val="0"/>
+              </a:ext>
+            </a:extLst>
+          </a:blip>
+          <a:srcRect/>
+          <a:stretch>
+            <a:fillRect/>
+          </a:stretch>
+        </p:blipFill>
+        <p:spPr bwMode="auto">
+          <a:xfrm>
+            <a:off x="11450188" y="14836416"/>
+            <a:ext cx="5480997" cy="4182469"/>
+          </a:xfrm>
+          <a:prstGeom prst="rect">
+            <a:avLst/>
+          </a:prstGeom>
+          <a:noFill/>
+          <a:ln>
+            <a:solidFill>
+              <a:schemeClr val="tx1"/>
+            </a:solidFill>
+          </a:ln>
+          <a:extLst>
+            <a:ext uri="{909E8E84-426E-40DD-AFC4-6F175D3DCCD1}">
+              <a14:hiddenFill xmlns:a14="http://schemas.microsoft.com/office/drawing/2010/main">
+                <a:solidFill>
+                  <a:srgbClr val="FFFFFF"/>
+                </a:solidFill>
+              </a14:hiddenFill>
+            </a:ext>
+          </a:extLst>
+        </p:spPr>
+      </p:pic>
+      <p:sp>
+        <p:nvSpPr>
+          <p:cNvPr id="65" name="TextBox 64">
+            <a:extLst>
+              <a:ext uri="{FF2B5EF4-FFF2-40B4-BE49-F238E27FC236}">
+                <a16:creationId xmlns:a16="http://schemas.microsoft.com/office/drawing/2014/main" id="{947B3DD0-1D21-D74D-8616-42B0DDAEA63A}"/>
+              </a:ext>
+            </a:extLst>
+          </p:cNvPr>
+          <p:cNvSpPr txBox="1"/>
+          <p:nvPr/>
+        </p:nvSpPr>
+        <p:spPr>
+          <a:xfrm>
+            <a:off x="17722028" y="24661781"/>
+            <a:ext cx="4908871" cy="733599"/>
+          </a:xfrm>
+          <a:prstGeom prst="roundRect">
+            <a:avLst/>
+          </a:prstGeom>
+        </p:spPr>
+        <p:style>
+          <a:lnRef idx="3">
+            <a:schemeClr val="lt1"/>
+          </a:lnRef>
+          <a:fillRef idx="1">
+            <a:schemeClr val="accent1"/>
+          </a:fillRef>
+          <a:effectRef idx="1">
+            <a:schemeClr val="accent1"/>
+          </a:effectRef>
+          <a:fontRef idx="minor">
+            <a:schemeClr val="lt1"/>
+          </a:fontRef>
+        </p:style>
+        <p:txBody>
+          <a:bodyPr wrap="square" lIns="97785" tIns="48892" rIns="97785" bIns="48892" rtlCol="0">
+            <a:spAutoFit/>
+          </a:bodyPr>
+          <a:lstStyle/>
+          <a:p>
+            <a:pPr algn="ctr"/>
+            <a:r>
+              <a:rPr lang="en-US" sz="3667" dirty="0">
+                <a:latin typeface="Cambria" panose="02040503050406030204" pitchFamily="18" charset="0"/>
+              </a:rPr>
+              <a:t>Radial Basis Function</a:t>
+            </a:r>
+          </a:p>
+        </p:txBody>
+      </p:sp>
+      <p:sp>
+        <p:nvSpPr>
+          <p:cNvPr id="66" name="TextBox 65">
+            <a:extLst>
+              <a:ext uri="{FF2B5EF4-FFF2-40B4-BE49-F238E27FC236}">
+                <a16:creationId xmlns:a16="http://schemas.microsoft.com/office/drawing/2014/main" id="{DA8D5D21-1649-8E4E-BB19-C95018131AF8}"/>
+              </a:ext>
+            </a:extLst>
+          </p:cNvPr>
+          <p:cNvSpPr txBox="1"/>
+          <p:nvPr/>
+        </p:nvSpPr>
+        <p:spPr>
+          <a:xfrm>
+            <a:off x="22651541" y="24895286"/>
+            <a:ext cx="3625976" cy="437293"/>
+          </a:xfrm>
+          <a:prstGeom prst="rect">
+            <a:avLst/>
+          </a:prstGeom>
+          <a:noFill/>
+        </p:spPr>
+        <p:txBody>
+          <a:bodyPr wrap="square" lIns="97785" tIns="48892" rIns="97785" bIns="48892" rtlCol="0">
+            <a:spAutoFit/>
+          </a:bodyPr>
+          <a:lstStyle/>
+          <a:p>
+            <a:r>
+              <a:rPr lang="en-US" sz="2200" dirty="0">
+                <a:latin typeface="Cambria" panose="02040503050406030204" pitchFamily="18" charset="0"/>
+              </a:rPr>
+              <a:t>Fit using 1 week of data</a:t>
+            </a:r>
+          </a:p>
+        </p:txBody>
+      </p:sp>
+      <p:pic>
+        <p:nvPicPr>
+          <p:cNvPr id="1042" name="Picture 18">
+            <a:extLst>
+              <a:ext uri="{FF2B5EF4-FFF2-40B4-BE49-F238E27FC236}">
+                <a16:creationId xmlns:a16="http://schemas.microsoft.com/office/drawing/2014/main" id="{1A7C2F6E-BF6C-854A-8556-77788EF18C56}"/>
+              </a:ext>
+            </a:extLst>
+          </p:cNvPr>
+          <p:cNvPicPr>
+            <a:picLocks noChangeAspect="1" noChangeArrowheads="1"/>
+          </p:cNvPicPr>
+          <p:nvPr/>
+        </p:nvPicPr>
+        <p:blipFill>
+          <a:blip r:embed="rId10">
+            <a:extLst>
+              <a:ext uri="{28A0092B-C50C-407E-A947-70E740481C1C}">
+                <a14:useLocalDpi xmlns:a14="http://schemas.microsoft.com/office/drawing/2010/main" val="0"/>
+              </a:ext>
+            </a:extLst>
+          </a:blip>
+          <a:srcRect/>
+          <a:stretch>
+            <a:fillRect/>
+          </a:stretch>
+        </p:blipFill>
+        <p:spPr bwMode="auto">
+          <a:xfrm>
+            <a:off x="17286672" y="25533762"/>
+            <a:ext cx="5917260" cy="4485665"/>
+          </a:xfrm>
+          <a:prstGeom prst="rect">
+            <a:avLst/>
+          </a:prstGeom>
+          <a:noFill/>
+          <a:ln>
+            <a:solidFill>
+              <a:schemeClr val="tx1"/>
+            </a:solidFill>
+          </a:ln>
+          <a:extLst>
+            <a:ext uri="{909E8E84-426E-40DD-AFC4-6F175D3DCCD1}">
+              <a14:hiddenFill xmlns:a14="http://schemas.microsoft.com/office/drawing/2010/main">
+                <a:solidFill>
+                  <a:srgbClr val="FFFFFF"/>
+                </a:solidFill>
+              </a14:hiddenFill>
+            </a:ext>
+          </a:extLst>
+        </p:spPr>
+      </p:pic>
+      <p:pic>
+        <p:nvPicPr>
+          <p:cNvPr id="1044" name="Picture 20">
+            <a:extLst>
+              <a:ext uri="{FF2B5EF4-FFF2-40B4-BE49-F238E27FC236}">
+                <a16:creationId xmlns:a16="http://schemas.microsoft.com/office/drawing/2014/main" id="{6F957847-4B0C-6C4B-8511-95F4F66ADA9B}"/>
+              </a:ext>
+            </a:extLst>
+          </p:cNvPr>
+          <p:cNvPicPr>
+            <a:picLocks noChangeAspect="1" noChangeArrowheads="1"/>
+          </p:cNvPicPr>
+          <p:nvPr/>
+        </p:nvPicPr>
+        <p:blipFill>
+          <a:blip r:embed="rId11">
+            <a:extLst>
+              <a:ext uri="{28A0092B-C50C-407E-A947-70E740481C1C}">
+                <a14:useLocalDpi xmlns:a14="http://schemas.microsoft.com/office/drawing/2010/main" val="0"/>
+              </a:ext>
+            </a:extLst>
+          </a:blip>
+          <a:srcRect/>
+          <a:stretch>
+            <a:fillRect/>
+          </a:stretch>
+        </p:blipFill>
+        <p:spPr bwMode="auto">
+          <a:xfrm>
+            <a:off x="23322352" y="25563127"/>
+            <a:ext cx="5863152" cy="4426933"/>
+          </a:xfrm>
+          <a:prstGeom prst="rect">
+            <a:avLst/>
+          </a:prstGeom>
+          <a:noFill/>
+          <a:ln>
+            <a:solidFill>
+              <a:schemeClr val="tx1"/>
+            </a:solidFill>
+          </a:ln>
+          <a:extLst>
+            <a:ext uri="{909E8E84-426E-40DD-AFC4-6F175D3DCCD1}">
+              <a14:hiddenFill xmlns:a14="http://schemas.microsoft.com/office/drawing/2010/main">
+                <a:solidFill>
+                  <a:srgbClr val="FFFFFF"/>
+                </a:solidFill>
+              </a14:hiddenFill>
+            </a:ext>
+          </a:extLst>
+        </p:spPr>
+      </p:pic>
+      <p:pic>
+        <p:nvPicPr>
+          <p:cNvPr id="1046" name="Picture 22">
+            <a:extLst>
+              <a:ext uri="{FF2B5EF4-FFF2-40B4-BE49-F238E27FC236}">
+                <a16:creationId xmlns:a16="http://schemas.microsoft.com/office/drawing/2014/main" id="{86FEC648-2A2C-0C4A-A06D-318CC20AFEC9}"/>
+              </a:ext>
+            </a:extLst>
+          </p:cNvPr>
+          <p:cNvPicPr>
+            <a:picLocks noChangeAspect="1" noChangeArrowheads="1"/>
+          </p:cNvPicPr>
+          <p:nvPr/>
+        </p:nvPicPr>
+        <p:blipFill>
+          <a:blip r:embed="rId12">
+            <a:extLst>
+              <a:ext uri="{28A0092B-C50C-407E-A947-70E740481C1C}">
+                <a14:useLocalDpi xmlns:a14="http://schemas.microsoft.com/office/drawing/2010/main" val="0"/>
+              </a:ext>
+            </a:extLst>
+          </a:blip>
+          <a:srcRect/>
+          <a:stretch>
+            <a:fillRect/>
+          </a:stretch>
+        </p:blipFill>
+        <p:spPr bwMode="auto">
+          <a:xfrm>
+            <a:off x="11263991" y="25533762"/>
+            <a:ext cx="5853389" cy="4426933"/>
+          </a:xfrm>
+          <a:prstGeom prst="rect">
+            <a:avLst/>
+          </a:prstGeom>
+          <a:noFill/>
+          <a:ln>
+            <a:solidFill>
+              <a:schemeClr val="tx1"/>
+            </a:solidFill>
+          </a:ln>
+          <a:extLst>
+            <a:ext uri="{909E8E84-426E-40DD-AFC4-6F175D3DCCD1}">
+              <a14:hiddenFill xmlns:a14="http://schemas.microsoft.com/office/drawing/2010/main">
+                <a:solidFill>
+                  <a:srgbClr val="FFFFFF"/>
+                </a:solidFill>
+              </a14:hiddenFill>
+            </a:ext>
+          </a:extLst>
+        </p:spPr>
+      </p:pic>
+      <p:pic>
+        <p:nvPicPr>
+          <p:cNvPr id="25" name="Picture 24">
+            <a:extLst>
+              <a:ext uri="{FF2B5EF4-FFF2-40B4-BE49-F238E27FC236}">
+                <a16:creationId xmlns:a16="http://schemas.microsoft.com/office/drawing/2014/main" id="{D6F57A9E-D59E-854A-B824-1AD78F86C330}"/>
+              </a:ext>
+            </a:extLst>
+          </p:cNvPr>
+          <p:cNvPicPr>
+            <a:picLocks noChangeAspect="1"/>
+          </p:cNvPicPr>
+          <p:nvPr/>
+        </p:nvPicPr>
+        <p:blipFill>
+          <a:blip r:embed="rId13"/>
+          <a:stretch>
+            <a:fillRect/>
+          </a:stretch>
+        </p:blipFill>
+        <p:spPr>
+          <a:xfrm>
+            <a:off x="23317564" y="20060849"/>
+            <a:ext cx="5884015" cy="4426933"/>
+          </a:xfrm>
+          <a:prstGeom prst="rect">
+            <a:avLst/>
+          </a:prstGeom>
+          <a:ln>
+            <a:solidFill>
+              <a:schemeClr val="tx1"/>
+            </a:solidFill>
+          </a:ln>
+        </p:spPr>
+      </p:pic>
+      <p:pic>
+        <p:nvPicPr>
+          <p:cNvPr id="28" name="Picture 27">
+            <a:extLst>
+              <a:ext uri="{FF2B5EF4-FFF2-40B4-BE49-F238E27FC236}">
+                <a16:creationId xmlns:a16="http://schemas.microsoft.com/office/drawing/2014/main" id="{E8250BA0-BAE5-2342-8F23-3B20131D0608}"/>
+              </a:ext>
+            </a:extLst>
+          </p:cNvPr>
+          <p:cNvPicPr>
+            <a:picLocks noChangeAspect="1"/>
+          </p:cNvPicPr>
+          <p:nvPr/>
+        </p:nvPicPr>
+        <p:blipFill rotWithShape="1">
+          <a:blip r:embed="rId14"/>
+          <a:srcRect t="4337"/>
+          <a:stretch/>
+        </p:blipFill>
+        <p:spPr>
+          <a:xfrm>
+            <a:off x="11380425" y="20091059"/>
+            <a:ext cx="5865219" cy="4234917"/>
+          </a:xfrm>
+          <a:prstGeom prst="rect">
+            <a:avLst/>
+          </a:prstGeom>
+          <a:ln>
+            <a:solidFill>
+              <a:schemeClr val="tx1"/>
+            </a:solidFill>
+          </a:ln>
+        </p:spPr>
+      </p:pic>
+      <p:sp>
+        <p:nvSpPr>
+          <p:cNvPr id="72" name="TextBox 71">
+            <a:extLst>
+              <a:ext uri="{FF2B5EF4-FFF2-40B4-BE49-F238E27FC236}">
+                <a16:creationId xmlns:a16="http://schemas.microsoft.com/office/drawing/2014/main" id="{8856A3DE-2754-6F4E-B421-689C74DC924F}"/>
+              </a:ext>
+            </a:extLst>
+          </p:cNvPr>
+          <p:cNvSpPr txBox="1"/>
+          <p:nvPr/>
+        </p:nvSpPr>
+        <p:spPr>
+          <a:xfrm>
+            <a:off x="22036825" y="19373708"/>
+            <a:ext cx="3625976" cy="437293"/>
+          </a:xfrm>
+          <a:prstGeom prst="rect">
+            <a:avLst/>
+          </a:prstGeom>
+          <a:noFill/>
+        </p:spPr>
+        <p:txBody>
+          <a:bodyPr wrap="square" lIns="97785" tIns="48892" rIns="97785" bIns="48892" rtlCol="0">
+            <a:spAutoFit/>
+          </a:bodyPr>
+          <a:lstStyle/>
+          <a:p>
+            <a:r>
+              <a:rPr lang="en-US" sz="2200" dirty="0">
+                <a:latin typeface="Cambria" panose="02040503050406030204" pitchFamily="18" charset="0"/>
+              </a:rPr>
+              <a:t>Trained on 1 day of data</a:t>
+            </a:r>
+          </a:p>
+        </p:txBody>
+      </p:sp>
+      <p:sp>
+        <p:nvSpPr>
+          <p:cNvPr id="73" name="TextBox 72">
+            <a:extLst>
+              <a:ext uri="{FF2B5EF4-FFF2-40B4-BE49-F238E27FC236}">
+                <a16:creationId xmlns:a16="http://schemas.microsoft.com/office/drawing/2014/main" id="{394AD9A9-B31C-4049-A2DB-66C2039BB9D6}"/>
+              </a:ext>
+            </a:extLst>
+          </p:cNvPr>
+          <p:cNvSpPr txBox="1"/>
+          <p:nvPr/>
+        </p:nvSpPr>
+        <p:spPr>
+          <a:xfrm>
+            <a:off x="22118105" y="14109823"/>
+            <a:ext cx="3625976" cy="437293"/>
+          </a:xfrm>
+          <a:prstGeom prst="rect">
+            <a:avLst/>
+          </a:prstGeom>
+          <a:noFill/>
+        </p:spPr>
+        <p:txBody>
+          <a:bodyPr wrap="square" lIns="97785" tIns="48892" rIns="97785" bIns="48892" rtlCol="0">
+            <a:spAutoFit/>
+          </a:bodyPr>
+          <a:lstStyle/>
+          <a:p>
+            <a:r>
+              <a:rPr lang="en-US" sz="2200" dirty="0">
+                <a:latin typeface="Cambria" panose="02040503050406030204" pitchFamily="18" charset="0"/>
+              </a:rPr>
+              <a:t>Fit using 1 week of data</a:t>
+            </a:r>
+          </a:p>
+        </p:txBody>
+      </p:sp>
     </p:spTree>
     <p:extLst>
       <p:ext uri="{BB962C8B-B14F-4D97-AF65-F5344CB8AC3E}">
